--- a/ACS/AC3/LucasKurata_AC03.pptx
+++ b/ACS/AC3/LucasKurata_AC03.pptx
@@ -245,7 +245,7 @@
           <a:p>
             <a:fld id="{92E422EF-B27F-4667-8CA7-4B1FA23F92F5}" type="datetimeFigureOut">
               <a:rPr lang="pt-BR" smtClean="0"/>
-              <a:t>01/04/2019</a:t>
+              <a:t>16/05/2019</a:t>
             </a:fld>
             <a:endParaRPr lang="pt-BR"/>
           </a:p>
@@ -413,7 +413,7 @@
           <a:p>
             <a:fld id="{92E422EF-B27F-4667-8CA7-4B1FA23F92F5}" type="datetimeFigureOut">
               <a:rPr lang="pt-BR" smtClean="0"/>
-              <a:t>01/04/2019</a:t>
+              <a:t>16/05/2019</a:t>
             </a:fld>
             <a:endParaRPr lang="pt-BR"/>
           </a:p>
@@ -591,7 +591,7 @@
           <a:p>
             <a:fld id="{92E422EF-B27F-4667-8CA7-4B1FA23F92F5}" type="datetimeFigureOut">
               <a:rPr lang="pt-BR" smtClean="0"/>
-              <a:t>01/04/2019</a:t>
+              <a:t>16/05/2019</a:t>
             </a:fld>
             <a:endParaRPr lang="pt-BR"/>
           </a:p>
@@ -759,7 +759,7 @@
           <a:p>
             <a:fld id="{92E422EF-B27F-4667-8CA7-4B1FA23F92F5}" type="datetimeFigureOut">
               <a:rPr lang="pt-BR" smtClean="0"/>
-              <a:t>01/04/2019</a:t>
+              <a:t>16/05/2019</a:t>
             </a:fld>
             <a:endParaRPr lang="pt-BR"/>
           </a:p>
@@ -1004,7 +1004,7 @@
           <a:p>
             <a:fld id="{92E422EF-B27F-4667-8CA7-4B1FA23F92F5}" type="datetimeFigureOut">
               <a:rPr lang="pt-BR" smtClean="0"/>
-              <a:t>01/04/2019</a:t>
+              <a:t>16/05/2019</a:t>
             </a:fld>
             <a:endParaRPr lang="pt-BR"/>
           </a:p>
@@ -1233,7 +1233,7 @@
           <a:p>
             <a:fld id="{92E422EF-B27F-4667-8CA7-4B1FA23F92F5}" type="datetimeFigureOut">
               <a:rPr lang="pt-BR" smtClean="0"/>
-              <a:t>01/04/2019</a:t>
+              <a:t>16/05/2019</a:t>
             </a:fld>
             <a:endParaRPr lang="pt-BR"/>
           </a:p>
@@ -1597,7 +1597,7 @@
           <a:p>
             <a:fld id="{92E422EF-B27F-4667-8CA7-4B1FA23F92F5}" type="datetimeFigureOut">
               <a:rPr lang="pt-BR" smtClean="0"/>
-              <a:t>01/04/2019</a:t>
+              <a:t>16/05/2019</a:t>
             </a:fld>
             <a:endParaRPr lang="pt-BR"/>
           </a:p>
@@ -1714,7 +1714,7 @@
           <a:p>
             <a:fld id="{92E422EF-B27F-4667-8CA7-4B1FA23F92F5}" type="datetimeFigureOut">
               <a:rPr lang="pt-BR" smtClean="0"/>
-              <a:t>01/04/2019</a:t>
+              <a:t>16/05/2019</a:t>
             </a:fld>
             <a:endParaRPr lang="pt-BR"/>
           </a:p>
@@ -1809,7 +1809,7 @@
           <a:p>
             <a:fld id="{92E422EF-B27F-4667-8CA7-4B1FA23F92F5}" type="datetimeFigureOut">
               <a:rPr lang="pt-BR" smtClean="0"/>
-              <a:t>01/04/2019</a:t>
+              <a:t>16/05/2019</a:t>
             </a:fld>
             <a:endParaRPr lang="pt-BR"/>
           </a:p>
@@ -2084,7 +2084,7 @@
           <a:p>
             <a:fld id="{92E422EF-B27F-4667-8CA7-4B1FA23F92F5}" type="datetimeFigureOut">
               <a:rPr lang="pt-BR" smtClean="0"/>
-              <a:t>01/04/2019</a:t>
+              <a:t>16/05/2019</a:t>
             </a:fld>
             <a:endParaRPr lang="pt-BR"/>
           </a:p>
@@ -2336,7 +2336,7 @@
           <a:p>
             <a:fld id="{92E422EF-B27F-4667-8CA7-4B1FA23F92F5}" type="datetimeFigureOut">
               <a:rPr lang="pt-BR" smtClean="0"/>
-              <a:t>01/04/2019</a:t>
+              <a:t>16/05/2019</a:t>
             </a:fld>
             <a:endParaRPr lang="pt-BR"/>
           </a:p>
@@ -2547,7 +2547,7 @@
           <a:p>
             <a:fld id="{92E422EF-B27F-4667-8CA7-4B1FA23F92F5}" type="datetimeFigureOut">
               <a:rPr lang="pt-BR" smtClean="0"/>
-              <a:t>01/04/2019</a:t>
+              <a:t>16/05/2019</a:t>
             </a:fld>
             <a:endParaRPr lang="pt-BR"/>
           </a:p>
@@ -3047,7 +3047,7 @@
           <p:cNvPr id="2" name="Título 1">
             <a:extLst>
               <a:ext uri="{FF2B5EF4-FFF2-40B4-BE49-F238E27FC236}">
-                <a16:creationId xmlns="" xmlns:a16="http://schemas.microsoft.com/office/drawing/2014/main" id="{41E35EBE-C448-4D39-83D1-DCD9B4281E8B}"/>
+                <a16:creationId xmlns:a16="http://schemas.microsoft.com/office/drawing/2014/main" xmlns="" id="{41E35EBE-C448-4D39-83D1-DCD9B4281E8B}"/>
               </a:ext>
             </a:extLst>
           </p:cNvPr>
@@ -3075,5857 +3075,30 @@
           </a:p>
         </p:txBody>
       </p:sp>
-      <p:graphicFrame>
-        <p:nvGraphicFramePr>
-          <p:cNvPr id="4" name="Tabela 3">
-            <a:extLst>
-              <a:ext uri="{FF2B5EF4-FFF2-40B4-BE49-F238E27FC236}">
-                <a16:creationId xmlns="" xmlns:a16="http://schemas.microsoft.com/office/drawing/2014/main" id="{CD6764B5-8357-4D69-AB36-F2C51CF5B135}"/>
-              </a:ext>
-            </a:extLst>
-          </p:cNvPr>
-          <p:cNvGraphicFramePr>
-            <a:graphicFrameLocks noGrp="1"/>
-          </p:cNvGraphicFramePr>
-          <p:nvPr>
-            <p:extLst>
-              <p:ext uri="{D42A27DB-BD31-4B8C-83A1-F6EECF244321}">
-                <p14:modId xmlns:p14="http://schemas.microsoft.com/office/powerpoint/2010/main" val="4164959496"/>
-              </p:ext>
-            </p:extLst>
-          </p:nvPr>
-        </p:nvGraphicFramePr>
-        <p:xfrm>
-          <a:off x="212557" y="1405698"/>
-          <a:ext cx="11766885" cy="3287830"/>
-        </p:xfrm>
-        <a:graphic>
-          <a:graphicData uri="http://schemas.openxmlformats.org/drawingml/2006/table">
-            <a:tbl>
-              <a:tblPr firstRow="1" bandRow="1">
-                <a:tableStyleId>{073A0DAA-6AF3-43AB-8588-CEC1D06C72B9}</a:tableStyleId>
-              </a:tblPr>
-              <a:tblGrid>
-                <a:gridCol w="842211">
-                  <a:extLst>
-                    <a:ext uri="{9D8B030D-6E8A-4147-A177-3AD203B41FA5}">
-                      <a16:colId xmlns="" xmlns:a16="http://schemas.microsoft.com/office/drawing/2014/main" val="929364466"/>
-                    </a:ext>
-                  </a:extLst>
-                </a:gridCol>
-                <a:gridCol w="409073">
-                  <a:extLst>
-                    <a:ext uri="{9D8B030D-6E8A-4147-A177-3AD203B41FA5}">
-                      <a16:colId xmlns="" xmlns:a16="http://schemas.microsoft.com/office/drawing/2014/main" val="214781007"/>
-                    </a:ext>
-                  </a:extLst>
-                </a:gridCol>
-                <a:gridCol w="445169">
-                  <a:extLst>
-                    <a:ext uri="{9D8B030D-6E8A-4147-A177-3AD203B41FA5}">
-                      <a16:colId xmlns="" xmlns:a16="http://schemas.microsoft.com/office/drawing/2014/main" val="2553223230"/>
-                    </a:ext>
-                  </a:extLst>
-                </a:gridCol>
-                <a:gridCol w="2755231">
-                  <a:extLst>
-                    <a:ext uri="{9D8B030D-6E8A-4147-A177-3AD203B41FA5}">
-                      <a16:colId xmlns="" xmlns:a16="http://schemas.microsoft.com/office/drawing/2014/main" val="210884694"/>
-                    </a:ext>
-                  </a:extLst>
-                </a:gridCol>
-                <a:gridCol w="1130969">
-                  <a:extLst>
-                    <a:ext uri="{9D8B030D-6E8A-4147-A177-3AD203B41FA5}">
-                      <a16:colId xmlns="" xmlns:a16="http://schemas.microsoft.com/office/drawing/2014/main" val="849940219"/>
-                    </a:ext>
-                  </a:extLst>
-                </a:gridCol>
-                <a:gridCol w="1491915">
-                  <a:extLst>
-                    <a:ext uri="{9D8B030D-6E8A-4147-A177-3AD203B41FA5}">
-                      <a16:colId xmlns="" xmlns:a16="http://schemas.microsoft.com/office/drawing/2014/main" val="1970886327"/>
-                    </a:ext>
-                  </a:extLst>
-                </a:gridCol>
-                <a:gridCol w="1167064">
-                  <a:extLst>
-                    <a:ext uri="{9D8B030D-6E8A-4147-A177-3AD203B41FA5}">
-                      <a16:colId xmlns="" xmlns:a16="http://schemas.microsoft.com/office/drawing/2014/main" val="1492092904"/>
-                    </a:ext>
-                  </a:extLst>
-                </a:gridCol>
-                <a:gridCol w="1203157">
-                  <a:extLst>
-                    <a:ext uri="{9D8B030D-6E8A-4147-A177-3AD203B41FA5}">
-                      <a16:colId xmlns="" xmlns:a16="http://schemas.microsoft.com/office/drawing/2014/main" val="1229242411"/>
-                    </a:ext>
-                  </a:extLst>
-                </a:gridCol>
-                <a:gridCol w="1215190">
-                  <a:extLst>
-                    <a:ext uri="{9D8B030D-6E8A-4147-A177-3AD203B41FA5}">
-                      <a16:colId xmlns="" xmlns:a16="http://schemas.microsoft.com/office/drawing/2014/main" val="1531762052"/>
-                    </a:ext>
-                  </a:extLst>
-                </a:gridCol>
-                <a:gridCol w="1106906">
-                  <a:extLst>
-                    <a:ext uri="{9D8B030D-6E8A-4147-A177-3AD203B41FA5}">
-                      <a16:colId xmlns="" xmlns:a16="http://schemas.microsoft.com/office/drawing/2014/main" val="261952847"/>
-                    </a:ext>
-                  </a:extLst>
-                </a:gridCol>
-              </a:tblGrid>
-              <a:tr h="370840">
-                <a:tc gridSpan="2">
-                  <a:txBody>
-                    <a:bodyPr/>
-                    <a:lstStyle/>
-                    <a:p>
-                      <a:pPr algn="ctr"/>
-                      <a:r>
-                        <a:rPr lang="pt-BR" sz="1400" b="0" dirty="0">
-                          <a:latin typeface="Arial" panose="020B0604020202020204" pitchFamily="34" charset="0"/>
-                          <a:cs typeface="Arial" panose="020B0604020202020204" pitchFamily="34" charset="0"/>
-                        </a:rPr>
-                        <a:t>Capacidades</a:t>
-                      </a:r>
-                    </a:p>
-                  </a:txBody>
-                  <a:tcPr>
-                    <a:lnB w="12700" cap="flat" cmpd="sng" algn="ctr">
-                      <a:solidFill>
-                        <a:schemeClr val="tx1"/>
-                      </a:solidFill>
-                      <a:prstDash val="solid"/>
-                      <a:round/>
-                      <a:headEnd type="none" w="med" len="med"/>
-                      <a:tailEnd type="none" w="med" len="med"/>
-                    </a:lnB>
-                  </a:tcPr>
-                </a:tc>
-                <a:tc hMerge="1">
-                  <a:txBody>
-                    <a:bodyPr/>
-                    <a:lstStyle/>
-                    <a:p>
-                      <a:endParaRPr lang="pt-BR"/>
-                    </a:p>
-                  </a:txBody>
-                  <a:tcPr/>
-                </a:tc>
-                <a:tc>
-                  <a:txBody>
-                    <a:bodyPr/>
-                    <a:lstStyle/>
-                    <a:p>
-                      <a:pPr algn="ctr"/>
-                      <a:r>
-                        <a:rPr lang="pt-BR" sz="1400" b="0" dirty="0">
-                          <a:latin typeface="Arial" panose="020B0604020202020204" pitchFamily="34" charset="0"/>
-                          <a:cs typeface="Arial" panose="020B0604020202020204" pitchFamily="34" charset="0"/>
-                        </a:rPr>
-                        <a:t>N°</a:t>
-                      </a:r>
-                    </a:p>
-                  </a:txBody>
-                  <a:tcPr>
-                    <a:lnB w="12700" cap="flat" cmpd="sng" algn="ctr">
-                      <a:solidFill>
-                        <a:schemeClr val="tx1"/>
-                      </a:solidFill>
-                      <a:prstDash val="solid"/>
-                      <a:round/>
-                      <a:headEnd type="none" w="med" len="med"/>
-                      <a:tailEnd type="none" w="med" len="med"/>
-                    </a:lnB>
-                  </a:tcPr>
-                </a:tc>
-                <a:tc>
-                  <a:txBody>
-                    <a:bodyPr/>
-                    <a:lstStyle/>
-                    <a:p>
-                      <a:pPr algn="ctr"/>
-                      <a:r>
-                        <a:rPr lang="pt-BR" sz="1400" b="0" dirty="0">
-                          <a:latin typeface="Arial" panose="020B0604020202020204" pitchFamily="34" charset="0"/>
-                          <a:cs typeface="Arial" panose="020B0604020202020204" pitchFamily="34" charset="0"/>
-                        </a:rPr>
-                        <a:t>Evento</a:t>
-                      </a:r>
-                    </a:p>
-                  </a:txBody>
-                  <a:tcPr>
-                    <a:lnB w="12700" cap="flat" cmpd="sng" algn="ctr">
-                      <a:solidFill>
-                        <a:schemeClr val="tx1"/>
-                      </a:solidFill>
-                      <a:prstDash val="solid"/>
-                      <a:round/>
-                      <a:headEnd type="none" w="med" len="med"/>
-                      <a:tailEnd type="none" w="med" len="med"/>
-                    </a:lnB>
-                  </a:tcPr>
-                </a:tc>
-                <a:tc>
-                  <a:txBody>
-                    <a:bodyPr/>
-                    <a:lstStyle/>
-                    <a:p>
-                      <a:pPr algn="ctr"/>
-                      <a:r>
-                        <a:rPr lang="pt-BR" sz="1400" b="0" dirty="0">
-                          <a:latin typeface="Arial" panose="020B0604020202020204" pitchFamily="34" charset="0"/>
-                          <a:cs typeface="Arial" panose="020B0604020202020204" pitchFamily="34" charset="0"/>
-                        </a:rPr>
-                        <a:t>Previsível*</a:t>
-                      </a:r>
-                    </a:p>
-                  </a:txBody>
-                  <a:tcPr>
-                    <a:lnB w="12700" cap="flat" cmpd="sng" algn="ctr">
-                      <a:solidFill>
-                        <a:schemeClr val="tx1"/>
-                      </a:solidFill>
-                      <a:prstDash val="solid"/>
-                      <a:round/>
-                      <a:headEnd type="none" w="med" len="med"/>
-                      <a:tailEnd type="none" w="med" len="med"/>
-                    </a:lnB>
-                  </a:tcPr>
-                </a:tc>
-                <a:tc>
-                  <a:txBody>
-                    <a:bodyPr/>
-                    <a:lstStyle/>
-                    <a:p>
-                      <a:pPr algn="ctr"/>
-                      <a:r>
-                        <a:rPr lang="pt-BR" sz="1400" b="0" dirty="0">
-                          <a:latin typeface="Arial" panose="020B0604020202020204" pitchFamily="34" charset="0"/>
-                          <a:cs typeface="Arial" panose="020B0604020202020204" pitchFamily="34" charset="0"/>
-                        </a:rPr>
-                        <a:t>Não Previsível</a:t>
-                      </a:r>
-                    </a:p>
-                  </a:txBody>
-                  <a:tcPr>
-                    <a:lnB w="12700" cap="flat" cmpd="sng" algn="ctr">
-                      <a:solidFill>
-                        <a:schemeClr val="tx1"/>
-                      </a:solidFill>
-                      <a:prstDash val="solid"/>
-                      <a:round/>
-                      <a:headEnd type="none" w="med" len="med"/>
-                      <a:tailEnd type="none" w="med" len="med"/>
-                    </a:lnB>
-                  </a:tcPr>
-                </a:tc>
-                <a:tc>
-                  <a:txBody>
-                    <a:bodyPr/>
-                    <a:lstStyle/>
-                    <a:p>
-                      <a:pPr algn="ctr"/>
-                      <a:r>
-                        <a:rPr lang="pt-BR" sz="1400" b="0" dirty="0">
-                          <a:latin typeface="Arial" panose="020B0604020202020204" pitchFamily="34" charset="0"/>
-                          <a:cs typeface="Arial" panose="020B0604020202020204" pitchFamily="34" charset="0"/>
-                        </a:rPr>
-                        <a:t>Relativo</a:t>
-                      </a:r>
-                    </a:p>
-                  </a:txBody>
-                  <a:tcPr>
-                    <a:lnB w="12700" cap="flat" cmpd="sng" algn="ctr">
-                      <a:solidFill>
-                        <a:schemeClr val="tx1"/>
-                      </a:solidFill>
-                      <a:prstDash val="solid"/>
-                      <a:round/>
-                      <a:headEnd type="none" w="med" len="med"/>
-                      <a:tailEnd type="none" w="med" len="med"/>
-                    </a:lnB>
-                  </a:tcPr>
-                </a:tc>
-                <a:tc>
-                  <a:txBody>
-                    <a:bodyPr/>
-                    <a:lstStyle/>
-                    <a:p>
-                      <a:pPr algn="ctr"/>
-                      <a:r>
-                        <a:rPr lang="pt-BR" sz="1400" b="0" dirty="0">
-                          <a:latin typeface="Arial" panose="020B0604020202020204" pitchFamily="34" charset="0"/>
-                          <a:cs typeface="Arial" panose="020B0604020202020204" pitchFamily="34" charset="0"/>
-                        </a:rPr>
-                        <a:t>Absoluto</a:t>
-                      </a:r>
-                    </a:p>
-                  </a:txBody>
-                  <a:tcPr>
-                    <a:lnB w="12700" cap="flat" cmpd="sng" algn="ctr">
-                      <a:solidFill>
-                        <a:schemeClr val="tx1"/>
-                      </a:solidFill>
-                      <a:prstDash val="solid"/>
-                      <a:round/>
-                      <a:headEnd type="none" w="med" len="med"/>
-                      <a:tailEnd type="none" w="med" len="med"/>
-                    </a:lnB>
-                  </a:tcPr>
-                </a:tc>
-                <a:tc>
-                  <a:txBody>
-                    <a:bodyPr/>
-                    <a:lstStyle/>
-                    <a:p>
-                      <a:pPr algn="ctr"/>
-                      <a:r>
-                        <a:rPr lang="pt-BR" sz="1400" b="0" dirty="0">
-                          <a:latin typeface="Arial" panose="020B0604020202020204" pitchFamily="34" charset="0"/>
-                          <a:cs typeface="Arial" panose="020B0604020202020204" pitchFamily="34" charset="0"/>
-                        </a:rPr>
-                        <a:t>Não Evento</a:t>
-                      </a:r>
-                    </a:p>
-                  </a:txBody>
-                  <a:tcPr>
-                    <a:lnB w="12700" cap="flat" cmpd="sng" algn="ctr">
-                      <a:solidFill>
-                        <a:schemeClr val="tx1"/>
-                      </a:solidFill>
-                      <a:prstDash val="solid"/>
-                      <a:round/>
-                      <a:headEnd type="none" w="med" len="med"/>
-                      <a:tailEnd type="none" w="med" len="med"/>
-                    </a:lnB>
-                  </a:tcPr>
-                </a:tc>
-                <a:tc>
-                  <a:txBody>
-                    <a:bodyPr/>
-                    <a:lstStyle/>
-                    <a:p>
-                      <a:pPr algn="ctr"/>
-                      <a:r>
-                        <a:rPr lang="pt-BR" sz="1400" b="0" dirty="0">
-                          <a:latin typeface="Arial" panose="020B0604020202020204" pitchFamily="34" charset="0"/>
-                          <a:cs typeface="Arial" panose="020B0604020202020204" pitchFamily="34" charset="0"/>
-                        </a:rPr>
-                        <a:t>Extemporâneo</a:t>
-                      </a:r>
-                    </a:p>
-                  </a:txBody>
-                  <a:tcPr>
-                    <a:lnB w="12700" cap="flat" cmpd="sng" algn="ctr">
-                      <a:solidFill>
-                        <a:schemeClr val="tx1"/>
-                      </a:solidFill>
-                      <a:prstDash val="solid"/>
-                      <a:round/>
-                      <a:headEnd type="none" w="med" len="med"/>
-                      <a:tailEnd type="none" w="med" len="med"/>
-                    </a:lnB>
-                  </a:tcPr>
-                </a:tc>
-                <a:extLst>
-                  <a:ext uri="{0D108BD9-81ED-4DB2-BD59-A6C34878D82A}">
-                    <a16:rowId xmlns="" xmlns:a16="http://schemas.microsoft.com/office/drawing/2014/main" val="2011437187"/>
-                  </a:ext>
-                </a:extLst>
-              </a:tr>
-              <a:tr h="259080">
-                <a:tc rowSpan="10">
-                  <a:txBody>
-                    <a:bodyPr/>
-                    <a:lstStyle/>
-                    <a:p>
-                      <a:pPr algn="ctr"/>
-                      <a:endParaRPr lang="pt-BR" sz="1400" dirty="0">
-                        <a:latin typeface="Arial" panose="020B0604020202020204" pitchFamily="34" charset="0"/>
-                        <a:cs typeface="Arial" panose="020B0604020202020204" pitchFamily="34" charset="0"/>
-                      </a:endParaRPr>
-                    </a:p>
-                    <a:p>
-                      <a:pPr algn="ctr"/>
-                      <a:endParaRPr lang="pt-BR" sz="1400" dirty="0">
-                        <a:latin typeface="Arial" panose="020B0604020202020204" pitchFamily="34" charset="0"/>
-                        <a:cs typeface="Arial" panose="020B0604020202020204" pitchFamily="34" charset="0"/>
-                      </a:endParaRPr>
-                    </a:p>
-                    <a:p>
-                      <a:pPr algn="ctr"/>
-                      <a:endParaRPr lang="pt-BR" sz="1400" dirty="0">
-                        <a:latin typeface="Arial" panose="020B0604020202020204" pitchFamily="34" charset="0"/>
-                        <a:cs typeface="Arial" panose="020B0604020202020204" pitchFamily="34" charset="0"/>
-                      </a:endParaRPr>
-                    </a:p>
-                    <a:p>
-                      <a:pPr algn="ctr"/>
-                      <a:endParaRPr lang="pt-BR" sz="1400" dirty="0">
-                        <a:latin typeface="Arial" panose="020B0604020202020204" pitchFamily="34" charset="0"/>
-                        <a:cs typeface="Arial" panose="020B0604020202020204" pitchFamily="34" charset="0"/>
-                      </a:endParaRPr>
-                    </a:p>
-                    <a:p>
-                      <a:pPr algn="ctr"/>
-                      <a:endParaRPr lang="pt-BR" sz="1400" dirty="0">
-                        <a:latin typeface="Arial" panose="020B0604020202020204" pitchFamily="34" charset="0"/>
-                        <a:cs typeface="Arial" panose="020B0604020202020204" pitchFamily="34" charset="0"/>
-                      </a:endParaRPr>
-                    </a:p>
-                    <a:p>
-                      <a:pPr algn="ctr"/>
-                      <a:r>
-                        <a:rPr lang="pt-BR" sz="1400" dirty="0" smtClean="0">
-                          <a:latin typeface="Arial" panose="020B0604020202020204" pitchFamily="34" charset="0"/>
-                          <a:cs typeface="Arial" panose="020B0604020202020204" pitchFamily="34" charset="0"/>
-                        </a:rPr>
-                        <a:t>Anotar</a:t>
-                      </a:r>
-                      <a:endParaRPr lang="pt-BR" sz="1400" dirty="0">
-                        <a:latin typeface="Arial" panose="020B0604020202020204" pitchFamily="34" charset="0"/>
-                        <a:cs typeface="Arial" panose="020B0604020202020204" pitchFamily="34" charset="0"/>
-                      </a:endParaRPr>
-                    </a:p>
-                    <a:p>
-                      <a:pPr algn="ctr"/>
-                      <a:r>
-                        <a:rPr lang="pt-BR" sz="1400" dirty="0" smtClean="0">
-                          <a:latin typeface="Arial" panose="020B0604020202020204" pitchFamily="34" charset="0"/>
-                          <a:cs typeface="Arial" panose="020B0604020202020204" pitchFamily="34" charset="0"/>
-                        </a:rPr>
-                        <a:t>pedidos</a:t>
-                      </a:r>
-                      <a:endParaRPr lang="pt-BR" sz="1400" dirty="0">
-                        <a:latin typeface="Arial" panose="020B0604020202020204" pitchFamily="34" charset="0"/>
-                        <a:cs typeface="Arial" panose="020B0604020202020204" pitchFamily="34" charset="0"/>
-                      </a:endParaRPr>
-                    </a:p>
-                  </a:txBody>
-                  <a:tcPr>
-                    <a:lnL w="12700" cap="flat" cmpd="sng" algn="ctr">
-                      <a:solidFill>
-                        <a:schemeClr val="tx1"/>
-                      </a:solidFill>
-                      <a:prstDash val="solid"/>
-                      <a:round/>
-                      <a:headEnd type="none" w="med" len="med"/>
-                      <a:tailEnd type="none" w="med" len="med"/>
-                    </a:lnL>
-                    <a:lnR w="12700" cap="flat" cmpd="sng" algn="ctr">
-                      <a:solidFill>
-                        <a:schemeClr val="tx1"/>
-                      </a:solidFill>
-                      <a:prstDash val="solid"/>
-                      <a:round/>
-                      <a:headEnd type="none" w="med" len="med"/>
-                      <a:tailEnd type="none" w="med" len="med"/>
-                    </a:lnR>
-                    <a:lnT w="12700" cap="flat" cmpd="sng" algn="ctr">
-                      <a:solidFill>
-                        <a:schemeClr val="tx1"/>
-                      </a:solidFill>
-                      <a:prstDash val="solid"/>
-                      <a:round/>
-                      <a:headEnd type="none" w="med" len="med"/>
-                      <a:tailEnd type="none" w="med" len="med"/>
-                    </a:lnT>
-                    <a:lnB w="12700" cap="flat" cmpd="sng" algn="ctr">
-                      <a:solidFill>
-                        <a:schemeClr val="tx1"/>
-                      </a:solidFill>
-                      <a:prstDash val="solid"/>
-                      <a:round/>
-                      <a:headEnd type="none" w="med" len="med"/>
-                      <a:tailEnd type="none" w="med" len="med"/>
-                    </a:lnB>
-                    <a:solidFill>
-                      <a:schemeClr val="accent6">
-                        <a:lumMod val="40000"/>
-                        <a:lumOff val="60000"/>
-                      </a:schemeClr>
-                    </a:solidFill>
-                  </a:tcPr>
-                </a:tc>
-                <a:tc rowSpan="7">
-                  <a:txBody>
-                    <a:bodyPr/>
-                    <a:lstStyle/>
-                    <a:p>
-                      <a:pPr algn="ctr"/>
-                      <a:endParaRPr lang="pt-BR" sz="1200" dirty="0">
-                        <a:latin typeface="Arial" panose="020B0604020202020204" pitchFamily="34" charset="0"/>
-                        <a:cs typeface="Arial" panose="020B0604020202020204" pitchFamily="34" charset="0"/>
-                      </a:endParaRPr>
-                    </a:p>
-                    <a:p>
-                      <a:pPr algn="ctr"/>
-                      <a:endParaRPr lang="pt-BR" sz="1200" dirty="0">
-                        <a:latin typeface="Arial" panose="020B0604020202020204" pitchFamily="34" charset="0"/>
-                        <a:cs typeface="Arial" panose="020B0604020202020204" pitchFamily="34" charset="0"/>
-                      </a:endParaRPr>
-                    </a:p>
-                    <a:p>
-                      <a:pPr algn="ctr"/>
-                      <a:endParaRPr lang="pt-BR" sz="1200" dirty="0">
-                        <a:latin typeface="Arial" panose="020B0604020202020204" pitchFamily="34" charset="0"/>
-                        <a:cs typeface="Arial" panose="020B0604020202020204" pitchFamily="34" charset="0"/>
-                      </a:endParaRPr>
-                    </a:p>
-                    <a:p>
-                      <a:pPr algn="ctr"/>
-                      <a:endParaRPr lang="pt-BR" sz="1200" dirty="0">
-                        <a:latin typeface="Arial" panose="020B0604020202020204" pitchFamily="34" charset="0"/>
-                        <a:cs typeface="Arial" panose="020B0604020202020204" pitchFamily="34" charset="0"/>
-                      </a:endParaRPr>
-                    </a:p>
-                    <a:p>
-                      <a:pPr algn="ctr"/>
-                      <a:endParaRPr lang="pt-BR" sz="1200" dirty="0">
-                        <a:latin typeface="Arial" panose="020B0604020202020204" pitchFamily="34" charset="0"/>
-                        <a:cs typeface="Arial" panose="020B0604020202020204" pitchFamily="34" charset="0"/>
-                      </a:endParaRPr>
-                    </a:p>
-                    <a:p>
-                      <a:pPr algn="ctr"/>
-                      <a:r>
-                        <a:rPr lang="pt-BR" sz="1200" dirty="0">
-                          <a:latin typeface="Arial" panose="020B0604020202020204" pitchFamily="34" charset="0"/>
-                          <a:cs typeface="Arial" panose="020B0604020202020204" pitchFamily="34" charset="0"/>
-                        </a:rPr>
-                        <a:t>FB</a:t>
-                      </a:r>
-                    </a:p>
-                    <a:p>
-                      <a:pPr algn="ctr"/>
-                      <a:endParaRPr lang="pt-BR" sz="1200" dirty="0">
-                        <a:latin typeface="Arial" panose="020B0604020202020204" pitchFamily="34" charset="0"/>
-                        <a:cs typeface="Arial" panose="020B0604020202020204" pitchFamily="34" charset="0"/>
-                      </a:endParaRPr>
-                    </a:p>
-                  </a:txBody>
-                  <a:tcPr>
-                    <a:lnL w="12700" cap="flat" cmpd="sng" algn="ctr">
-                      <a:solidFill>
-                        <a:schemeClr val="tx1"/>
-                      </a:solidFill>
-                      <a:prstDash val="solid"/>
-                      <a:round/>
-                      <a:headEnd type="none" w="med" len="med"/>
-                      <a:tailEnd type="none" w="med" len="med"/>
-                    </a:lnL>
-                    <a:lnR w="12700" cap="flat" cmpd="sng" algn="ctr">
-                      <a:solidFill>
-                        <a:schemeClr val="tx1"/>
-                      </a:solidFill>
-                      <a:prstDash val="solid"/>
-                      <a:round/>
-                      <a:headEnd type="none" w="med" len="med"/>
-                      <a:tailEnd type="none" w="med" len="med"/>
-                    </a:lnR>
-                    <a:lnT w="12700" cap="flat" cmpd="sng" algn="ctr">
-                      <a:solidFill>
-                        <a:schemeClr val="tx1"/>
-                      </a:solidFill>
-                      <a:prstDash val="solid"/>
-                      <a:round/>
-                      <a:headEnd type="none" w="med" len="med"/>
-                      <a:tailEnd type="none" w="med" len="med"/>
-                    </a:lnT>
-                    <a:lnB w="12700" cap="flat" cmpd="sng" algn="ctr">
-                      <a:solidFill>
-                        <a:schemeClr val="tx1"/>
-                      </a:solidFill>
-                      <a:prstDash val="solid"/>
-                      <a:round/>
-                      <a:headEnd type="none" w="med" len="med"/>
-                      <a:tailEnd type="none" w="med" len="med"/>
-                    </a:lnB>
-                    <a:solidFill>
-                      <a:schemeClr val="accent6">
-                        <a:lumMod val="40000"/>
-                        <a:lumOff val="60000"/>
-                      </a:schemeClr>
-                    </a:solidFill>
-                  </a:tcPr>
-                </a:tc>
-                <a:tc>
-                  <a:txBody>
-                    <a:bodyPr/>
-                    <a:lstStyle/>
-                    <a:p>
-                      <a:pPr algn="ctr"/>
-                      <a:r>
-                        <a:rPr lang="pt-BR" sz="1200" dirty="0">
-                          <a:latin typeface="Arial" panose="020B0604020202020204" pitchFamily="34" charset="0"/>
-                          <a:cs typeface="Arial" panose="020B0604020202020204" pitchFamily="34" charset="0"/>
-                        </a:rPr>
-                        <a:t>1</a:t>
-                      </a:r>
-                    </a:p>
-                  </a:txBody>
-                  <a:tcPr>
-                    <a:lnL w="12700" cap="flat" cmpd="sng" algn="ctr">
-                      <a:solidFill>
-                        <a:schemeClr val="tx1"/>
-                      </a:solidFill>
-                      <a:prstDash val="solid"/>
-                      <a:round/>
-                      <a:headEnd type="none" w="med" len="med"/>
-                      <a:tailEnd type="none" w="med" len="med"/>
-                    </a:lnL>
-                    <a:lnR w="12700" cap="flat" cmpd="sng" algn="ctr">
-                      <a:solidFill>
-                        <a:schemeClr val="tx1"/>
-                      </a:solidFill>
-                      <a:prstDash val="solid"/>
-                      <a:round/>
-                      <a:headEnd type="none" w="med" len="med"/>
-                      <a:tailEnd type="none" w="med" len="med"/>
-                    </a:lnR>
-                    <a:lnT w="12700" cap="flat" cmpd="sng" algn="ctr">
-                      <a:solidFill>
-                        <a:schemeClr val="tx1"/>
-                      </a:solidFill>
-                      <a:prstDash val="solid"/>
-                      <a:round/>
-                      <a:headEnd type="none" w="med" len="med"/>
-                      <a:tailEnd type="none" w="med" len="med"/>
-                    </a:lnT>
-                    <a:lnB w="12700" cap="flat" cmpd="sng" algn="ctr">
-                      <a:solidFill>
-                        <a:schemeClr val="tx1"/>
-                      </a:solidFill>
-                      <a:prstDash val="solid"/>
-                      <a:round/>
-                      <a:headEnd type="none" w="med" len="med"/>
-                      <a:tailEnd type="none" w="med" len="med"/>
-                    </a:lnB>
-                    <a:solidFill>
-                      <a:schemeClr val="bg1"/>
-                    </a:solidFill>
-                  </a:tcPr>
-                </a:tc>
-                <a:tc>
-                  <a:txBody>
-                    <a:bodyPr/>
-                    <a:lstStyle/>
-                    <a:p>
-                      <a:r>
-                        <a:rPr lang="pt-BR" sz="1200" b="0" dirty="0">
-                          <a:latin typeface="Arial" panose="020B0604020202020204" pitchFamily="34" charset="0"/>
-                          <a:cs typeface="Arial" panose="020B0604020202020204" pitchFamily="34" charset="0"/>
-                        </a:rPr>
-                        <a:t>Cliente entrega produtos escolhidos</a:t>
-                      </a:r>
-                    </a:p>
-                  </a:txBody>
-                  <a:tcPr>
-                    <a:lnL w="12700" cap="flat" cmpd="sng" algn="ctr">
-                      <a:solidFill>
-                        <a:schemeClr val="tx1"/>
-                      </a:solidFill>
-                      <a:prstDash val="solid"/>
-                      <a:round/>
-                      <a:headEnd type="none" w="med" len="med"/>
-                      <a:tailEnd type="none" w="med" len="med"/>
-                    </a:lnL>
-                    <a:lnR w="12700" cap="flat" cmpd="sng" algn="ctr">
-                      <a:solidFill>
-                        <a:schemeClr val="tx1"/>
-                      </a:solidFill>
-                      <a:prstDash val="solid"/>
-                      <a:round/>
-                      <a:headEnd type="none" w="med" len="med"/>
-                      <a:tailEnd type="none" w="med" len="med"/>
-                    </a:lnR>
-                    <a:lnT w="12700" cap="flat" cmpd="sng" algn="ctr">
-                      <a:solidFill>
-                        <a:schemeClr val="tx1"/>
-                      </a:solidFill>
-                      <a:prstDash val="solid"/>
-                      <a:round/>
-                      <a:headEnd type="none" w="med" len="med"/>
-                      <a:tailEnd type="none" w="med" len="med"/>
-                    </a:lnT>
-                    <a:lnB w="12700" cap="flat" cmpd="sng" algn="ctr">
-                      <a:solidFill>
-                        <a:schemeClr val="tx1"/>
-                      </a:solidFill>
-                      <a:prstDash val="solid"/>
-                      <a:round/>
-                      <a:headEnd type="none" w="med" len="med"/>
-                      <a:tailEnd type="none" w="med" len="med"/>
-                    </a:lnB>
-                    <a:solidFill>
-                      <a:schemeClr val="bg1"/>
-                    </a:solidFill>
-                  </a:tcPr>
-                </a:tc>
-                <a:tc>
-                  <a:txBody>
-                    <a:bodyPr/>
-                    <a:lstStyle/>
-                    <a:p>
-                      <a:pPr algn="ctr"/>
-                      <a:endParaRPr lang="pt-BR" sz="1200" dirty="0">
-                        <a:latin typeface="Arial" panose="020B0604020202020204" pitchFamily="34" charset="0"/>
-                        <a:cs typeface="Arial" panose="020B0604020202020204" pitchFamily="34" charset="0"/>
-                      </a:endParaRPr>
-                    </a:p>
-                  </a:txBody>
-                  <a:tcPr>
-                    <a:lnL w="12700" cap="flat" cmpd="sng" algn="ctr">
-                      <a:solidFill>
-                        <a:schemeClr val="tx1"/>
-                      </a:solidFill>
-                      <a:prstDash val="solid"/>
-                      <a:round/>
-                      <a:headEnd type="none" w="med" len="med"/>
-                      <a:tailEnd type="none" w="med" len="med"/>
-                    </a:lnL>
-                    <a:lnR w="12700" cap="flat" cmpd="sng" algn="ctr">
-                      <a:solidFill>
-                        <a:schemeClr val="tx1"/>
-                      </a:solidFill>
-                      <a:prstDash val="solid"/>
-                      <a:round/>
-                      <a:headEnd type="none" w="med" len="med"/>
-                      <a:tailEnd type="none" w="med" len="med"/>
-                    </a:lnR>
-                    <a:lnT w="12700" cap="flat" cmpd="sng" algn="ctr">
-                      <a:solidFill>
-                        <a:schemeClr val="tx1"/>
-                      </a:solidFill>
-                      <a:prstDash val="solid"/>
-                      <a:round/>
-                      <a:headEnd type="none" w="med" len="med"/>
-                      <a:tailEnd type="none" w="med" len="med"/>
-                    </a:lnT>
-                    <a:lnB w="12700" cap="flat" cmpd="sng" algn="ctr">
-                      <a:solidFill>
-                        <a:schemeClr val="tx1"/>
-                      </a:solidFill>
-                      <a:prstDash val="solid"/>
-                      <a:round/>
-                      <a:headEnd type="none" w="med" len="med"/>
-                      <a:tailEnd type="none" w="med" len="med"/>
-                    </a:lnB>
-                    <a:solidFill>
-                      <a:schemeClr val="accent1">
-                        <a:lumMod val="20000"/>
-                        <a:lumOff val="80000"/>
-                      </a:schemeClr>
-                    </a:solidFill>
-                  </a:tcPr>
-                </a:tc>
-                <a:tc>
-                  <a:txBody>
-                    <a:bodyPr/>
-                    <a:lstStyle/>
-                    <a:p>
-                      <a:pPr algn="ctr"/>
-                      <a:r>
-                        <a:rPr lang="pt-BR" sz="1200" dirty="0">
-                          <a:latin typeface="Arial" panose="020B0604020202020204" pitchFamily="34" charset="0"/>
-                          <a:cs typeface="Arial" panose="020B0604020202020204" pitchFamily="34" charset="0"/>
-                        </a:rPr>
-                        <a:t>x</a:t>
-                      </a:r>
-                    </a:p>
-                  </a:txBody>
-                  <a:tcPr>
-                    <a:lnL w="12700" cap="flat" cmpd="sng" algn="ctr">
-                      <a:solidFill>
-                        <a:schemeClr val="tx1"/>
-                      </a:solidFill>
-                      <a:prstDash val="solid"/>
-                      <a:round/>
-                      <a:headEnd type="none" w="med" len="med"/>
-                      <a:tailEnd type="none" w="med" len="med"/>
-                    </a:lnL>
-                    <a:lnR w="12700" cap="flat" cmpd="sng" algn="ctr">
-                      <a:solidFill>
-                        <a:schemeClr val="tx1"/>
-                      </a:solidFill>
-                      <a:prstDash val="solid"/>
-                      <a:round/>
-                      <a:headEnd type="none" w="med" len="med"/>
-                      <a:tailEnd type="none" w="med" len="med"/>
-                    </a:lnR>
-                    <a:lnT w="12700" cap="flat" cmpd="sng" algn="ctr">
-                      <a:solidFill>
-                        <a:schemeClr val="tx1"/>
-                      </a:solidFill>
-                      <a:prstDash val="solid"/>
-                      <a:round/>
-                      <a:headEnd type="none" w="med" len="med"/>
-                      <a:tailEnd type="none" w="med" len="med"/>
-                    </a:lnT>
-                    <a:lnB w="12700" cap="flat" cmpd="sng" algn="ctr">
-                      <a:solidFill>
-                        <a:schemeClr val="tx1"/>
-                      </a:solidFill>
-                      <a:prstDash val="solid"/>
-                      <a:round/>
-                      <a:headEnd type="none" w="med" len="med"/>
-                      <a:tailEnd type="none" w="med" len="med"/>
-                    </a:lnB>
-                    <a:solidFill>
-                      <a:schemeClr val="accent1">
-                        <a:lumMod val="20000"/>
-                        <a:lumOff val="80000"/>
-                      </a:schemeClr>
-                    </a:solidFill>
-                  </a:tcPr>
-                </a:tc>
-                <a:tc>
-                  <a:txBody>
-                    <a:bodyPr/>
-                    <a:lstStyle/>
-                    <a:p>
-                      <a:pPr algn="ctr"/>
-                      <a:endParaRPr lang="pt-BR" sz="1200" dirty="0">
-                        <a:latin typeface="Arial" panose="020B0604020202020204" pitchFamily="34" charset="0"/>
-                        <a:cs typeface="Arial" panose="020B0604020202020204" pitchFamily="34" charset="0"/>
-                      </a:endParaRPr>
-                    </a:p>
-                  </a:txBody>
-                  <a:tcPr>
-                    <a:lnL w="12700" cap="flat" cmpd="sng" algn="ctr">
-                      <a:solidFill>
-                        <a:schemeClr val="tx1"/>
-                      </a:solidFill>
-                      <a:prstDash val="solid"/>
-                      <a:round/>
-                      <a:headEnd type="none" w="med" len="med"/>
-                      <a:tailEnd type="none" w="med" len="med"/>
-                    </a:lnL>
-                    <a:lnR w="12700" cap="flat" cmpd="sng" algn="ctr">
-                      <a:solidFill>
-                        <a:schemeClr val="tx1"/>
-                      </a:solidFill>
-                      <a:prstDash val="solid"/>
-                      <a:round/>
-                      <a:headEnd type="none" w="med" len="med"/>
-                      <a:tailEnd type="none" w="med" len="med"/>
-                    </a:lnR>
-                    <a:lnT w="12700" cap="flat" cmpd="sng" algn="ctr">
-                      <a:solidFill>
-                        <a:schemeClr val="tx1"/>
-                      </a:solidFill>
-                      <a:prstDash val="solid"/>
-                      <a:round/>
-                      <a:headEnd type="none" w="med" len="med"/>
-                      <a:tailEnd type="none" w="med" len="med"/>
-                    </a:lnT>
-                    <a:lnB w="12700" cap="flat" cmpd="sng" algn="ctr">
-                      <a:solidFill>
-                        <a:schemeClr val="tx1"/>
-                      </a:solidFill>
-                      <a:prstDash val="solid"/>
-                      <a:round/>
-                      <a:headEnd type="none" w="med" len="med"/>
-                      <a:tailEnd type="none" w="med" len="med"/>
-                    </a:lnB>
-                    <a:solidFill>
-                      <a:schemeClr val="accent4">
-                        <a:lumMod val="20000"/>
-                        <a:lumOff val="80000"/>
-                      </a:schemeClr>
-                    </a:solidFill>
-                  </a:tcPr>
-                </a:tc>
-                <a:tc>
-                  <a:txBody>
-                    <a:bodyPr/>
-                    <a:lstStyle/>
-                    <a:p>
-                      <a:pPr algn="ctr"/>
-                      <a:endParaRPr lang="pt-BR" sz="1200" dirty="0">
-                        <a:latin typeface="Arial" panose="020B0604020202020204" pitchFamily="34" charset="0"/>
-                        <a:cs typeface="Arial" panose="020B0604020202020204" pitchFamily="34" charset="0"/>
-                      </a:endParaRPr>
-                    </a:p>
-                  </a:txBody>
-                  <a:tcPr>
-                    <a:lnL w="12700" cap="flat" cmpd="sng" algn="ctr">
-                      <a:solidFill>
-                        <a:schemeClr val="tx1"/>
-                      </a:solidFill>
-                      <a:prstDash val="solid"/>
-                      <a:round/>
-                      <a:headEnd type="none" w="med" len="med"/>
-                      <a:tailEnd type="none" w="med" len="med"/>
-                    </a:lnL>
-                    <a:lnR w="12700" cap="flat" cmpd="sng" algn="ctr">
-                      <a:solidFill>
-                        <a:schemeClr val="tx1"/>
-                      </a:solidFill>
-                      <a:prstDash val="solid"/>
-                      <a:round/>
-                      <a:headEnd type="none" w="med" len="med"/>
-                      <a:tailEnd type="none" w="med" len="med"/>
-                    </a:lnR>
-                    <a:lnT w="12700" cap="flat" cmpd="sng" algn="ctr">
-                      <a:solidFill>
-                        <a:schemeClr val="tx1"/>
-                      </a:solidFill>
-                      <a:prstDash val="solid"/>
-                      <a:round/>
-                      <a:headEnd type="none" w="med" len="med"/>
-                      <a:tailEnd type="none" w="med" len="med"/>
-                    </a:lnT>
-                    <a:lnB w="12700" cap="flat" cmpd="sng" algn="ctr">
-                      <a:solidFill>
-                        <a:schemeClr val="tx1"/>
-                      </a:solidFill>
-                      <a:prstDash val="solid"/>
-                      <a:round/>
-                      <a:headEnd type="none" w="med" len="med"/>
-                      <a:tailEnd type="none" w="med" len="med"/>
-                    </a:lnB>
-                    <a:solidFill>
-                      <a:schemeClr val="accent4">
-                        <a:lumMod val="20000"/>
-                        <a:lumOff val="80000"/>
-                      </a:schemeClr>
-                    </a:solidFill>
-                  </a:tcPr>
-                </a:tc>
-                <a:tc>
-                  <a:txBody>
-                    <a:bodyPr/>
-                    <a:lstStyle/>
-                    <a:p>
-                      <a:pPr algn="ctr"/>
-                      <a:endParaRPr lang="pt-BR" sz="1200" dirty="0">
-                        <a:latin typeface="Arial" panose="020B0604020202020204" pitchFamily="34" charset="0"/>
-                        <a:cs typeface="Arial" panose="020B0604020202020204" pitchFamily="34" charset="0"/>
-                      </a:endParaRPr>
-                    </a:p>
-                  </a:txBody>
-                  <a:tcPr>
-                    <a:lnL w="12700" cap="flat" cmpd="sng" algn="ctr">
-                      <a:solidFill>
-                        <a:schemeClr val="tx1"/>
-                      </a:solidFill>
-                      <a:prstDash val="solid"/>
-                      <a:round/>
-                      <a:headEnd type="none" w="med" len="med"/>
-                      <a:tailEnd type="none" w="med" len="med"/>
-                    </a:lnL>
-                    <a:lnR w="12700" cap="flat" cmpd="sng" algn="ctr">
-                      <a:solidFill>
-                        <a:schemeClr val="tx1"/>
-                      </a:solidFill>
-                      <a:prstDash val="solid"/>
-                      <a:round/>
-                      <a:headEnd type="none" w="med" len="med"/>
-                      <a:tailEnd type="none" w="med" len="med"/>
-                    </a:lnR>
-                    <a:lnT w="12700" cap="flat" cmpd="sng" algn="ctr">
-                      <a:solidFill>
-                        <a:schemeClr val="tx1"/>
-                      </a:solidFill>
-                      <a:prstDash val="solid"/>
-                      <a:round/>
-                      <a:headEnd type="none" w="med" len="med"/>
-                      <a:tailEnd type="none" w="med" len="med"/>
-                    </a:lnT>
-                    <a:lnB w="12700" cap="flat" cmpd="sng" algn="ctr">
-                      <a:solidFill>
-                        <a:schemeClr val="tx1"/>
-                      </a:solidFill>
-                      <a:prstDash val="solid"/>
-                      <a:round/>
-                      <a:headEnd type="none" w="med" len="med"/>
-                      <a:tailEnd type="none" w="med" len="med"/>
-                    </a:lnB>
-                    <a:solidFill>
-                      <a:schemeClr val="accent4">
-                        <a:lumMod val="20000"/>
-                        <a:lumOff val="80000"/>
-                      </a:schemeClr>
-                    </a:solidFill>
-                  </a:tcPr>
-                </a:tc>
-                <a:tc>
-                  <a:txBody>
-                    <a:bodyPr/>
-                    <a:lstStyle/>
-                    <a:p>
-                      <a:endParaRPr lang="pt-BR" sz="1200" dirty="0">
-                        <a:latin typeface="Arial" panose="020B0604020202020204" pitchFamily="34" charset="0"/>
-                        <a:cs typeface="Arial" panose="020B0604020202020204" pitchFamily="34" charset="0"/>
-                      </a:endParaRPr>
-                    </a:p>
-                  </a:txBody>
-                  <a:tcPr>
-                    <a:lnL w="12700" cap="flat" cmpd="sng" algn="ctr">
-                      <a:solidFill>
-                        <a:schemeClr val="tx1"/>
-                      </a:solidFill>
-                      <a:prstDash val="solid"/>
-                      <a:round/>
-                      <a:headEnd type="none" w="med" len="med"/>
-                      <a:tailEnd type="none" w="med" len="med"/>
-                    </a:lnL>
-                    <a:lnR w="12700" cap="flat" cmpd="sng" algn="ctr">
-                      <a:solidFill>
-                        <a:schemeClr val="tx1"/>
-                      </a:solidFill>
-                      <a:prstDash val="solid"/>
-                      <a:round/>
-                      <a:headEnd type="none" w="med" len="med"/>
-                      <a:tailEnd type="none" w="med" len="med"/>
-                    </a:lnR>
-                    <a:lnT w="12700" cap="flat" cmpd="sng" algn="ctr">
-                      <a:solidFill>
-                        <a:schemeClr val="tx1"/>
-                      </a:solidFill>
-                      <a:prstDash val="solid"/>
-                      <a:round/>
-                      <a:headEnd type="none" w="med" len="med"/>
-                      <a:tailEnd type="none" w="med" len="med"/>
-                    </a:lnT>
-                    <a:lnB w="12700" cap="flat" cmpd="sng" algn="ctr">
-                      <a:solidFill>
-                        <a:schemeClr val="tx1"/>
-                      </a:solidFill>
-                      <a:prstDash val="solid"/>
-                      <a:round/>
-                      <a:headEnd type="none" w="med" len="med"/>
-                      <a:tailEnd type="none" w="med" len="med"/>
-                    </a:lnB>
-                    <a:solidFill>
-                      <a:schemeClr val="accent2">
-                        <a:lumMod val="20000"/>
-                        <a:lumOff val="80000"/>
-                      </a:schemeClr>
-                    </a:solidFill>
-                  </a:tcPr>
-                </a:tc>
-                <a:extLst>
-                  <a:ext uri="{0D108BD9-81ED-4DB2-BD59-A6C34878D82A}">
-                    <a16:rowId xmlns="" xmlns:a16="http://schemas.microsoft.com/office/drawing/2014/main" val="486921620"/>
-                  </a:ext>
-                </a:extLst>
-              </a:tr>
-              <a:tr h="219456">
-                <a:tc vMerge="1">
-                  <a:txBody>
-                    <a:bodyPr/>
-                    <a:lstStyle/>
-                    <a:p>
-                      <a:endParaRPr lang="pt-BR"/>
-                    </a:p>
-                  </a:txBody>
-                  <a:tcPr>
-                    <a:lnT w="12700" cap="flat" cmpd="sng" algn="ctr">
-                      <a:solidFill>
-                        <a:schemeClr val="tx1"/>
-                      </a:solidFill>
-                      <a:prstDash val="solid"/>
-                      <a:round/>
-                      <a:headEnd type="none" w="med" len="med"/>
-                      <a:tailEnd type="none" w="med" len="med"/>
-                    </a:lnT>
-                  </a:tcPr>
-                </a:tc>
-                <a:tc vMerge="1">
-                  <a:txBody>
-                    <a:bodyPr/>
-                    <a:lstStyle/>
-                    <a:p>
-                      <a:endParaRPr lang="pt-BR"/>
-                    </a:p>
-                  </a:txBody>
-                  <a:tcPr>
-                    <a:lnT w="12700" cap="flat" cmpd="sng" algn="ctr">
-                      <a:solidFill>
-                        <a:schemeClr val="tx1"/>
-                      </a:solidFill>
-                      <a:prstDash val="solid"/>
-                      <a:round/>
-                      <a:headEnd type="none" w="med" len="med"/>
-                      <a:tailEnd type="none" w="med" len="med"/>
-                    </a:lnT>
-                  </a:tcPr>
-                </a:tc>
-                <a:tc>
-                  <a:txBody>
-                    <a:bodyPr/>
-                    <a:lstStyle/>
-                    <a:p>
-                      <a:pPr algn="ctr"/>
-                      <a:r>
-                        <a:rPr lang="pt-BR" sz="1200" dirty="0">
-                          <a:latin typeface="Arial" panose="020B0604020202020204" pitchFamily="34" charset="0"/>
-                          <a:cs typeface="Arial" panose="020B0604020202020204" pitchFamily="34" charset="0"/>
-                        </a:rPr>
-                        <a:t>2</a:t>
-                      </a:r>
-                    </a:p>
-                  </a:txBody>
-                  <a:tcPr>
-                    <a:lnL w="12700" cap="flat" cmpd="sng" algn="ctr">
-                      <a:solidFill>
-                        <a:schemeClr val="tx1"/>
-                      </a:solidFill>
-                      <a:prstDash val="solid"/>
-                      <a:round/>
-                      <a:headEnd type="none" w="med" len="med"/>
-                      <a:tailEnd type="none" w="med" len="med"/>
-                    </a:lnL>
-                    <a:lnR w="12700" cap="flat" cmpd="sng" algn="ctr">
-                      <a:solidFill>
-                        <a:schemeClr val="tx1"/>
-                      </a:solidFill>
-                      <a:prstDash val="solid"/>
-                      <a:round/>
-                      <a:headEnd type="none" w="med" len="med"/>
-                      <a:tailEnd type="none" w="med" len="med"/>
-                    </a:lnR>
-                    <a:lnT w="12700" cap="flat" cmpd="sng" algn="ctr">
-                      <a:solidFill>
-                        <a:schemeClr val="tx1"/>
-                      </a:solidFill>
-                      <a:prstDash val="solid"/>
-                      <a:round/>
-                      <a:headEnd type="none" w="med" len="med"/>
-                      <a:tailEnd type="none" w="med" len="med"/>
-                    </a:lnT>
-                    <a:lnB w="12700" cap="flat" cmpd="sng" algn="ctr">
-                      <a:solidFill>
-                        <a:schemeClr val="tx1"/>
-                      </a:solidFill>
-                      <a:prstDash val="solid"/>
-                      <a:round/>
-                      <a:headEnd type="none" w="med" len="med"/>
-                      <a:tailEnd type="none" w="med" len="med"/>
-                    </a:lnB>
-                    <a:solidFill>
-                      <a:schemeClr val="bg1"/>
-                    </a:solidFill>
-                  </a:tcPr>
-                </a:tc>
-                <a:tc>
-                  <a:txBody>
-                    <a:bodyPr/>
-                    <a:lstStyle/>
-                    <a:p>
-                      <a:r>
-                        <a:rPr lang="pt-BR" sz="1200" b="0" dirty="0">
-                          <a:latin typeface="Arial" panose="020B0604020202020204" pitchFamily="34" charset="0"/>
-                          <a:cs typeface="Arial" panose="020B0604020202020204" pitchFamily="34" charset="0"/>
-                        </a:rPr>
-                        <a:t>Vendedor anota pedido</a:t>
-                      </a:r>
-                    </a:p>
-                  </a:txBody>
-                  <a:tcPr>
-                    <a:lnL w="12700" cap="flat" cmpd="sng" algn="ctr">
-                      <a:solidFill>
-                        <a:schemeClr val="tx1"/>
-                      </a:solidFill>
-                      <a:prstDash val="solid"/>
-                      <a:round/>
-                      <a:headEnd type="none" w="med" len="med"/>
-                      <a:tailEnd type="none" w="med" len="med"/>
-                    </a:lnL>
-                    <a:lnR w="12700" cap="flat" cmpd="sng" algn="ctr">
-                      <a:solidFill>
-                        <a:schemeClr val="tx1"/>
-                      </a:solidFill>
-                      <a:prstDash val="solid"/>
-                      <a:round/>
-                      <a:headEnd type="none" w="med" len="med"/>
-                      <a:tailEnd type="none" w="med" len="med"/>
-                    </a:lnR>
-                    <a:lnT w="12700" cap="flat" cmpd="sng" algn="ctr">
-                      <a:solidFill>
-                        <a:schemeClr val="tx1"/>
-                      </a:solidFill>
-                      <a:prstDash val="solid"/>
-                      <a:round/>
-                      <a:headEnd type="none" w="med" len="med"/>
-                      <a:tailEnd type="none" w="med" len="med"/>
-                    </a:lnT>
-                    <a:lnB w="12700" cap="flat" cmpd="sng" algn="ctr">
-                      <a:solidFill>
-                        <a:schemeClr val="tx1"/>
-                      </a:solidFill>
-                      <a:prstDash val="solid"/>
-                      <a:round/>
-                      <a:headEnd type="none" w="med" len="med"/>
-                      <a:tailEnd type="none" w="med" len="med"/>
-                    </a:lnB>
-                    <a:solidFill>
-                      <a:schemeClr val="bg1"/>
-                    </a:solidFill>
-                  </a:tcPr>
-                </a:tc>
-                <a:tc>
-                  <a:txBody>
-                    <a:bodyPr/>
-                    <a:lstStyle/>
-                    <a:p>
-                      <a:pPr algn="ctr"/>
-                      <a:endParaRPr lang="pt-BR" sz="1200" dirty="0">
-                        <a:latin typeface="Arial" panose="020B0604020202020204" pitchFamily="34" charset="0"/>
-                        <a:cs typeface="Arial" panose="020B0604020202020204" pitchFamily="34" charset="0"/>
-                      </a:endParaRPr>
-                    </a:p>
-                  </a:txBody>
-                  <a:tcPr>
-                    <a:lnL w="12700" cap="flat" cmpd="sng" algn="ctr">
-                      <a:solidFill>
-                        <a:schemeClr val="tx1"/>
-                      </a:solidFill>
-                      <a:prstDash val="solid"/>
-                      <a:round/>
-                      <a:headEnd type="none" w="med" len="med"/>
-                      <a:tailEnd type="none" w="med" len="med"/>
-                    </a:lnL>
-                    <a:lnR w="12700" cap="flat" cmpd="sng" algn="ctr">
-                      <a:solidFill>
-                        <a:schemeClr val="tx1"/>
-                      </a:solidFill>
-                      <a:prstDash val="solid"/>
-                      <a:round/>
-                      <a:headEnd type="none" w="med" len="med"/>
-                      <a:tailEnd type="none" w="med" len="med"/>
-                    </a:lnR>
-                    <a:lnT w="12700" cap="flat" cmpd="sng" algn="ctr">
-                      <a:solidFill>
-                        <a:schemeClr val="tx1"/>
-                      </a:solidFill>
-                      <a:prstDash val="solid"/>
-                      <a:round/>
-                      <a:headEnd type="none" w="med" len="med"/>
-                      <a:tailEnd type="none" w="med" len="med"/>
-                    </a:lnT>
-                    <a:lnB w="12700" cap="flat" cmpd="sng" algn="ctr">
-                      <a:solidFill>
-                        <a:schemeClr val="tx1"/>
-                      </a:solidFill>
-                      <a:prstDash val="solid"/>
-                      <a:round/>
-                      <a:headEnd type="none" w="med" len="med"/>
-                      <a:tailEnd type="none" w="med" len="med"/>
-                    </a:lnB>
-                    <a:solidFill>
-                      <a:schemeClr val="accent1">
-                        <a:lumMod val="20000"/>
-                        <a:lumOff val="80000"/>
-                      </a:schemeClr>
-                    </a:solidFill>
-                  </a:tcPr>
-                </a:tc>
-                <a:tc>
-                  <a:txBody>
-                    <a:bodyPr/>
-                    <a:lstStyle/>
-                    <a:p>
-                      <a:pPr algn="ctr"/>
-                      <a:endParaRPr lang="pt-BR" sz="1200" dirty="0">
-                        <a:latin typeface="Arial" panose="020B0604020202020204" pitchFamily="34" charset="0"/>
-                        <a:cs typeface="Arial" panose="020B0604020202020204" pitchFamily="34" charset="0"/>
-                      </a:endParaRPr>
-                    </a:p>
-                  </a:txBody>
-                  <a:tcPr>
-                    <a:lnL w="12700" cap="flat" cmpd="sng" algn="ctr">
-                      <a:solidFill>
-                        <a:schemeClr val="tx1"/>
-                      </a:solidFill>
-                      <a:prstDash val="solid"/>
-                      <a:round/>
-                      <a:headEnd type="none" w="med" len="med"/>
-                      <a:tailEnd type="none" w="med" len="med"/>
-                    </a:lnL>
-                    <a:lnR w="12700" cap="flat" cmpd="sng" algn="ctr">
-                      <a:solidFill>
-                        <a:schemeClr val="tx1"/>
-                      </a:solidFill>
-                      <a:prstDash val="solid"/>
-                      <a:round/>
-                      <a:headEnd type="none" w="med" len="med"/>
-                      <a:tailEnd type="none" w="med" len="med"/>
-                    </a:lnR>
-                    <a:lnT w="12700" cap="flat" cmpd="sng" algn="ctr">
-                      <a:solidFill>
-                        <a:schemeClr val="tx1"/>
-                      </a:solidFill>
-                      <a:prstDash val="solid"/>
-                      <a:round/>
-                      <a:headEnd type="none" w="med" len="med"/>
-                      <a:tailEnd type="none" w="med" len="med"/>
-                    </a:lnT>
-                    <a:lnB w="12700" cap="flat" cmpd="sng" algn="ctr">
-                      <a:solidFill>
-                        <a:schemeClr val="tx1"/>
-                      </a:solidFill>
-                      <a:prstDash val="solid"/>
-                      <a:round/>
-                      <a:headEnd type="none" w="med" len="med"/>
-                      <a:tailEnd type="none" w="med" len="med"/>
-                    </a:lnB>
-                    <a:solidFill>
-                      <a:schemeClr val="accent1">
-                        <a:lumMod val="20000"/>
-                        <a:lumOff val="80000"/>
-                      </a:schemeClr>
-                    </a:solidFill>
-                  </a:tcPr>
-                </a:tc>
-                <a:tc>
-                  <a:txBody>
-                    <a:bodyPr/>
-                    <a:lstStyle/>
-                    <a:p>
-                      <a:pPr algn="ctr"/>
-                      <a:r>
-                        <a:rPr lang="pt-BR" sz="1200" dirty="0">
-                          <a:latin typeface="Arial" panose="020B0604020202020204" pitchFamily="34" charset="0"/>
-                          <a:cs typeface="Arial" panose="020B0604020202020204" pitchFamily="34" charset="0"/>
-                        </a:rPr>
-                        <a:t>X(1)</a:t>
-                      </a:r>
-                    </a:p>
-                  </a:txBody>
-                  <a:tcPr>
-                    <a:lnL w="12700" cap="flat" cmpd="sng" algn="ctr">
-                      <a:solidFill>
-                        <a:schemeClr val="tx1"/>
-                      </a:solidFill>
-                      <a:prstDash val="solid"/>
-                      <a:round/>
-                      <a:headEnd type="none" w="med" len="med"/>
-                      <a:tailEnd type="none" w="med" len="med"/>
-                    </a:lnL>
-                    <a:lnR w="12700" cap="flat" cmpd="sng" algn="ctr">
-                      <a:solidFill>
-                        <a:schemeClr val="tx1"/>
-                      </a:solidFill>
-                      <a:prstDash val="solid"/>
-                      <a:round/>
-                      <a:headEnd type="none" w="med" len="med"/>
-                      <a:tailEnd type="none" w="med" len="med"/>
-                    </a:lnR>
-                    <a:lnT w="12700" cap="flat" cmpd="sng" algn="ctr">
-                      <a:solidFill>
-                        <a:schemeClr val="tx1"/>
-                      </a:solidFill>
-                      <a:prstDash val="solid"/>
-                      <a:round/>
-                      <a:headEnd type="none" w="med" len="med"/>
-                      <a:tailEnd type="none" w="med" len="med"/>
-                    </a:lnT>
-                    <a:lnB w="12700" cap="flat" cmpd="sng" algn="ctr">
-                      <a:solidFill>
-                        <a:schemeClr val="tx1"/>
-                      </a:solidFill>
-                      <a:prstDash val="solid"/>
-                      <a:round/>
-                      <a:headEnd type="none" w="med" len="med"/>
-                      <a:tailEnd type="none" w="med" len="med"/>
-                    </a:lnB>
-                    <a:solidFill>
-                      <a:schemeClr val="accent4">
-                        <a:lumMod val="20000"/>
-                        <a:lumOff val="80000"/>
-                      </a:schemeClr>
-                    </a:solidFill>
-                  </a:tcPr>
-                </a:tc>
-                <a:tc>
-                  <a:txBody>
-                    <a:bodyPr/>
-                    <a:lstStyle/>
-                    <a:p>
-                      <a:pPr algn="ctr"/>
-                      <a:endParaRPr lang="pt-BR" sz="1200" dirty="0">
-                        <a:latin typeface="Arial" panose="020B0604020202020204" pitchFamily="34" charset="0"/>
-                        <a:cs typeface="Arial" panose="020B0604020202020204" pitchFamily="34" charset="0"/>
-                      </a:endParaRPr>
-                    </a:p>
-                  </a:txBody>
-                  <a:tcPr>
-                    <a:lnL w="12700" cap="flat" cmpd="sng" algn="ctr">
-                      <a:solidFill>
-                        <a:schemeClr val="tx1"/>
-                      </a:solidFill>
-                      <a:prstDash val="solid"/>
-                      <a:round/>
-                      <a:headEnd type="none" w="med" len="med"/>
-                      <a:tailEnd type="none" w="med" len="med"/>
-                    </a:lnL>
-                    <a:lnR w="12700" cap="flat" cmpd="sng" algn="ctr">
-                      <a:solidFill>
-                        <a:schemeClr val="tx1"/>
-                      </a:solidFill>
-                      <a:prstDash val="solid"/>
-                      <a:round/>
-                      <a:headEnd type="none" w="med" len="med"/>
-                      <a:tailEnd type="none" w="med" len="med"/>
-                    </a:lnR>
-                    <a:lnT w="12700" cap="flat" cmpd="sng" algn="ctr">
-                      <a:solidFill>
-                        <a:schemeClr val="tx1"/>
-                      </a:solidFill>
-                      <a:prstDash val="solid"/>
-                      <a:round/>
-                      <a:headEnd type="none" w="med" len="med"/>
-                      <a:tailEnd type="none" w="med" len="med"/>
-                    </a:lnT>
-                    <a:lnB w="12700" cap="flat" cmpd="sng" algn="ctr">
-                      <a:solidFill>
-                        <a:schemeClr val="tx1"/>
-                      </a:solidFill>
-                      <a:prstDash val="solid"/>
-                      <a:round/>
-                      <a:headEnd type="none" w="med" len="med"/>
-                      <a:tailEnd type="none" w="med" len="med"/>
-                    </a:lnB>
-                    <a:solidFill>
-                      <a:schemeClr val="accent4">
-                        <a:lumMod val="20000"/>
-                        <a:lumOff val="80000"/>
-                      </a:schemeClr>
-                    </a:solidFill>
-                  </a:tcPr>
-                </a:tc>
-                <a:tc>
-                  <a:txBody>
-                    <a:bodyPr/>
-                    <a:lstStyle/>
-                    <a:p>
-                      <a:pPr algn="ctr"/>
-                      <a:endParaRPr lang="pt-BR" sz="1200" dirty="0">
-                        <a:latin typeface="Arial" panose="020B0604020202020204" pitchFamily="34" charset="0"/>
-                        <a:cs typeface="Arial" panose="020B0604020202020204" pitchFamily="34" charset="0"/>
-                      </a:endParaRPr>
-                    </a:p>
-                  </a:txBody>
-                  <a:tcPr>
-                    <a:lnL w="12700" cap="flat" cmpd="sng" algn="ctr">
-                      <a:solidFill>
-                        <a:schemeClr val="tx1"/>
-                      </a:solidFill>
-                      <a:prstDash val="solid"/>
-                      <a:round/>
-                      <a:headEnd type="none" w="med" len="med"/>
-                      <a:tailEnd type="none" w="med" len="med"/>
-                    </a:lnL>
-                    <a:lnR w="12700" cap="flat" cmpd="sng" algn="ctr">
-                      <a:solidFill>
-                        <a:schemeClr val="tx1"/>
-                      </a:solidFill>
-                      <a:prstDash val="solid"/>
-                      <a:round/>
-                      <a:headEnd type="none" w="med" len="med"/>
-                      <a:tailEnd type="none" w="med" len="med"/>
-                    </a:lnR>
-                    <a:lnT w="12700" cap="flat" cmpd="sng" algn="ctr">
-                      <a:solidFill>
-                        <a:schemeClr val="tx1"/>
-                      </a:solidFill>
-                      <a:prstDash val="solid"/>
-                      <a:round/>
-                      <a:headEnd type="none" w="med" len="med"/>
-                      <a:tailEnd type="none" w="med" len="med"/>
-                    </a:lnT>
-                    <a:lnB w="12700" cap="flat" cmpd="sng" algn="ctr">
-                      <a:solidFill>
-                        <a:schemeClr val="tx1"/>
-                      </a:solidFill>
-                      <a:prstDash val="solid"/>
-                      <a:round/>
-                      <a:headEnd type="none" w="med" len="med"/>
-                      <a:tailEnd type="none" w="med" len="med"/>
-                    </a:lnB>
-                    <a:solidFill>
-                      <a:schemeClr val="accent4">
-                        <a:lumMod val="20000"/>
-                        <a:lumOff val="80000"/>
-                      </a:schemeClr>
-                    </a:solidFill>
-                  </a:tcPr>
-                </a:tc>
-                <a:tc>
-                  <a:txBody>
-                    <a:bodyPr/>
-                    <a:lstStyle/>
-                    <a:p>
-                      <a:endParaRPr lang="pt-BR" sz="1200" dirty="0">
-                        <a:latin typeface="Arial" panose="020B0604020202020204" pitchFamily="34" charset="0"/>
-                        <a:cs typeface="Arial" panose="020B0604020202020204" pitchFamily="34" charset="0"/>
-                      </a:endParaRPr>
-                    </a:p>
-                  </a:txBody>
-                  <a:tcPr>
-                    <a:lnL w="12700" cap="flat" cmpd="sng" algn="ctr">
-                      <a:solidFill>
-                        <a:schemeClr val="tx1"/>
-                      </a:solidFill>
-                      <a:prstDash val="solid"/>
-                      <a:round/>
-                      <a:headEnd type="none" w="med" len="med"/>
-                      <a:tailEnd type="none" w="med" len="med"/>
-                    </a:lnL>
-                    <a:lnR w="12700" cap="flat" cmpd="sng" algn="ctr">
-                      <a:solidFill>
-                        <a:schemeClr val="tx1"/>
-                      </a:solidFill>
-                      <a:prstDash val="solid"/>
-                      <a:round/>
-                      <a:headEnd type="none" w="med" len="med"/>
-                      <a:tailEnd type="none" w="med" len="med"/>
-                    </a:lnR>
-                    <a:lnT w="12700" cap="flat" cmpd="sng" algn="ctr">
-                      <a:solidFill>
-                        <a:schemeClr val="tx1"/>
-                      </a:solidFill>
-                      <a:prstDash val="solid"/>
-                      <a:round/>
-                      <a:headEnd type="none" w="med" len="med"/>
-                      <a:tailEnd type="none" w="med" len="med"/>
-                    </a:lnT>
-                    <a:lnB w="12700" cap="flat" cmpd="sng" algn="ctr">
-                      <a:solidFill>
-                        <a:schemeClr val="tx1"/>
-                      </a:solidFill>
-                      <a:prstDash val="solid"/>
-                      <a:round/>
-                      <a:headEnd type="none" w="med" len="med"/>
-                      <a:tailEnd type="none" w="med" len="med"/>
-                    </a:lnB>
-                    <a:solidFill>
-                      <a:schemeClr val="accent2">
-                        <a:lumMod val="20000"/>
-                        <a:lumOff val="80000"/>
-                      </a:schemeClr>
-                    </a:solidFill>
-                  </a:tcPr>
-                </a:tc>
-                <a:extLst>
-                  <a:ext uri="{0D108BD9-81ED-4DB2-BD59-A6C34878D82A}">
-                    <a16:rowId xmlns="" xmlns:a16="http://schemas.microsoft.com/office/drawing/2014/main" val="1417090414"/>
-                  </a:ext>
-                </a:extLst>
-              </a:tr>
-              <a:tr h="274320">
-                <a:tc vMerge="1">
-                  <a:txBody>
-                    <a:bodyPr/>
-                    <a:lstStyle/>
-                    <a:p>
-                      <a:endParaRPr lang="pt-BR"/>
-                    </a:p>
-                  </a:txBody>
-                  <a:tcPr/>
-                </a:tc>
-                <a:tc vMerge="1">
-                  <a:txBody>
-                    <a:bodyPr/>
-                    <a:lstStyle/>
-                    <a:p>
-                      <a:endParaRPr lang="pt-BR"/>
-                    </a:p>
-                  </a:txBody>
-                  <a:tcPr/>
-                </a:tc>
-                <a:tc>
-                  <a:txBody>
-                    <a:bodyPr/>
-                    <a:lstStyle/>
-                    <a:p>
-                      <a:pPr algn="ctr"/>
-                      <a:r>
-                        <a:rPr lang="pt-BR" sz="1200" dirty="0">
-                          <a:latin typeface="Arial" panose="020B0604020202020204" pitchFamily="34" charset="0"/>
-                          <a:cs typeface="Arial" panose="020B0604020202020204" pitchFamily="34" charset="0"/>
-                        </a:rPr>
-                        <a:t>3</a:t>
-                      </a:r>
-                    </a:p>
-                  </a:txBody>
-                  <a:tcPr>
-                    <a:lnL w="12700" cap="flat" cmpd="sng" algn="ctr">
-                      <a:solidFill>
-                        <a:schemeClr val="tx1"/>
-                      </a:solidFill>
-                      <a:prstDash val="solid"/>
-                      <a:round/>
-                      <a:headEnd type="none" w="med" len="med"/>
-                      <a:tailEnd type="none" w="med" len="med"/>
-                    </a:lnL>
-                    <a:lnR w="12700" cap="flat" cmpd="sng" algn="ctr">
-                      <a:solidFill>
-                        <a:schemeClr val="tx1"/>
-                      </a:solidFill>
-                      <a:prstDash val="solid"/>
-                      <a:round/>
-                      <a:headEnd type="none" w="med" len="med"/>
-                      <a:tailEnd type="none" w="med" len="med"/>
-                    </a:lnR>
-                    <a:lnT w="12700" cap="flat" cmpd="sng" algn="ctr">
-                      <a:solidFill>
-                        <a:schemeClr val="tx1"/>
-                      </a:solidFill>
-                      <a:prstDash val="solid"/>
-                      <a:round/>
-                      <a:headEnd type="none" w="med" len="med"/>
-                      <a:tailEnd type="none" w="med" len="med"/>
-                    </a:lnT>
-                    <a:lnB w="12700" cap="flat" cmpd="sng" algn="ctr">
-                      <a:solidFill>
-                        <a:schemeClr val="tx1"/>
-                      </a:solidFill>
-                      <a:prstDash val="solid"/>
-                      <a:round/>
-                      <a:headEnd type="none" w="med" len="med"/>
-                      <a:tailEnd type="none" w="med" len="med"/>
-                    </a:lnB>
-                    <a:solidFill>
-                      <a:schemeClr val="bg1"/>
-                    </a:solidFill>
-                  </a:tcPr>
-                </a:tc>
-                <a:tc>
-                  <a:txBody>
-                    <a:bodyPr/>
-                    <a:lstStyle/>
-                    <a:p>
-                      <a:r>
-                        <a:rPr lang="pt-BR" sz="1200" b="0" dirty="0">
-                          <a:latin typeface="Arial" panose="020B0604020202020204" pitchFamily="34" charset="0"/>
-                          <a:cs typeface="Arial" panose="020B0604020202020204" pitchFamily="34" charset="0"/>
-                        </a:rPr>
-                        <a:t>Vendedor informa valor do pedido</a:t>
-                      </a:r>
-                    </a:p>
-                  </a:txBody>
-                  <a:tcPr>
-                    <a:lnL w="12700" cap="flat" cmpd="sng" algn="ctr">
-                      <a:solidFill>
-                        <a:schemeClr val="tx1"/>
-                      </a:solidFill>
-                      <a:prstDash val="solid"/>
-                      <a:round/>
-                      <a:headEnd type="none" w="med" len="med"/>
-                      <a:tailEnd type="none" w="med" len="med"/>
-                    </a:lnL>
-                    <a:lnR w="12700" cap="flat" cmpd="sng" algn="ctr">
-                      <a:solidFill>
-                        <a:schemeClr val="tx1"/>
-                      </a:solidFill>
-                      <a:prstDash val="solid"/>
-                      <a:round/>
-                      <a:headEnd type="none" w="med" len="med"/>
-                      <a:tailEnd type="none" w="med" len="med"/>
-                    </a:lnR>
-                    <a:lnT w="12700" cap="flat" cmpd="sng" algn="ctr">
-                      <a:solidFill>
-                        <a:schemeClr val="tx1"/>
-                      </a:solidFill>
-                      <a:prstDash val="solid"/>
-                      <a:round/>
-                      <a:headEnd type="none" w="med" len="med"/>
-                      <a:tailEnd type="none" w="med" len="med"/>
-                    </a:lnT>
-                    <a:lnB w="12700" cap="flat" cmpd="sng" algn="ctr">
-                      <a:solidFill>
-                        <a:schemeClr val="tx1"/>
-                      </a:solidFill>
-                      <a:prstDash val="solid"/>
-                      <a:round/>
-                      <a:headEnd type="none" w="med" len="med"/>
-                      <a:tailEnd type="none" w="med" len="med"/>
-                    </a:lnB>
-                    <a:solidFill>
-                      <a:schemeClr val="bg1"/>
-                    </a:solidFill>
-                  </a:tcPr>
-                </a:tc>
-                <a:tc>
-                  <a:txBody>
-                    <a:bodyPr/>
-                    <a:lstStyle/>
-                    <a:p>
-                      <a:pPr algn="ctr"/>
-                      <a:endParaRPr lang="pt-BR" sz="1200" dirty="0">
-                        <a:latin typeface="Arial" panose="020B0604020202020204" pitchFamily="34" charset="0"/>
-                        <a:cs typeface="Arial" panose="020B0604020202020204" pitchFamily="34" charset="0"/>
-                      </a:endParaRPr>
-                    </a:p>
-                  </a:txBody>
-                  <a:tcPr>
-                    <a:lnL w="12700" cap="flat" cmpd="sng" algn="ctr">
-                      <a:solidFill>
-                        <a:schemeClr val="tx1"/>
-                      </a:solidFill>
-                      <a:prstDash val="solid"/>
-                      <a:round/>
-                      <a:headEnd type="none" w="med" len="med"/>
-                      <a:tailEnd type="none" w="med" len="med"/>
-                    </a:lnL>
-                    <a:lnR w="12700" cap="flat" cmpd="sng" algn="ctr">
-                      <a:solidFill>
-                        <a:schemeClr val="tx1"/>
-                      </a:solidFill>
-                      <a:prstDash val="solid"/>
-                      <a:round/>
-                      <a:headEnd type="none" w="med" len="med"/>
-                      <a:tailEnd type="none" w="med" len="med"/>
-                    </a:lnR>
-                    <a:lnT w="12700" cap="flat" cmpd="sng" algn="ctr">
-                      <a:solidFill>
-                        <a:schemeClr val="tx1"/>
-                      </a:solidFill>
-                      <a:prstDash val="solid"/>
-                      <a:round/>
-                      <a:headEnd type="none" w="med" len="med"/>
-                      <a:tailEnd type="none" w="med" len="med"/>
-                    </a:lnT>
-                    <a:lnB w="12700" cap="flat" cmpd="sng" algn="ctr">
-                      <a:solidFill>
-                        <a:schemeClr val="tx1"/>
-                      </a:solidFill>
-                      <a:prstDash val="solid"/>
-                      <a:round/>
-                      <a:headEnd type="none" w="med" len="med"/>
-                      <a:tailEnd type="none" w="med" len="med"/>
-                    </a:lnB>
-                    <a:solidFill>
-                      <a:schemeClr val="accent1">
-                        <a:lumMod val="20000"/>
-                        <a:lumOff val="80000"/>
-                      </a:schemeClr>
-                    </a:solidFill>
-                  </a:tcPr>
-                </a:tc>
-                <a:tc>
-                  <a:txBody>
-                    <a:bodyPr/>
-                    <a:lstStyle/>
-                    <a:p>
-                      <a:pPr algn="ctr"/>
-                      <a:endParaRPr lang="pt-BR" sz="1200" dirty="0">
-                        <a:latin typeface="Arial" panose="020B0604020202020204" pitchFamily="34" charset="0"/>
-                        <a:cs typeface="Arial" panose="020B0604020202020204" pitchFamily="34" charset="0"/>
-                      </a:endParaRPr>
-                    </a:p>
-                  </a:txBody>
-                  <a:tcPr>
-                    <a:lnL w="12700" cap="flat" cmpd="sng" algn="ctr">
-                      <a:solidFill>
-                        <a:schemeClr val="tx1"/>
-                      </a:solidFill>
-                      <a:prstDash val="solid"/>
-                      <a:round/>
-                      <a:headEnd type="none" w="med" len="med"/>
-                      <a:tailEnd type="none" w="med" len="med"/>
-                    </a:lnL>
-                    <a:lnR w="12700" cap="flat" cmpd="sng" algn="ctr">
-                      <a:solidFill>
-                        <a:schemeClr val="tx1"/>
-                      </a:solidFill>
-                      <a:prstDash val="solid"/>
-                      <a:round/>
-                      <a:headEnd type="none" w="med" len="med"/>
-                      <a:tailEnd type="none" w="med" len="med"/>
-                    </a:lnR>
-                    <a:lnT w="12700" cap="flat" cmpd="sng" algn="ctr">
-                      <a:solidFill>
-                        <a:schemeClr val="tx1"/>
-                      </a:solidFill>
-                      <a:prstDash val="solid"/>
-                      <a:round/>
-                      <a:headEnd type="none" w="med" len="med"/>
-                      <a:tailEnd type="none" w="med" len="med"/>
-                    </a:lnT>
-                    <a:lnB w="12700" cap="flat" cmpd="sng" algn="ctr">
-                      <a:solidFill>
-                        <a:schemeClr val="tx1"/>
-                      </a:solidFill>
-                      <a:prstDash val="solid"/>
-                      <a:round/>
-                      <a:headEnd type="none" w="med" len="med"/>
-                      <a:tailEnd type="none" w="med" len="med"/>
-                    </a:lnB>
-                    <a:solidFill>
-                      <a:schemeClr val="accent1">
-                        <a:lumMod val="20000"/>
-                        <a:lumOff val="80000"/>
-                      </a:schemeClr>
-                    </a:solidFill>
-                  </a:tcPr>
-                </a:tc>
-                <a:tc>
-                  <a:txBody>
-                    <a:bodyPr/>
-                    <a:lstStyle/>
-                    <a:p>
-                      <a:pPr algn="ctr"/>
-                      <a:r>
-                        <a:rPr lang="pt-BR" sz="1200" dirty="0">
-                          <a:latin typeface="Arial" panose="020B0604020202020204" pitchFamily="34" charset="0"/>
-                          <a:cs typeface="Arial" panose="020B0604020202020204" pitchFamily="34" charset="0"/>
-                        </a:rPr>
-                        <a:t>X(2)</a:t>
-                      </a:r>
-                    </a:p>
-                  </a:txBody>
-                  <a:tcPr>
-                    <a:lnL w="12700" cap="flat" cmpd="sng" algn="ctr">
-                      <a:solidFill>
-                        <a:schemeClr val="tx1"/>
-                      </a:solidFill>
-                      <a:prstDash val="solid"/>
-                      <a:round/>
-                      <a:headEnd type="none" w="med" len="med"/>
-                      <a:tailEnd type="none" w="med" len="med"/>
-                    </a:lnL>
-                    <a:lnR w="12700" cap="flat" cmpd="sng" algn="ctr">
-                      <a:solidFill>
-                        <a:schemeClr val="tx1"/>
-                      </a:solidFill>
-                      <a:prstDash val="solid"/>
-                      <a:round/>
-                      <a:headEnd type="none" w="med" len="med"/>
-                      <a:tailEnd type="none" w="med" len="med"/>
-                    </a:lnR>
-                    <a:lnT w="12700" cap="flat" cmpd="sng" algn="ctr">
-                      <a:solidFill>
-                        <a:schemeClr val="tx1"/>
-                      </a:solidFill>
-                      <a:prstDash val="solid"/>
-                      <a:round/>
-                      <a:headEnd type="none" w="med" len="med"/>
-                      <a:tailEnd type="none" w="med" len="med"/>
-                    </a:lnT>
-                    <a:lnB w="12700" cap="flat" cmpd="sng" algn="ctr">
-                      <a:solidFill>
-                        <a:schemeClr val="tx1"/>
-                      </a:solidFill>
-                      <a:prstDash val="solid"/>
-                      <a:round/>
-                      <a:headEnd type="none" w="med" len="med"/>
-                      <a:tailEnd type="none" w="med" len="med"/>
-                    </a:lnB>
-                    <a:solidFill>
-                      <a:schemeClr val="accent4">
-                        <a:lumMod val="20000"/>
-                        <a:lumOff val="80000"/>
-                      </a:schemeClr>
-                    </a:solidFill>
-                  </a:tcPr>
-                </a:tc>
-                <a:tc>
-                  <a:txBody>
-                    <a:bodyPr/>
-                    <a:lstStyle/>
-                    <a:p>
-                      <a:pPr algn="ctr"/>
-                      <a:endParaRPr lang="pt-BR" sz="1200" dirty="0">
-                        <a:latin typeface="Arial" panose="020B0604020202020204" pitchFamily="34" charset="0"/>
-                        <a:cs typeface="Arial" panose="020B0604020202020204" pitchFamily="34" charset="0"/>
-                      </a:endParaRPr>
-                    </a:p>
-                  </a:txBody>
-                  <a:tcPr>
-                    <a:lnL w="12700" cap="flat" cmpd="sng" algn="ctr">
-                      <a:solidFill>
-                        <a:schemeClr val="tx1"/>
-                      </a:solidFill>
-                      <a:prstDash val="solid"/>
-                      <a:round/>
-                      <a:headEnd type="none" w="med" len="med"/>
-                      <a:tailEnd type="none" w="med" len="med"/>
-                    </a:lnL>
-                    <a:lnR w="12700" cap="flat" cmpd="sng" algn="ctr">
-                      <a:solidFill>
-                        <a:schemeClr val="tx1"/>
-                      </a:solidFill>
-                      <a:prstDash val="solid"/>
-                      <a:round/>
-                      <a:headEnd type="none" w="med" len="med"/>
-                      <a:tailEnd type="none" w="med" len="med"/>
-                    </a:lnR>
-                    <a:lnT w="12700" cap="flat" cmpd="sng" algn="ctr">
-                      <a:solidFill>
-                        <a:schemeClr val="tx1"/>
-                      </a:solidFill>
-                      <a:prstDash val="solid"/>
-                      <a:round/>
-                      <a:headEnd type="none" w="med" len="med"/>
-                      <a:tailEnd type="none" w="med" len="med"/>
-                    </a:lnT>
-                    <a:lnB w="12700" cap="flat" cmpd="sng" algn="ctr">
-                      <a:solidFill>
-                        <a:schemeClr val="tx1"/>
-                      </a:solidFill>
-                      <a:prstDash val="solid"/>
-                      <a:round/>
-                      <a:headEnd type="none" w="med" len="med"/>
-                      <a:tailEnd type="none" w="med" len="med"/>
-                    </a:lnB>
-                    <a:solidFill>
-                      <a:schemeClr val="accent4">
-                        <a:lumMod val="20000"/>
-                        <a:lumOff val="80000"/>
-                      </a:schemeClr>
-                    </a:solidFill>
-                  </a:tcPr>
-                </a:tc>
-                <a:tc>
-                  <a:txBody>
-                    <a:bodyPr/>
-                    <a:lstStyle/>
-                    <a:p>
-                      <a:pPr algn="ctr"/>
-                      <a:endParaRPr lang="pt-BR" sz="1200" dirty="0">
-                        <a:latin typeface="Arial" panose="020B0604020202020204" pitchFamily="34" charset="0"/>
-                        <a:cs typeface="Arial" panose="020B0604020202020204" pitchFamily="34" charset="0"/>
-                      </a:endParaRPr>
-                    </a:p>
-                  </a:txBody>
-                  <a:tcPr>
-                    <a:lnL w="12700" cap="flat" cmpd="sng" algn="ctr">
-                      <a:solidFill>
-                        <a:schemeClr val="tx1"/>
-                      </a:solidFill>
-                      <a:prstDash val="solid"/>
-                      <a:round/>
-                      <a:headEnd type="none" w="med" len="med"/>
-                      <a:tailEnd type="none" w="med" len="med"/>
-                    </a:lnL>
-                    <a:lnR w="12700" cap="flat" cmpd="sng" algn="ctr">
-                      <a:solidFill>
-                        <a:schemeClr val="tx1"/>
-                      </a:solidFill>
-                      <a:prstDash val="solid"/>
-                      <a:round/>
-                      <a:headEnd type="none" w="med" len="med"/>
-                      <a:tailEnd type="none" w="med" len="med"/>
-                    </a:lnR>
-                    <a:lnT w="12700" cap="flat" cmpd="sng" algn="ctr">
-                      <a:solidFill>
-                        <a:schemeClr val="tx1"/>
-                      </a:solidFill>
-                      <a:prstDash val="solid"/>
-                      <a:round/>
-                      <a:headEnd type="none" w="med" len="med"/>
-                      <a:tailEnd type="none" w="med" len="med"/>
-                    </a:lnT>
-                    <a:lnB w="12700" cap="flat" cmpd="sng" algn="ctr">
-                      <a:solidFill>
-                        <a:schemeClr val="tx1"/>
-                      </a:solidFill>
-                      <a:prstDash val="solid"/>
-                      <a:round/>
-                      <a:headEnd type="none" w="med" len="med"/>
-                      <a:tailEnd type="none" w="med" len="med"/>
-                    </a:lnB>
-                    <a:solidFill>
-                      <a:schemeClr val="accent4">
-                        <a:lumMod val="20000"/>
-                        <a:lumOff val="80000"/>
-                      </a:schemeClr>
-                    </a:solidFill>
-                  </a:tcPr>
-                </a:tc>
-                <a:tc>
-                  <a:txBody>
-                    <a:bodyPr/>
-                    <a:lstStyle/>
-                    <a:p>
-                      <a:endParaRPr lang="pt-BR" sz="1200" dirty="0">
-                        <a:latin typeface="Arial" panose="020B0604020202020204" pitchFamily="34" charset="0"/>
-                        <a:cs typeface="Arial" panose="020B0604020202020204" pitchFamily="34" charset="0"/>
-                      </a:endParaRPr>
-                    </a:p>
-                  </a:txBody>
-                  <a:tcPr>
-                    <a:lnL w="12700" cap="flat" cmpd="sng" algn="ctr">
-                      <a:solidFill>
-                        <a:schemeClr val="tx1"/>
-                      </a:solidFill>
-                      <a:prstDash val="solid"/>
-                      <a:round/>
-                      <a:headEnd type="none" w="med" len="med"/>
-                      <a:tailEnd type="none" w="med" len="med"/>
-                    </a:lnL>
-                    <a:lnR w="12700" cap="flat" cmpd="sng" algn="ctr">
-                      <a:solidFill>
-                        <a:schemeClr val="tx1"/>
-                      </a:solidFill>
-                      <a:prstDash val="solid"/>
-                      <a:round/>
-                      <a:headEnd type="none" w="med" len="med"/>
-                      <a:tailEnd type="none" w="med" len="med"/>
-                    </a:lnR>
-                    <a:lnT w="12700" cap="flat" cmpd="sng" algn="ctr">
-                      <a:solidFill>
-                        <a:schemeClr val="tx1"/>
-                      </a:solidFill>
-                      <a:prstDash val="solid"/>
-                      <a:round/>
-                      <a:headEnd type="none" w="med" len="med"/>
-                      <a:tailEnd type="none" w="med" len="med"/>
-                    </a:lnT>
-                    <a:lnB w="12700" cap="flat" cmpd="sng" algn="ctr">
-                      <a:solidFill>
-                        <a:schemeClr val="tx1"/>
-                      </a:solidFill>
-                      <a:prstDash val="solid"/>
-                      <a:round/>
-                      <a:headEnd type="none" w="med" len="med"/>
-                      <a:tailEnd type="none" w="med" len="med"/>
-                    </a:lnB>
-                    <a:solidFill>
-                      <a:schemeClr val="accent2">
-                        <a:lumMod val="20000"/>
-                        <a:lumOff val="80000"/>
-                      </a:schemeClr>
-                    </a:solidFill>
-                  </a:tcPr>
-                </a:tc>
-                <a:extLst>
-                  <a:ext uri="{0D108BD9-81ED-4DB2-BD59-A6C34878D82A}">
-                    <a16:rowId xmlns="" xmlns:a16="http://schemas.microsoft.com/office/drawing/2014/main" val="3645776909"/>
-                  </a:ext>
-                </a:extLst>
-              </a:tr>
-              <a:tr h="0">
-                <a:tc vMerge="1">
-                  <a:txBody>
-                    <a:bodyPr/>
-                    <a:lstStyle/>
-                    <a:p>
-                      <a:endParaRPr lang="pt-BR"/>
-                    </a:p>
-                  </a:txBody>
-                  <a:tcPr>
-                    <a:lnT w="12700" cap="flat" cmpd="sng" algn="ctr">
-                      <a:solidFill>
-                        <a:schemeClr val="tx1"/>
-                      </a:solidFill>
-                      <a:prstDash val="solid"/>
-                      <a:round/>
-                      <a:headEnd type="none" w="med" len="med"/>
-                      <a:tailEnd type="none" w="med" len="med"/>
-                    </a:lnT>
-                  </a:tcPr>
-                </a:tc>
-                <a:tc vMerge="1">
-                  <a:txBody>
-                    <a:bodyPr/>
-                    <a:lstStyle/>
-                    <a:p>
-                      <a:endParaRPr lang="pt-BR"/>
-                    </a:p>
-                  </a:txBody>
-                  <a:tcPr>
-                    <a:lnT w="12700" cap="flat" cmpd="sng" algn="ctr">
-                      <a:solidFill>
-                        <a:schemeClr val="tx1"/>
-                      </a:solidFill>
-                      <a:prstDash val="solid"/>
-                      <a:round/>
-                      <a:headEnd type="none" w="med" len="med"/>
-                      <a:tailEnd type="none" w="med" len="med"/>
-                    </a:lnT>
-                  </a:tcPr>
-                </a:tc>
-                <a:tc>
-                  <a:txBody>
-                    <a:bodyPr/>
-                    <a:lstStyle/>
-                    <a:p>
-                      <a:pPr algn="ctr"/>
-                      <a:r>
-                        <a:rPr lang="pt-BR" sz="1200" dirty="0">
-                          <a:latin typeface="Arial" panose="020B0604020202020204" pitchFamily="34" charset="0"/>
-                          <a:cs typeface="Arial" panose="020B0604020202020204" pitchFamily="34" charset="0"/>
-                        </a:rPr>
-                        <a:t>4</a:t>
-                      </a:r>
-                    </a:p>
-                  </a:txBody>
-                  <a:tcPr>
-                    <a:lnL w="12700" cap="flat" cmpd="sng" algn="ctr">
-                      <a:solidFill>
-                        <a:schemeClr val="tx1"/>
-                      </a:solidFill>
-                      <a:prstDash val="solid"/>
-                      <a:round/>
-                      <a:headEnd type="none" w="med" len="med"/>
-                      <a:tailEnd type="none" w="med" len="med"/>
-                    </a:lnL>
-                    <a:lnR w="12700" cap="flat" cmpd="sng" algn="ctr">
-                      <a:solidFill>
-                        <a:schemeClr val="tx1"/>
-                      </a:solidFill>
-                      <a:prstDash val="solid"/>
-                      <a:round/>
-                      <a:headEnd type="none" w="med" len="med"/>
-                      <a:tailEnd type="none" w="med" len="med"/>
-                    </a:lnR>
-                    <a:lnT w="12700" cap="flat" cmpd="sng" algn="ctr">
-                      <a:solidFill>
-                        <a:schemeClr val="tx1"/>
-                      </a:solidFill>
-                      <a:prstDash val="solid"/>
-                      <a:round/>
-                      <a:headEnd type="none" w="med" len="med"/>
-                      <a:tailEnd type="none" w="med" len="med"/>
-                    </a:lnT>
-                    <a:lnB w="12700" cap="flat" cmpd="sng" algn="ctr">
-                      <a:solidFill>
-                        <a:schemeClr val="tx1"/>
-                      </a:solidFill>
-                      <a:prstDash val="solid"/>
-                      <a:round/>
-                      <a:headEnd type="none" w="med" len="med"/>
-                      <a:tailEnd type="none" w="med" len="med"/>
-                    </a:lnB>
-                    <a:solidFill>
-                      <a:schemeClr val="bg1"/>
-                    </a:solidFill>
-                  </a:tcPr>
-                </a:tc>
-                <a:tc>
-                  <a:txBody>
-                    <a:bodyPr/>
-                    <a:lstStyle/>
-                    <a:p>
-                      <a:r>
-                        <a:rPr lang="pt-BR" sz="1200" b="0" dirty="0">
-                          <a:latin typeface="Arial" panose="020B0604020202020204" pitchFamily="34" charset="0"/>
-                          <a:cs typeface="Arial" panose="020B0604020202020204" pitchFamily="34" charset="0"/>
-                        </a:rPr>
-                        <a:t>Cliente efetua o pagamento</a:t>
-                      </a:r>
-                    </a:p>
-                  </a:txBody>
-                  <a:tcPr>
-                    <a:lnL w="12700" cap="flat" cmpd="sng" algn="ctr">
-                      <a:solidFill>
-                        <a:schemeClr val="tx1"/>
-                      </a:solidFill>
-                      <a:prstDash val="solid"/>
-                      <a:round/>
-                      <a:headEnd type="none" w="med" len="med"/>
-                      <a:tailEnd type="none" w="med" len="med"/>
-                    </a:lnL>
-                    <a:lnR w="12700" cap="flat" cmpd="sng" algn="ctr">
-                      <a:solidFill>
-                        <a:schemeClr val="tx1"/>
-                      </a:solidFill>
-                      <a:prstDash val="solid"/>
-                      <a:round/>
-                      <a:headEnd type="none" w="med" len="med"/>
-                      <a:tailEnd type="none" w="med" len="med"/>
-                    </a:lnR>
-                    <a:lnT w="12700" cap="flat" cmpd="sng" algn="ctr">
-                      <a:solidFill>
-                        <a:schemeClr val="tx1"/>
-                      </a:solidFill>
-                      <a:prstDash val="solid"/>
-                      <a:round/>
-                      <a:headEnd type="none" w="med" len="med"/>
-                      <a:tailEnd type="none" w="med" len="med"/>
-                    </a:lnT>
-                    <a:lnB w="12700" cap="flat" cmpd="sng" algn="ctr">
-                      <a:solidFill>
-                        <a:schemeClr val="tx1"/>
-                      </a:solidFill>
-                      <a:prstDash val="solid"/>
-                      <a:round/>
-                      <a:headEnd type="none" w="med" len="med"/>
-                      <a:tailEnd type="none" w="med" len="med"/>
-                    </a:lnB>
-                    <a:solidFill>
-                      <a:schemeClr val="bg1"/>
-                    </a:solidFill>
-                  </a:tcPr>
-                </a:tc>
-                <a:tc>
-                  <a:txBody>
-                    <a:bodyPr/>
-                    <a:lstStyle/>
-                    <a:p>
-                      <a:pPr algn="ctr"/>
-                      <a:r>
-                        <a:rPr lang="pt-BR" sz="1200" dirty="0">
-                          <a:latin typeface="Arial" panose="020B0604020202020204" pitchFamily="34" charset="0"/>
-                          <a:cs typeface="Arial" panose="020B0604020202020204" pitchFamily="34" charset="0"/>
-                        </a:rPr>
-                        <a:t>X(3)</a:t>
-                      </a:r>
-                    </a:p>
-                  </a:txBody>
-                  <a:tcPr>
-                    <a:lnL w="12700" cap="flat" cmpd="sng" algn="ctr">
-                      <a:solidFill>
-                        <a:schemeClr val="tx1"/>
-                      </a:solidFill>
-                      <a:prstDash val="solid"/>
-                      <a:round/>
-                      <a:headEnd type="none" w="med" len="med"/>
-                      <a:tailEnd type="none" w="med" len="med"/>
-                    </a:lnL>
-                    <a:lnR w="12700" cap="flat" cmpd="sng" algn="ctr">
-                      <a:solidFill>
-                        <a:schemeClr val="tx1"/>
-                      </a:solidFill>
-                      <a:prstDash val="solid"/>
-                      <a:round/>
-                      <a:headEnd type="none" w="med" len="med"/>
-                      <a:tailEnd type="none" w="med" len="med"/>
-                    </a:lnR>
-                    <a:lnT w="12700" cap="flat" cmpd="sng" algn="ctr">
-                      <a:solidFill>
-                        <a:schemeClr val="tx1"/>
-                      </a:solidFill>
-                      <a:prstDash val="solid"/>
-                      <a:round/>
-                      <a:headEnd type="none" w="med" len="med"/>
-                      <a:tailEnd type="none" w="med" len="med"/>
-                    </a:lnT>
-                    <a:lnB w="12700" cap="flat" cmpd="sng" algn="ctr">
-                      <a:solidFill>
-                        <a:schemeClr val="tx1"/>
-                      </a:solidFill>
-                      <a:prstDash val="solid"/>
-                      <a:round/>
-                      <a:headEnd type="none" w="med" len="med"/>
-                      <a:tailEnd type="none" w="med" len="med"/>
-                    </a:lnB>
-                    <a:solidFill>
-                      <a:schemeClr val="accent1">
-                        <a:lumMod val="20000"/>
-                        <a:lumOff val="80000"/>
-                      </a:schemeClr>
-                    </a:solidFill>
-                  </a:tcPr>
-                </a:tc>
-                <a:tc>
-                  <a:txBody>
-                    <a:bodyPr/>
-                    <a:lstStyle/>
-                    <a:p>
-                      <a:pPr algn="ctr"/>
-                      <a:endParaRPr lang="pt-BR" sz="1200" dirty="0">
-                        <a:latin typeface="Arial" panose="020B0604020202020204" pitchFamily="34" charset="0"/>
-                        <a:cs typeface="Arial" panose="020B0604020202020204" pitchFamily="34" charset="0"/>
-                      </a:endParaRPr>
-                    </a:p>
-                  </a:txBody>
-                  <a:tcPr>
-                    <a:lnL w="12700" cap="flat" cmpd="sng" algn="ctr">
-                      <a:solidFill>
-                        <a:schemeClr val="tx1"/>
-                      </a:solidFill>
-                      <a:prstDash val="solid"/>
-                      <a:round/>
-                      <a:headEnd type="none" w="med" len="med"/>
-                      <a:tailEnd type="none" w="med" len="med"/>
-                    </a:lnL>
-                    <a:lnR w="12700" cap="flat" cmpd="sng" algn="ctr">
-                      <a:solidFill>
-                        <a:schemeClr val="tx1"/>
-                      </a:solidFill>
-                      <a:prstDash val="solid"/>
-                      <a:round/>
-                      <a:headEnd type="none" w="med" len="med"/>
-                      <a:tailEnd type="none" w="med" len="med"/>
-                    </a:lnR>
-                    <a:lnT w="12700" cap="flat" cmpd="sng" algn="ctr">
-                      <a:solidFill>
-                        <a:schemeClr val="tx1"/>
-                      </a:solidFill>
-                      <a:prstDash val="solid"/>
-                      <a:round/>
-                      <a:headEnd type="none" w="med" len="med"/>
-                      <a:tailEnd type="none" w="med" len="med"/>
-                    </a:lnT>
-                    <a:lnB w="12700" cap="flat" cmpd="sng" algn="ctr">
-                      <a:solidFill>
-                        <a:schemeClr val="tx1"/>
-                      </a:solidFill>
-                      <a:prstDash val="solid"/>
-                      <a:round/>
-                      <a:headEnd type="none" w="med" len="med"/>
-                      <a:tailEnd type="none" w="med" len="med"/>
-                    </a:lnB>
-                    <a:solidFill>
-                      <a:schemeClr val="accent1">
-                        <a:lumMod val="20000"/>
-                        <a:lumOff val="80000"/>
-                      </a:schemeClr>
-                    </a:solidFill>
-                  </a:tcPr>
-                </a:tc>
-                <a:tc>
-                  <a:txBody>
-                    <a:bodyPr/>
-                    <a:lstStyle/>
-                    <a:p>
-                      <a:pPr algn="ctr"/>
-                      <a:endParaRPr lang="pt-BR" sz="1200" dirty="0">
-                        <a:latin typeface="Arial" panose="020B0604020202020204" pitchFamily="34" charset="0"/>
-                        <a:cs typeface="Arial" panose="020B0604020202020204" pitchFamily="34" charset="0"/>
-                      </a:endParaRPr>
-                    </a:p>
-                  </a:txBody>
-                  <a:tcPr>
-                    <a:lnL w="12700" cap="flat" cmpd="sng" algn="ctr">
-                      <a:solidFill>
-                        <a:schemeClr val="tx1"/>
-                      </a:solidFill>
-                      <a:prstDash val="solid"/>
-                      <a:round/>
-                      <a:headEnd type="none" w="med" len="med"/>
-                      <a:tailEnd type="none" w="med" len="med"/>
-                    </a:lnL>
-                    <a:lnR w="12700" cap="flat" cmpd="sng" algn="ctr">
-                      <a:solidFill>
-                        <a:schemeClr val="tx1"/>
-                      </a:solidFill>
-                      <a:prstDash val="solid"/>
-                      <a:round/>
-                      <a:headEnd type="none" w="med" len="med"/>
-                      <a:tailEnd type="none" w="med" len="med"/>
-                    </a:lnR>
-                    <a:lnT w="12700" cap="flat" cmpd="sng" algn="ctr">
-                      <a:solidFill>
-                        <a:schemeClr val="tx1"/>
-                      </a:solidFill>
-                      <a:prstDash val="solid"/>
-                      <a:round/>
-                      <a:headEnd type="none" w="med" len="med"/>
-                      <a:tailEnd type="none" w="med" len="med"/>
-                    </a:lnT>
-                    <a:lnB w="12700" cap="flat" cmpd="sng" algn="ctr">
-                      <a:solidFill>
-                        <a:schemeClr val="tx1"/>
-                      </a:solidFill>
-                      <a:prstDash val="solid"/>
-                      <a:round/>
-                      <a:headEnd type="none" w="med" len="med"/>
-                      <a:tailEnd type="none" w="med" len="med"/>
-                    </a:lnB>
-                    <a:solidFill>
-                      <a:schemeClr val="accent4">
-                        <a:lumMod val="20000"/>
-                        <a:lumOff val="80000"/>
-                      </a:schemeClr>
-                    </a:solidFill>
-                  </a:tcPr>
-                </a:tc>
-                <a:tc>
-                  <a:txBody>
-                    <a:bodyPr/>
-                    <a:lstStyle/>
-                    <a:p>
-                      <a:pPr algn="ctr"/>
-                      <a:endParaRPr lang="pt-BR" sz="1200" dirty="0">
-                        <a:latin typeface="Arial" panose="020B0604020202020204" pitchFamily="34" charset="0"/>
-                        <a:cs typeface="Arial" panose="020B0604020202020204" pitchFamily="34" charset="0"/>
-                      </a:endParaRPr>
-                    </a:p>
-                  </a:txBody>
-                  <a:tcPr>
-                    <a:lnL w="12700" cap="flat" cmpd="sng" algn="ctr">
-                      <a:solidFill>
-                        <a:schemeClr val="tx1"/>
-                      </a:solidFill>
-                      <a:prstDash val="solid"/>
-                      <a:round/>
-                      <a:headEnd type="none" w="med" len="med"/>
-                      <a:tailEnd type="none" w="med" len="med"/>
-                    </a:lnL>
-                    <a:lnR w="12700" cap="flat" cmpd="sng" algn="ctr">
-                      <a:solidFill>
-                        <a:schemeClr val="tx1"/>
-                      </a:solidFill>
-                      <a:prstDash val="solid"/>
-                      <a:round/>
-                      <a:headEnd type="none" w="med" len="med"/>
-                      <a:tailEnd type="none" w="med" len="med"/>
-                    </a:lnR>
-                    <a:lnT w="12700" cap="flat" cmpd="sng" algn="ctr">
-                      <a:solidFill>
-                        <a:schemeClr val="tx1"/>
-                      </a:solidFill>
-                      <a:prstDash val="solid"/>
-                      <a:round/>
-                      <a:headEnd type="none" w="med" len="med"/>
-                      <a:tailEnd type="none" w="med" len="med"/>
-                    </a:lnT>
-                    <a:lnB w="12700" cap="flat" cmpd="sng" algn="ctr">
-                      <a:solidFill>
-                        <a:schemeClr val="tx1"/>
-                      </a:solidFill>
-                      <a:prstDash val="solid"/>
-                      <a:round/>
-                      <a:headEnd type="none" w="med" len="med"/>
-                      <a:tailEnd type="none" w="med" len="med"/>
-                    </a:lnB>
-                    <a:solidFill>
-                      <a:schemeClr val="accent4">
-                        <a:lumMod val="20000"/>
-                        <a:lumOff val="80000"/>
-                      </a:schemeClr>
-                    </a:solidFill>
-                  </a:tcPr>
-                </a:tc>
-                <a:tc>
-                  <a:txBody>
-                    <a:bodyPr/>
-                    <a:lstStyle/>
-                    <a:p>
-                      <a:pPr algn="ctr"/>
-                      <a:endParaRPr lang="pt-BR" sz="1200" dirty="0">
-                        <a:latin typeface="Arial" panose="020B0604020202020204" pitchFamily="34" charset="0"/>
-                        <a:cs typeface="Arial" panose="020B0604020202020204" pitchFamily="34" charset="0"/>
-                      </a:endParaRPr>
-                    </a:p>
-                  </a:txBody>
-                  <a:tcPr>
-                    <a:lnL w="12700" cap="flat" cmpd="sng" algn="ctr">
-                      <a:solidFill>
-                        <a:schemeClr val="tx1"/>
-                      </a:solidFill>
-                      <a:prstDash val="solid"/>
-                      <a:round/>
-                      <a:headEnd type="none" w="med" len="med"/>
-                      <a:tailEnd type="none" w="med" len="med"/>
-                    </a:lnL>
-                    <a:lnR w="12700" cap="flat" cmpd="sng" algn="ctr">
-                      <a:solidFill>
-                        <a:schemeClr val="tx1"/>
-                      </a:solidFill>
-                      <a:prstDash val="solid"/>
-                      <a:round/>
-                      <a:headEnd type="none" w="med" len="med"/>
-                      <a:tailEnd type="none" w="med" len="med"/>
-                    </a:lnR>
-                    <a:lnT w="12700" cap="flat" cmpd="sng" algn="ctr">
-                      <a:solidFill>
-                        <a:schemeClr val="tx1"/>
-                      </a:solidFill>
-                      <a:prstDash val="solid"/>
-                      <a:round/>
-                      <a:headEnd type="none" w="med" len="med"/>
-                      <a:tailEnd type="none" w="med" len="med"/>
-                    </a:lnT>
-                    <a:lnB w="12700" cap="flat" cmpd="sng" algn="ctr">
-                      <a:solidFill>
-                        <a:schemeClr val="tx1"/>
-                      </a:solidFill>
-                      <a:prstDash val="solid"/>
-                      <a:round/>
-                      <a:headEnd type="none" w="med" len="med"/>
-                      <a:tailEnd type="none" w="med" len="med"/>
-                    </a:lnB>
-                    <a:solidFill>
-                      <a:schemeClr val="accent4">
-                        <a:lumMod val="20000"/>
-                        <a:lumOff val="80000"/>
-                      </a:schemeClr>
-                    </a:solidFill>
-                  </a:tcPr>
-                </a:tc>
-                <a:tc>
-                  <a:txBody>
-                    <a:bodyPr/>
-                    <a:lstStyle/>
-                    <a:p>
-                      <a:endParaRPr lang="pt-BR" sz="1200" dirty="0">
-                        <a:latin typeface="Arial" panose="020B0604020202020204" pitchFamily="34" charset="0"/>
-                        <a:cs typeface="Arial" panose="020B0604020202020204" pitchFamily="34" charset="0"/>
-                      </a:endParaRPr>
-                    </a:p>
-                  </a:txBody>
-                  <a:tcPr>
-                    <a:lnL w="12700" cap="flat" cmpd="sng" algn="ctr">
-                      <a:solidFill>
-                        <a:schemeClr val="tx1"/>
-                      </a:solidFill>
-                      <a:prstDash val="solid"/>
-                      <a:round/>
-                      <a:headEnd type="none" w="med" len="med"/>
-                      <a:tailEnd type="none" w="med" len="med"/>
-                    </a:lnL>
-                    <a:lnR w="12700" cap="flat" cmpd="sng" algn="ctr">
-                      <a:solidFill>
-                        <a:schemeClr val="tx1"/>
-                      </a:solidFill>
-                      <a:prstDash val="solid"/>
-                      <a:round/>
-                      <a:headEnd type="none" w="med" len="med"/>
-                      <a:tailEnd type="none" w="med" len="med"/>
-                    </a:lnR>
-                    <a:lnT w="12700" cap="flat" cmpd="sng" algn="ctr">
-                      <a:solidFill>
-                        <a:schemeClr val="tx1"/>
-                      </a:solidFill>
-                      <a:prstDash val="solid"/>
-                      <a:round/>
-                      <a:headEnd type="none" w="med" len="med"/>
-                      <a:tailEnd type="none" w="med" len="med"/>
-                    </a:lnT>
-                    <a:lnB w="12700" cap="flat" cmpd="sng" algn="ctr">
-                      <a:solidFill>
-                        <a:schemeClr val="tx1"/>
-                      </a:solidFill>
-                      <a:prstDash val="solid"/>
-                      <a:round/>
-                      <a:headEnd type="none" w="med" len="med"/>
-                      <a:tailEnd type="none" w="med" len="med"/>
-                    </a:lnB>
-                    <a:solidFill>
-                      <a:schemeClr val="accent2">
-                        <a:lumMod val="20000"/>
-                        <a:lumOff val="80000"/>
-                      </a:schemeClr>
-                    </a:solidFill>
-                  </a:tcPr>
-                </a:tc>
-                <a:extLst>
-                  <a:ext uri="{0D108BD9-81ED-4DB2-BD59-A6C34878D82A}">
-                    <a16:rowId xmlns="" xmlns:a16="http://schemas.microsoft.com/office/drawing/2014/main" val="877175422"/>
-                  </a:ext>
-                </a:extLst>
-              </a:tr>
-              <a:tr h="300790">
-                <a:tc vMerge="1">
-                  <a:txBody>
-                    <a:bodyPr/>
-                    <a:lstStyle/>
-                    <a:p>
-                      <a:endParaRPr lang="pt-BR"/>
-                    </a:p>
-                  </a:txBody>
-                  <a:tcPr/>
-                </a:tc>
-                <a:tc vMerge="1">
-                  <a:txBody>
-                    <a:bodyPr/>
-                    <a:lstStyle/>
-                    <a:p>
-                      <a:endParaRPr lang="pt-BR"/>
-                    </a:p>
-                  </a:txBody>
-                  <a:tcPr/>
-                </a:tc>
-                <a:tc>
-                  <a:txBody>
-                    <a:bodyPr/>
-                    <a:lstStyle/>
-                    <a:p>
-                      <a:pPr algn="ctr"/>
-                      <a:r>
-                        <a:rPr lang="pt-BR" sz="1200" dirty="0">
-                          <a:latin typeface="Arial" panose="020B0604020202020204" pitchFamily="34" charset="0"/>
-                          <a:cs typeface="Arial" panose="020B0604020202020204" pitchFamily="34" charset="0"/>
-                        </a:rPr>
-                        <a:t>5</a:t>
-                      </a:r>
-                    </a:p>
-                  </a:txBody>
-                  <a:tcPr>
-                    <a:lnL w="12700" cap="flat" cmpd="sng" algn="ctr">
-                      <a:solidFill>
-                        <a:schemeClr val="tx1"/>
-                      </a:solidFill>
-                      <a:prstDash val="solid"/>
-                      <a:round/>
-                      <a:headEnd type="none" w="med" len="med"/>
-                      <a:tailEnd type="none" w="med" len="med"/>
-                    </a:lnL>
-                    <a:lnR w="12700" cap="flat" cmpd="sng" algn="ctr">
-                      <a:solidFill>
-                        <a:schemeClr val="tx1"/>
-                      </a:solidFill>
-                      <a:prstDash val="solid"/>
-                      <a:round/>
-                      <a:headEnd type="none" w="med" len="med"/>
-                      <a:tailEnd type="none" w="med" len="med"/>
-                    </a:lnR>
-                    <a:lnT w="12700" cap="flat" cmpd="sng" algn="ctr">
-                      <a:solidFill>
-                        <a:schemeClr val="tx1"/>
-                      </a:solidFill>
-                      <a:prstDash val="solid"/>
-                      <a:round/>
-                      <a:headEnd type="none" w="med" len="med"/>
-                      <a:tailEnd type="none" w="med" len="med"/>
-                    </a:lnT>
-                    <a:lnB w="12700" cap="flat" cmpd="sng" algn="ctr">
-                      <a:solidFill>
-                        <a:schemeClr val="tx1"/>
-                      </a:solidFill>
-                      <a:prstDash val="solid"/>
-                      <a:round/>
-                      <a:headEnd type="none" w="med" len="med"/>
-                      <a:tailEnd type="none" w="med" len="med"/>
-                    </a:lnB>
-                    <a:solidFill>
-                      <a:schemeClr val="bg1"/>
-                    </a:solidFill>
-                  </a:tcPr>
-                </a:tc>
-                <a:tc>
-                  <a:txBody>
-                    <a:bodyPr/>
-                    <a:lstStyle/>
-                    <a:p>
-                      <a:r>
-                        <a:rPr lang="pt-BR" sz="1200" dirty="0">
-                          <a:latin typeface="Arial" panose="020B0604020202020204" pitchFamily="34" charset="0"/>
-                          <a:cs typeface="Arial" panose="020B0604020202020204" pitchFamily="34" charset="0"/>
-                        </a:rPr>
-                        <a:t>Cliente recebe os produtos</a:t>
-                      </a:r>
-                    </a:p>
-                  </a:txBody>
-                  <a:tcPr>
-                    <a:lnL w="12700" cap="flat" cmpd="sng" algn="ctr">
-                      <a:solidFill>
-                        <a:schemeClr val="tx1"/>
-                      </a:solidFill>
-                      <a:prstDash val="solid"/>
-                      <a:round/>
-                      <a:headEnd type="none" w="med" len="med"/>
-                      <a:tailEnd type="none" w="med" len="med"/>
-                    </a:lnL>
-                    <a:lnR w="12700" cap="flat" cmpd="sng" algn="ctr">
-                      <a:solidFill>
-                        <a:schemeClr val="tx1"/>
-                      </a:solidFill>
-                      <a:prstDash val="solid"/>
-                      <a:round/>
-                      <a:headEnd type="none" w="med" len="med"/>
-                      <a:tailEnd type="none" w="med" len="med"/>
-                    </a:lnR>
-                    <a:lnT w="12700" cap="flat" cmpd="sng" algn="ctr">
-                      <a:solidFill>
-                        <a:schemeClr val="tx1"/>
-                      </a:solidFill>
-                      <a:prstDash val="solid"/>
-                      <a:round/>
-                      <a:headEnd type="none" w="med" len="med"/>
-                      <a:tailEnd type="none" w="med" len="med"/>
-                    </a:lnT>
-                    <a:lnB w="12700" cap="flat" cmpd="sng" algn="ctr">
-                      <a:solidFill>
-                        <a:schemeClr val="tx1"/>
-                      </a:solidFill>
-                      <a:prstDash val="solid"/>
-                      <a:round/>
-                      <a:headEnd type="none" w="med" len="med"/>
-                      <a:tailEnd type="none" w="med" len="med"/>
-                    </a:lnB>
-                    <a:solidFill>
-                      <a:schemeClr val="bg1"/>
-                    </a:solidFill>
-                  </a:tcPr>
-                </a:tc>
-                <a:tc>
-                  <a:txBody>
-                    <a:bodyPr/>
-                    <a:lstStyle/>
-                    <a:p>
-                      <a:pPr algn="ctr"/>
-                      <a:r>
-                        <a:rPr lang="pt-BR" sz="1200" dirty="0">
-                          <a:latin typeface="Arial" panose="020B0604020202020204" pitchFamily="34" charset="0"/>
-                          <a:cs typeface="Arial" panose="020B0604020202020204" pitchFamily="34" charset="0"/>
-                        </a:rPr>
-                        <a:t>X(4)</a:t>
-                      </a:r>
-                    </a:p>
-                  </a:txBody>
-                  <a:tcPr>
-                    <a:lnL w="12700" cap="flat" cmpd="sng" algn="ctr">
-                      <a:solidFill>
-                        <a:schemeClr val="tx1"/>
-                      </a:solidFill>
-                      <a:prstDash val="solid"/>
-                      <a:round/>
-                      <a:headEnd type="none" w="med" len="med"/>
-                      <a:tailEnd type="none" w="med" len="med"/>
-                    </a:lnL>
-                    <a:lnR w="12700" cap="flat" cmpd="sng" algn="ctr">
-                      <a:solidFill>
-                        <a:schemeClr val="tx1"/>
-                      </a:solidFill>
-                      <a:prstDash val="solid"/>
-                      <a:round/>
-                      <a:headEnd type="none" w="med" len="med"/>
-                      <a:tailEnd type="none" w="med" len="med"/>
-                    </a:lnR>
-                    <a:lnT w="12700" cap="flat" cmpd="sng" algn="ctr">
-                      <a:solidFill>
-                        <a:schemeClr val="tx1"/>
-                      </a:solidFill>
-                      <a:prstDash val="solid"/>
-                      <a:round/>
-                      <a:headEnd type="none" w="med" len="med"/>
-                      <a:tailEnd type="none" w="med" len="med"/>
-                    </a:lnT>
-                    <a:lnB w="12700" cap="flat" cmpd="sng" algn="ctr">
-                      <a:solidFill>
-                        <a:schemeClr val="tx1"/>
-                      </a:solidFill>
-                      <a:prstDash val="solid"/>
-                      <a:round/>
-                      <a:headEnd type="none" w="med" len="med"/>
-                      <a:tailEnd type="none" w="med" len="med"/>
-                    </a:lnB>
-                    <a:solidFill>
-                      <a:schemeClr val="accent1">
-                        <a:lumMod val="20000"/>
-                        <a:lumOff val="80000"/>
-                      </a:schemeClr>
-                    </a:solidFill>
-                  </a:tcPr>
-                </a:tc>
-                <a:tc>
-                  <a:txBody>
-                    <a:bodyPr/>
-                    <a:lstStyle/>
-                    <a:p>
-                      <a:pPr algn="ctr"/>
-                      <a:endParaRPr lang="pt-BR" sz="1200" dirty="0">
-                        <a:latin typeface="Arial" panose="020B0604020202020204" pitchFamily="34" charset="0"/>
-                        <a:cs typeface="Arial" panose="020B0604020202020204" pitchFamily="34" charset="0"/>
-                      </a:endParaRPr>
-                    </a:p>
-                  </a:txBody>
-                  <a:tcPr>
-                    <a:lnL w="12700" cap="flat" cmpd="sng" algn="ctr">
-                      <a:solidFill>
-                        <a:schemeClr val="tx1"/>
-                      </a:solidFill>
-                      <a:prstDash val="solid"/>
-                      <a:round/>
-                      <a:headEnd type="none" w="med" len="med"/>
-                      <a:tailEnd type="none" w="med" len="med"/>
-                    </a:lnL>
-                    <a:lnR w="12700" cap="flat" cmpd="sng" algn="ctr">
-                      <a:solidFill>
-                        <a:schemeClr val="tx1"/>
-                      </a:solidFill>
-                      <a:prstDash val="solid"/>
-                      <a:round/>
-                      <a:headEnd type="none" w="med" len="med"/>
-                      <a:tailEnd type="none" w="med" len="med"/>
-                    </a:lnR>
-                    <a:lnT w="12700" cap="flat" cmpd="sng" algn="ctr">
-                      <a:solidFill>
-                        <a:schemeClr val="tx1"/>
-                      </a:solidFill>
-                      <a:prstDash val="solid"/>
-                      <a:round/>
-                      <a:headEnd type="none" w="med" len="med"/>
-                      <a:tailEnd type="none" w="med" len="med"/>
-                    </a:lnT>
-                    <a:lnB w="12700" cap="flat" cmpd="sng" algn="ctr">
-                      <a:solidFill>
-                        <a:schemeClr val="tx1"/>
-                      </a:solidFill>
-                      <a:prstDash val="solid"/>
-                      <a:round/>
-                      <a:headEnd type="none" w="med" len="med"/>
-                      <a:tailEnd type="none" w="med" len="med"/>
-                    </a:lnB>
-                    <a:solidFill>
-                      <a:schemeClr val="accent1">
-                        <a:lumMod val="20000"/>
-                        <a:lumOff val="80000"/>
-                      </a:schemeClr>
-                    </a:solidFill>
-                  </a:tcPr>
-                </a:tc>
-                <a:tc>
-                  <a:txBody>
-                    <a:bodyPr/>
-                    <a:lstStyle/>
-                    <a:p>
-                      <a:pPr algn="ctr"/>
-                      <a:endParaRPr lang="pt-BR" sz="1200" dirty="0">
-                        <a:latin typeface="Arial" panose="020B0604020202020204" pitchFamily="34" charset="0"/>
-                        <a:cs typeface="Arial" panose="020B0604020202020204" pitchFamily="34" charset="0"/>
-                      </a:endParaRPr>
-                    </a:p>
-                  </a:txBody>
-                  <a:tcPr>
-                    <a:lnL w="12700" cap="flat" cmpd="sng" algn="ctr">
-                      <a:solidFill>
-                        <a:schemeClr val="tx1"/>
-                      </a:solidFill>
-                      <a:prstDash val="solid"/>
-                      <a:round/>
-                      <a:headEnd type="none" w="med" len="med"/>
-                      <a:tailEnd type="none" w="med" len="med"/>
-                    </a:lnL>
-                    <a:lnR w="12700" cap="flat" cmpd="sng" algn="ctr">
-                      <a:solidFill>
-                        <a:schemeClr val="tx1"/>
-                      </a:solidFill>
-                      <a:prstDash val="solid"/>
-                      <a:round/>
-                      <a:headEnd type="none" w="med" len="med"/>
-                      <a:tailEnd type="none" w="med" len="med"/>
-                    </a:lnR>
-                    <a:lnT w="12700" cap="flat" cmpd="sng" algn="ctr">
-                      <a:solidFill>
-                        <a:schemeClr val="tx1"/>
-                      </a:solidFill>
-                      <a:prstDash val="solid"/>
-                      <a:round/>
-                      <a:headEnd type="none" w="med" len="med"/>
-                      <a:tailEnd type="none" w="med" len="med"/>
-                    </a:lnT>
-                    <a:lnB w="12700" cap="flat" cmpd="sng" algn="ctr">
-                      <a:solidFill>
-                        <a:schemeClr val="tx1"/>
-                      </a:solidFill>
-                      <a:prstDash val="solid"/>
-                      <a:round/>
-                      <a:headEnd type="none" w="med" len="med"/>
-                      <a:tailEnd type="none" w="med" len="med"/>
-                    </a:lnB>
-                    <a:solidFill>
-                      <a:schemeClr val="accent4">
-                        <a:lumMod val="20000"/>
-                        <a:lumOff val="80000"/>
-                      </a:schemeClr>
-                    </a:solidFill>
-                  </a:tcPr>
-                </a:tc>
-                <a:tc>
-                  <a:txBody>
-                    <a:bodyPr/>
-                    <a:lstStyle/>
-                    <a:p>
-                      <a:pPr algn="ctr"/>
-                      <a:endParaRPr lang="pt-BR" sz="1200" dirty="0">
-                        <a:latin typeface="Arial" panose="020B0604020202020204" pitchFamily="34" charset="0"/>
-                        <a:cs typeface="Arial" panose="020B0604020202020204" pitchFamily="34" charset="0"/>
-                      </a:endParaRPr>
-                    </a:p>
-                  </a:txBody>
-                  <a:tcPr>
-                    <a:lnL w="12700" cap="flat" cmpd="sng" algn="ctr">
-                      <a:solidFill>
-                        <a:schemeClr val="tx1"/>
-                      </a:solidFill>
-                      <a:prstDash val="solid"/>
-                      <a:round/>
-                      <a:headEnd type="none" w="med" len="med"/>
-                      <a:tailEnd type="none" w="med" len="med"/>
-                    </a:lnL>
-                    <a:lnR w="12700" cap="flat" cmpd="sng" algn="ctr">
-                      <a:solidFill>
-                        <a:schemeClr val="tx1"/>
-                      </a:solidFill>
-                      <a:prstDash val="solid"/>
-                      <a:round/>
-                      <a:headEnd type="none" w="med" len="med"/>
-                      <a:tailEnd type="none" w="med" len="med"/>
-                    </a:lnR>
-                    <a:lnT w="12700" cap="flat" cmpd="sng" algn="ctr">
-                      <a:solidFill>
-                        <a:schemeClr val="tx1"/>
-                      </a:solidFill>
-                      <a:prstDash val="solid"/>
-                      <a:round/>
-                      <a:headEnd type="none" w="med" len="med"/>
-                      <a:tailEnd type="none" w="med" len="med"/>
-                    </a:lnT>
-                    <a:lnB w="12700" cap="flat" cmpd="sng" algn="ctr">
-                      <a:solidFill>
-                        <a:schemeClr val="tx1"/>
-                      </a:solidFill>
-                      <a:prstDash val="solid"/>
-                      <a:round/>
-                      <a:headEnd type="none" w="med" len="med"/>
-                      <a:tailEnd type="none" w="med" len="med"/>
-                    </a:lnB>
-                    <a:solidFill>
-                      <a:schemeClr val="accent4">
-                        <a:lumMod val="20000"/>
-                        <a:lumOff val="80000"/>
-                      </a:schemeClr>
-                    </a:solidFill>
-                  </a:tcPr>
-                </a:tc>
-                <a:tc>
-                  <a:txBody>
-                    <a:bodyPr/>
-                    <a:lstStyle/>
-                    <a:p>
-                      <a:pPr algn="ctr"/>
-                      <a:endParaRPr lang="pt-BR" sz="1200" dirty="0">
-                        <a:latin typeface="Arial" panose="020B0604020202020204" pitchFamily="34" charset="0"/>
-                        <a:cs typeface="Arial" panose="020B0604020202020204" pitchFamily="34" charset="0"/>
-                      </a:endParaRPr>
-                    </a:p>
-                  </a:txBody>
-                  <a:tcPr>
-                    <a:lnL w="12700" cap="flat" cmpd="sng" algn="ctr">
-                      <a:solidFill>
-                        <a:schemeClr val="tx1"/>
-                      </a:solidFill>
-                      <a:prstDash val="solid"/>
-                      <a:round/>
-                      <a:headEnd type="none" w="med" len="med"/>
-                      <a:tailEnd type="none" w="med" len="med"/>
-                    </a:lnL>
-                    <a:lnR w="12700" cap="flat" cmpd="sng" algn="ctr">
-                      <a:solidFill>
-                        <a:schemeClr val="tx1"/>
-                      </a:solidFill>
-                      <a:prstDash val="solid"/>
-                      <a:round/>
-                      <a:headEnd type="none" w="med" len="med"/>
-                      <a:tailEnd type="none" w="med" len="med"/>
-                    </a:lnR>
-                    <a:lnT w="12700" cap="flat" cmpd="sng" algn="ctr">
-                      <a:solidFill>
-                        <a:schemeClr val="tx1"/>
-                      </a:solidFill>
-                      <a:prstDash val="solid"/>
-                      <a:round/>
-                      <a:headEnd type="none" w="med" len="med"/>
-                      <a:tailEnd type="none" w="med" len="med"/>
-                    </a:lnT>
-                    <a:lnB w="12700" cap="flat" cmpd="sng" algn="ctr">
-                      <a:solidFill>
-                        <a:schemeClr val="tx1"/>
-                      </a:solidFill>
-                      <a:prstDash val="solid"/>
-                      <a:round/>
-                      <a:headEnd type="none" w="med" len="med"/>
-                      <a:tailEnd type="none" w="med" len="med"/>
-                    </a:lnB>
-                    <a:solidFill>
-                      <a:schemeClr val="accent4">
-                        <a:lumMod val="20000"/>
-                        <a:lumOff val="80000"/>
-                      </a:schemeClr>
-                    </a:solidFill>
-                  </a:tcPr>
-                </a:tc>
-                <a:tc>
-                  <a:txBody>
-                    <a:bodyPr/>
-                    <a:lstStyle/>
-                    <a:p>
-                      <a:endParaRPr lang="pt-BR" sz="1200" dirty="0">
-                        <a:latin typeface="Arial" panose="020B0604020202020204" pitchFamily="34" charset="0"/>
-                        <a:cs typeface="Arial" panose="020B0604020202020204" pitchFamily="34" charset="0"/>
-                      </a:endParaRPr>
-                    </a:p>
-                  </a:txBody>
-                  <a:tcPr>
-                    <a:lnL w="12700" cap="flat" cmpd="sng" algn="ctr">
-                      <a:solidFill>
-                        <a:schemeClr val="tx1"/>
-                      </a:solidFill>
-                      <a:prstDash val="solid"/>
-                      <a:round/>
-                      <a:headEnd type="none" w="med" len="med"/>
-                      <a:tailEnd type="none" w="med" len="med"/>
-                    </a:lnL>
-                    <a:lnR w="12700" cap="flat" cmpd="sng" algn="ctr">
-                      <a:solidFill>
-                        <a:schemeClr val="tx1"/>
-                      </a:solidFill>
-                      <a:prstDash val="solid"/>
-                      <a:round/>
-                      <a:headEnd type="none" w="med" len="med"/>
-                      <a:tailEnd type="none" w="med" len="med"/>
-                    </a:lnR>
-                    <a:lnT w="12700" cap="flat" cmpd="sng" algn="ctr">
-                      <a:solidFill>
-                        <a:schemeClr val="tx1"/>
-                      </a:solidFill>
-                      <a:prstDash val="solid"/>
-                      <a:round/>
-                      <a:headEnd type="none" w="med" len="med"/>
-                      <a:tailEnd type="none" w="med" len="med"/>
-                    </a:lnT>
-                    <a:lnB w="12700" cap="flat" cmpd="sng" algn="ctr">
-                      <a:solidFill>
-                        <a:schemeClr val="tx1"/>
-                      </a:solidFill>
-                      <a:prstDash val="solid"/>
-                      <a:round/>
-                      <a:headEnd type="none" w="med" len="med"/>
-                      <a:tailEnd type="none" w="med" len="med"/>
-                    </a:lnB>
-                    <a:solidFill>
-                      <a:schemeClr val="accent2">
-                        <a:lumMod val="20000"/>
-                        <a:lumOff val="80000"/>
-                      </a:schemeClr>
-                    </a:solidFill>
-                  </a:tcPr>
-                </a:tc>
-                <a:extLst>
-                  <a:ext uri="{0D108BD9-81ED-4DB2-BD59-A6C34878D82A}">
-                    <a16:rowId xmlns="" xmlns:a16="http://schemas.microsoft.com/office/drawing/2014/main" val="4013855189"/>
-                  </a:ext>
-                </a:extLst>
-              </a:tr>
-              <a:tr h="139700">
-                <a:tc vMerge="1">
-                  <a:txBody>
-                    <a:bodyPr/>
-                    <a:lstStyle/>
-                    <a:p>
-                      <a:endParaRPr lang="pt-BR" sz="1200" dirty="0">
-                        <a:latin typeface="Arial" panose="020B0604020202020204" pitchFamily="34" charset="0"/>
-                        <a:cs typeface="Arial" panose="020B0604020202020204" pitchFamily="34" charset="0"/>
-                      </a:endParaRPr>
-                    </a:p>
-                  </a:txBody>
-                  <a:tcPr>
-                    <a:lnL w="12700" cap="flat" cmpd="sng" algn="ctr">
-                      <a:solidFill>
-                        <a:schemeClr val="tx1"/>
-                      </a:solidFill>
-                      <a:prstDash val="solid"/>
-                      <a:round/>
-                      <a:headEnd type="none" w="med" len="med"/>
-                      <a:tailEnd type="none" w="med" len="med"/>
-                    </a:lnL>
-                    <a:lnR w="12700" cap="flat" cmpd="sng" algn="ctr">
-                      <a:solidFill>
-                        <a:schemeClr val="tx1"/>
-                      </a:solidFill>
-                      <a:prstDash val="solid"/>
-                      <a:round/>
-                      <a:headEnd type="none" w="med" len="med"/>
-                      <a:tailEnd type="none" w="med" len="med"/>
-                    </a:lnR>
-                    <a:lnT w="12700" cap="flat" cmpd="sng" algn="ctr">
-                      <a:solidFill>
-                        <a:schemeClr val="tx1"/>
-                      </a:solidFill>
-                      <a:prstDash val="solid"/>
-                      <a:round/>
-                      <a:headEnd type="none" w="med" len="med"/>
-                      <a:tailEnd type="none" w="med" len="med"/>
-                    </a:lnT>
-                    <a:lnB w="12700" cap="flat" cmpd="sng" algn="ctr">
-                      <a:solidFill>
-                        <a:schemeClr val="tx1"/>
-                      </a:solidFill>
-                      <a:prstDash val="solid"/>
-                      <a:round/>
-                      <a:headEnd type="none" w="med" len="med"/>
-                      <a:tailEnd type="none" w="med" len="med"/>
-                    </a:lnB>
-                    <a:solidFill>
-                      <a:schemeClr val="bg1"/>
-                    </a:solidFill>
-                  </a:tcPr>
-                </a:tc>
-                <a:tc vMerge="1">
-                  <a:txBody>
-                    <a:bodyPr/>
-                    <a:lstStyle/>
-                    <a:p>
-                      <a:endParaRPr lang="pt-BR"/>
-                    </a:p>
-                  </a:txBody>
-                  <a:tcPr>
-                    <a:lnL w="12700" cap="flat" cmpd="sng" algn="ctr">
-                      <a:solidFill>
-                        <a:schemeClr val="tx1"/>
-                      </a:solidFill>
-                      <a:prstDash val="solid"/>
-                      <a:round/>
-                      <a:headEnd type="none" w="med" len="med"/>
-                      <a:tailEnd type="none" w="med" len="med"/>
-                    </a:lnL>
-                    <a:lnT w="12700" cap="flat" cmpd="sng" algn="ctr">
-                      <a:solidFill>
-                        <a:schemeClr val="tx1"/>
-                      </a:solidFill>
-                      <a:prstDash val="solid"/>
-                      <a:round/>
-                      <a:headEnd type="none" w="med" len="med"/>
-                      <a:tailEnd type="none" w="med" len="med"/>
-                    </a:lnT>
-                  </a:tcPr>
-                </a:tc>
-                <a:tc>
-                  <a:txBody>
-                    <a:bodyPr/>
-                    <a:lstStyle/>
-                    <a:p>
-                      <a:pPr algn="ctr"/>
-                      <a:r>
-                        <a:rPr lang="pt-BR" sz="1200" dirty="0">
-                          <a:latin typeface="Arial" panose="020B0604020202020204" pitchFamily="34" charset="0"/>
-                          <a:cs typeface="Arial" panose="020B0604020202020204" pitchFamily="34" charset="0"/>
-                        </a:rPr>
-                        <a:t>6</a:t>
-                      </a:r>
-                    </a:p>
-                  </a:txBody>
-                  <a:tcPr>
-                    <a:lnL w="12700" cap="flat" cmpd="sng" algn="ctr">
-                      <a:solidFill>
-                        <a:schemeClr val="tx1"/>
-                      </a:solidFill>
-                      <a:prstDash val="solid"/>
-                      <a:round/>
-                      <a:headEnd type="none" w="med" len="med"/>
-                      <a:tailEnd type="none" w="med" len="med"/>
-                    </a:lnL>
-                    <a:lnR w="12700" cap="flat" cmpd="sng" algn="ctr">
-                      <a:solidFill>
-                        <a:schemeClr val="tx1"/>
-                      </a:solidFill>
-                      <a:prstDash val="solid"/>
-                      <a:round/>
-                      <a:headEnd type="none" w="med" len="med"/>
-                      <a:tailEnd type="none" w="med" len="med"/>
-                    </a:lnR>
-                    <a:lnT w="12700" cap="flat" cmpd="sng" algn="ctr">
-                      <a:solidFill>
-                        <a:schemeClr val="tx1"/>
-                      </a:solidFill>
-                      <a:prstDash val="solid"/>
-                      <a:round/>
-                      <a:headEnd type="none" w="med" len="med"/>
-                      <a:tailEnd type="none" w="med" len="med"/>
-                    </a:lnT>
-                    <a:lnB w="12700" cap="flat" cmpd="sng" algn="ctr">
-                      <a:solidFill>
-                        <a:schemeClr val="tx1"/>
-                      </a:solidFill>
-                      <a:prstDash val="solid"/>
-                      <a:round/>
-                      <a:headEnd type="none" w="med" len="med"/>
-                      <a:tailEnd type="none" w="med" len="med"/>
-                    </a:lnB>
-                    <a:solidFill>
-                      <a:schemeClr val="bg1"/>
-                    </a:solidFill>
-                  </a:tcPr>
-                </a:tc>
-                <a:tc>
-                  <a:txBody>
-                    <a:bodyPr/>
-                    <a:lstStyle/>
-                    <a:p>
-                      <a:pPr marL="0" marR="0" lvl="0" indent="0" algn="l" defTabSz="914400" rtl="0" eaLnBrk="1" fontAlgn="auto" latinLnBrk="0" hangingPunct="1">
-                        <a:lnSpc>
-                          <a:spcPct val="100000"/>
-                        </a:lnSpc>
-                        <a:spcBef>
-                          <a:spcPts val="0"/>
-                        </a:spcBef>
-                        <a:spcAft>
-                          <a:spcPts val="0"/>
-                        </a:spcAft>
-                        <a:buClrTx/>
-                        <a:buSzTx/>
-                        <a:buFontTx/>
-                        <a:buNone/>
-                        <a:tabLst/>
-                        <a:defRPr/>
-                      </a:pPr>
-                      <a:r>
-                        <a:rPr lang="pt-BR" sz="1200" b="0" dirty="0">
-                          <a:latin typeface="Arial" panose="020B0604020202020204" pitchFamily="34" charset="0"/>
-                          <a:cs typeface="Arial" panose="020B0604020202020204" pitchFamily="34" charset="0"/>
-                        </a:rPr>
-                        <a:t>Vendedor atualiza estoque</a:t>
-                      </a:r>
-                    </a:p>
-                  </a:txBody>
-                  <a:tcPr>
-                    <a:lnL w="12700" cap="flat" cmpd="sng" algn="ctr">
-                      <a:solidFill>
-                        <a:schemeClr val="tx1"/>
-                      </a:solidFill>
-                      <a:prstDash val="solid"/>
-                      <a:round/>
-                      <a:headEnd type="none" w="med" len="med"/>
-                      <a:tailEnd type="none" w="med" len="med"/>
-                    </a:lnL>
-                    <a:lnR w="12700" cap="flat" cmpd="sng" algn="ctr">
-                      <a:solidFill>
-                        <a:schemeClr val="tx1"/>
-                      </a:solidFill>
-                      <a:prstDash val="solid"/>
-                      <a:round/>
-                      <a:headEnd type="none" w="med" len="med"/>
-                      <a:tailEnd type="none" w="med" len="med"/>
-                    </a:lnR>
-                    <a:lnT w="12700" cap="flat" cmpd="sng" algn="ctr">
-                      <a:solidFill>
-                        <a:schemeClr val="tx1"/>
-                      </a:solidFill>
-                      <a:prstDash val="solid"/>
-                      <a:round/>
-                      <a:headEnd type="none" w="med" len="med"/>
-                      <a:tailEnd type="none" w="med" len="med"/>
-                    </a:lnT>
-                    <a:lnB w="12700" cap="flat" cmpd="sng" algn="ctr">
-                      <a:solidFill>
-                        <a:schemeClr val="tx1"/>
-                      </a:solidFill>
-                      <a:prstDash val="solid"/>
-                      <a:round/>
-                      <a:headEnd type="none" w="med" len="med"/>
-                      <a:tailEnd type="none" w="med" len="med"/>
-                    </a:lnB>
-                    <a:solidFill>
-                      <a:schemeClr val="bg1"/>
-                    </a:solidFill>
-                  </a:tcPr>
-                </a:tc>
-                <a:tc>
-                  <a:txBody>
-                    <a:bodyPr/>
-                    <a:lstStyle/>
-                    <a:p>
-                      <a:pPr algn="ctr"/>
-                      <a:endParaRPr lang="pt-BR" sz="1200" dirty="0">
-                        <a:latin typeface="Arial" panose="020B0604020202020204" pitchFamily="34" charset="0"/>
-                        <a:cs typeface="Arial" panose="020B0604020202020204" pitchFamily="34" charset="0"/>
-                      </a:endParaRPr>
-                    </a:p>
-                  </a:txBody>
-                  <a:tcPr>
-                    <a:lnL w="12700" cap="flat" cmpd="sng" algn="ctr">
-                      <a:solidFill>
-                        <a:schemeClr val="tx1"/>
-                      </a:solidFill>
-                      <a:prstDash val="solid"/>
-                      <a:round/>
-                      <a:headEnd type="none" w="med" len="med"/>
-                      <a:tailEnd type="none" w="med" len="med"/>
-                    </a:lnL>
-                    <a:lnR w="12700" cap="flat" cmpd="sng" algn="ctr">
-                      <a:solidFill>
-                        <a:schemeClr val="tx1"/>
-                      </a:solidFill>
-                      <a:prstDash val="solid"/>
-                      <a:round/>
-                      <a:headEnd type="none" w="med" len="med"/>
-                      <a:tailEnd type="none" w="med" len="med"/>
-                    </a:lnR>
-                    <a:lnT w="12700" cap="flat" cmpd="sng" algn="ctr">
-                      <a:solidFill>
-                        <a:schemeClr val="tx1"/>
-                      </a:solidFill>
-                      <a:prstDash val="solid"/>
-                      <a:round/>
-                      <a:headEnd type="none" w="med" len="med"/>
-                      <a:tailEnd type="none" w="med" len="med"/>
-                    </a:lnT>
-                    <a:lnB w="12700" cap="flat" cmpd="sng" algn="ctr">
-                      <a:solidFill>
-                        <a:schemeClr val="tx1"/>
-                      </a:solidFill>
-                      <a:prstDash val="solid"/>
-                      <a:round/>
-                      <a:headEnd type="none" w="med" len="med"/>
-                      <a:tailEnd type="none" w="med" len="med"/>
-                    </a:lnB>
-                    <a:solidFill>
-                      <a:schemeClr val="accent1">
-                        <a:lumMod val="20000"/>
-                        <a:lumOff val="80000"/>
-                      </a:schemeClr>
-                    </a:solidFill>
-                  </a:tcPr>
-                </a:tc>
-                <a:tc>
-                  <a:txBody>
-                    <a:bodyPr/>
-                    <a:lstStyle/>
-                    <a:p>
-                      <a:pPr algn="ctr"/>
-                      <a:endParaRPr lang="pt-BR" sz="1200" dirty="0">
-                        <a:latin typeface="Arial" panose="020B0604020202020204" pitchFamily="34" charset="0"/>
-                        <a:cs typeface="Arial" panose="020B0604020202020204" pitchFamily="34" charset="0"/>
-                      </a:endParaRPr>
-                    </a:p>
-                  </a:txBody>
-                  <a:tcPr>
-                    <a:lnL w="12700" cap="flat" cmpd="sng" algn="ctr">
-                      <a:solidFill>
-                        <a:schemeClr val="tx1"/>
-                      </a:solidFill>
-                      <a:prstDash val="solid"/>
-                      <a:round/>
-                      <a:headEnd type="none" w="med" len="med"/>
-                      <a:tailEnd type="none" w="med" len="med"/>
-                    </a:lnL>
-                    <a:lnR w="12700" cap="flat" cmpd="sng" algn="ctr">
-                      <a:solidFill>
-                        <a:schemeClr val="tx1"/>
-                      </a:solidFill>
-                      <a:prstDash val="solid"/>
-                      <a:round/>
-                      <a:headEnd type="none" w="med" len="med"/>
-                      <a:tailEnd type="none" w="med" len="med"/>
-                    </a:lnR>
-                    <a:lnT w="12700" cap="flat" cmpd="sng" algn="ctr">
-                      <a:solidFill>
-                        <a:schemeClr val="tx1"/>
-                      </a:solidFill>
-                      <a:prstDash val="solid"/>
-                      <a:round/>
-                      <a:headEnd type="none" w="med" len="med"/>
-                      <a:tailEnd type="none" w="med" len="med"/>
-                    </a:lnT>
-                    <a:lnB w="12700" cap="flat" cmpd="sng" algn="ctr">
-                      <a:solidFill>
-                        <a:schemeClr val="tx1"/>
-                      </a:solidFill>
-                      <a:prstDash val="solid"/>
-                      <a:round/>
-                      <a:headEnd type="none" w="med" len="med"/>
-                      <a:tailEnd type="none" w="med" len="med"/>
-                    </a:lnB>
-                    <a:solidFill>
-                      <a:schemeClr val="accent1">
-                        <a:lumMod val="20000"/>
-                        <a:lumOff val="80000"/>
-                      </a:schemeClr>
-                    </a:solidFill>
-                  </a:tcPr>
-                </a:tc>
-                <a:tc>
-                  <a:txBody>
-                    <a:bodyPr/>
-                    <a:lstStyle/>
-                    <a:p>
-                      <a:pPr algn="ctr"/>
-                      <a:r>
-                        <a:rPr lang="pt-BR" sz="1200" dirty="0">
-                          <a:latin typeface="Arial" panose="020B0604020202020204" pitchFamily="34" charset="0"/>
-                          <a:cs typeface="Arial" panose="020B0604020202020204" pitchFamily="34" charset="0"/>
-                        </a:rPr>
-                        <a:t>X(5)</a:t>
-                      </a:r>
-                    </a:p>
-                  </a:txBody>
-                  <a:tcPr>
-                    <a:lnL w="12700" cap="flat" cmpd="sng" algn="ctr">
-                      <a:solidFill>
-                        <a:schemeClr val="tx1"/>
-                      </a:solidFill>
-                      <a:prstDash val="solid"/>
-                      <a:round/>
-                      <a:headEnd type="none" w="med" len="med"/>
-                      <a:tailEnd type="none" w="med" len="med"/>
-                    </a:lnL>
-                    <a:lnR w="12700" cap="flat" cmpd="sng" algn="ctr">
-                      <a:solidFill>
-                        <a:schemeClr val="tx1"/>
-                      </a:solidFill>
-                      <a:prstDash val="solid"/>
-                      <a:round/>
-                      <a:headEnd type="none" w="med" len="med"/>
-                      <a:tailEnd type="none" w="med" len="med"/>
-                    </a:lnR>
-                    <a:lnT w="12700" cap="flat" cmpd="sng" algn="ctr">
-                      <a:solidFill>
-                        <a:schemeClr val="tx1"/>
-                      </a:solidFill>
-                      <a:prstDash val="solid"/>
-                      <a:round/>
-                      <a:headEnd type="none" w="med" len="med"/>
-                      <a:tailEnd type="none" w="med" len="med"/>
-                    </a:lnT>
-                    <a:lnB w="12700" cap="flat" cmpd="sng" algn="ctr">
-                      <a:solidFill>
-                        <a:schemeClr val="tx1"/>
-                      </a:solidFill>
-                      <a:prstDash val="solid"/>
-                      <a:round/>
-                      <a:headEnd type="none" w="med" len="med"/>
-                      <a:tailEnd type="none" w="med" len="med"/>
-                    </a:lnB>
-                    <a:solidFill>
-                      <a:schemeClr val="accent4">
-                        <a:lumMod val="20000"/>
-                        <a:lumOff val="80000"/>
-                      </a:schemeClr>
-                    </a:solidFill>
-                  </a:tcPr>
-                </a:tc>
-                <a:tc>
-                  <a:txBody>
-                    <a:bodyPr/>
-                    <a:lstStyle/>
-                    <a:p>
-                      <a:pPr algn="ctr"/>
-                      <a:endParaRPr lang="pt-BR" sz="1200" dirty="0">
-                        <a:latin typeface="Arial" panose="020B0604020202020204" pitchFamily="34" charset="0"/>
-                        <a:cs typeface="Arial" panose="020B0604020202020204" pitchFamily="34" charset="0"/>
-                      </a:endParaRPr>
-                    </a:p>
-                  </a:txBody>
-                  <a:tcPr>
-                    <a:lnL w="12700" cap="flat" cmpd="sng" algn="ctr">
-                      <a:solidFill>
-                        <a:schemeClr val="tx1"/>
-                      </a:solidFill>
-                      <a:prstDash val="solid"/>
-                      <a:round/>
-                      <a:headEnd type="none" w="med" len="med"/>
-                      <a:tailEnd type="none" w="med" len="med"/>
-                    </a:lnL>
-                    <a:lnR w="12700" cap="flat" cmpd="sng" algn="ctr">
-                      <a:solidFill>
-                        <a:schemeClr val="tx1"/>
-                      </a:solidFill>
-                      <a:prstDash val="solid"/>
-                      <a:round/>
-                      <a:headEnd type="none" w="med" len="med"/>
-                      <a:tailEnd type="none" w="med" len="med"/>
-                    </a:lnR>
-                    <a:lnT w="12700" cap="flat" cmpd="sng" algn="ctr">
-                      <a:solidFill>
-                        <a:schemeClr val="tx1"/>
-                      </a:solidFill>
-                      <a:prstDash val="solid"/>
-                      <a:round/>
-                      <a:headEnd type="none" w="med" len="med"/>
-                      <a:tailEnd type="none" w="med" len="med"/>
-                    </a:lnT>
-                    <a:lnB w="12700" cap="flat" cmpd="sng" algn="ctr">
-                      <a:solidFill>
-                        <a:schemeClr val="tx1"/>
-                      </a:solidFill>
-                      <a:prstDash val="solid"/>
-                      <a:round/>
-                      <a:headEnd type="none" w="med" len="med"/>
-                      <a:tailEnd type="none" w="med" len="med"/>
-                    </a:lnB>
-                    <a:solidFill>
-                      <a:schemeClr val="accent4">
-                        <a:lumMod val="20000"/>
-                        <a:lumOff val="80000"/>
-                      </a:schemeClr>
-                    </a:solidFill>
-                  </a:tcPr>
-                </a:tc>
-                <a:tc>
-                  <a:txBody>
-                    <a:bodyPr/>
-                    <a:lstStyle/>
-                    <a:p>
-                      <a:pPr algn="ctr"/>
-                      <a:endParaRPr lang="pt-BR" sz="1200" dirty="0">
-                        <a:latin typeface="Arial" panose="020B0604020202020204" pitchFamily="34" charset="0"/>
-                        <a:cs typeface="Arial" panose="020B0604020202020204" pitchFamily="34" charset="0"/>
-                      </a:endParaRPr>
-                    </a:p>
-                  </a:txBody>
-                  <a:tcPr>
-                    <a:lnL w="12700" cap="flat" cmpd="sng" algn="ctr">
-                      <a:solidFill>
-                        <a:schemeClr val="tx1"/>
-                      </a:solidFill>
-                      <a:prstDash val="solid"/>
-                      <a:round/>
-                      <a:headEnd type="none" w="med" len="med"/>
-                      <a:tailEnd type="none" w="med" len="med"/>
-                    </a:lnL>
-                    <a:lnR w="12700" cap="flat" cmpd="sng" algn="ctr">
-                      <a:solidFill>
-                        <a:schemeClr val="tx1"/>
-                      </a:solidFill>
-                      <a:prstDash val="solid"/>
-                      <a:round/>
-                      <a:headEnd type="none" w="med" len="med"/>
-                      <a:tailEnd type="none" w="med" len="med"/>
-                    </a:lnR>
-                    <a:lnT w="12700" cap="flat" cmpd="sng" algn="ctr">
-                      <a:solidFill>
-                        <a:schemeClr val="tx1"/>
-                      </a:solidFill>
-                      <a:prstDash val="solid"/>
-                      <a:round/>
-                      <a:headEnd type="none" w="med" len="med"/>
-                      <a:tailEnd type="none" w="med" len="med"/>
-                    </a:lnT>
-                    <a:lnB w="12700" cap="flat" cmpd="sng" algn="ctr">
-                      <a:solidFill>
-                        <a:schemeClr val="tx1"/>
-                      </a:solidFill>
-                      <a:prstDash val="solid"/>
-                      <a:round/>
-                      <a:headEnd type="none" w="med" len="med"/>
-                      <a:tailEnd type="none" w="med" len="med"/>
-                    </a:lnB>
-                    <a:solidFill>
-                      <a:schemeClr val="accent4">
-                        <a:lumMod val="20000"/>
-                        <a:lumOff val="80000"/>
-                      </a:schemeClr>
-                    </a:solidFill>
-                  </a:tcPr>
-                </a:tc>
-                <a:tc>
-                  <a:txBody>
-                    <a:bodyPr/>
-                    <a:lstStyle/>
-                    <a:p>
-                      <a:endParaRPr lang="pt-BR" sz="1200" dirty="0">
-                        <a:latin typeface="Arial" panose="020B0604020202020204" pitchFamily="34" charset="0"/>
-                        <a:cs typeface="Arial" panose="020B0604020202020204" pitchFamily="34" charset="0"/>
-                      </a:endParaRPr>
-                    </a:p>
-                  </a:txBody>
-                  <a:tcPr>
-                    <a:lnL w="12700" cap="flat" cmpd="sng" algn="ctr">
-                      <a:solidFill>
-                        <a:schemeClr val="tx1"/>
-                      </a:solidFill>
-                      <a:prstDash val="solid"/>
-                      <a:round/>
-                      <a:headEnd type="none" w="med" len="med"/>
-                      <a:tailEnd type="none" w="med" len="med"/>
-                    </a:lnL>
-                    <a:lnR w="12700" cap="flat" cmpd="sng" algn="ctr">
-                      <a:solidFill>
-                        <a:schemeClr val="tx1"/>
-                      </a:solidFill>
-                      <a:prstDash val="solid"/>
-                      <a:round/>
-                      <a:headEnd type="none" w="med" len="med"/>
-                      <a:tailEnd type="none" w="med" len="med"/>
-                    </a:lnR>
-                    <a:lnT w="12700" cap="flat" cmpd="sng" algn="ctr">
-                      <a:solidFill>
-                        <a:schemeClr val="tx1"/>
-                      </a:solidFill>
-                      <a:prstDash val="solid"/>
-                      <a:round/>
-                      <a:headEnd type="none" w="med" len="med"/>
-                      <a:tailEnd type="none" w="med" len="med"/>
-                    </a:lnT>
-                    <a:lnB w="12700" cap="flat" cmpd="sng" algn="ctr">
-                      <a:solidFill>
-                        <a:schemeClr val="tx1"/>
-                      </a:solidFill>
-                      <a:prstDash val="solid"/>
-                      <a:round/>
-                      <a:headEnd type="none" w="med" len="med"/>
-                      <a:tailEnd type="none" w="med" len="med"/>
-                    </a:lnB>
-                    <a:solidFill>
-                      <a:schemeClr val="accent2">
-                        <a:lumMod val="20000"/>
-                        <a:lumOff val="80000"/>
-                      </a:schemeClr>
-                    </a:solidFill>
-                  </a:tcPr>
-                </a:tc>
-                <a:extLst>
-                  <a:ext uri="{0D108BD9-81ED-4DB2-BD59-A6C34878D82A}">
-                    <a16:rowId xmlns="" xmlns:a16="http://schemas.microsoft.com/office/drawing/2014/main" val="2085632731"/>
-                  </a:ext>
-                </a:extLst>
-              </a:tr>
-              <a:tr h="274320">
-                <a:tc vMerge="1">
-                  <a:txBody>
-                    <a:bodyPr/>
-                    <a:lstStyle/>
-                    <a:p>
-                      <a:endParaRPr lang="pt-BR"/>
-                    </a:p>
-                  </a:txBody>
-                  <a:tcPr/>
-                </a:tc>
-                <a:tc vMerge="1">
-                  <a:txBody>
-                    <a:bodyPr/>
-                    <a:lstStyle/>
-                    <a:p>
-                      <a:pPr algn="ctr"/>
-                      <a:endParaRPr lang="pt-BR" sz="1200" dirty="0">
-                        <a:latin typeface="Arial" panose="020B0604020202020204" pitchFamily="34" charset="0"/>
-                        <a:cs typeface="Arial" panose="020B0604020202020204" pitchFamily="34" charset="0"/>
-                      </a:endParaRPr>
-                    </a:p>
-                  </a:txBody>
-                  <a:tcPr>
-                    <a:lnL w="12700" cap="flat" cmpd="sng" algn="ctr">
-                      <a:solidFill>
-                        <a:schemeClr val="tx1"/>
-                      </a:solidFill>
-                      <a:prstDash val="solid"/>
-                      <a:round/>
-                      <a:headEnd type="none" w="med" len="med"/>
-                      <a:tailEnd type="none" w="med" len="med"/>
-                    </a:lnL>
-                    <a:lnR w="12700" cap="flat" cmpd="sng" algn="ctr">
-                      <a:solidFill>
-                        <a:schemeClr val="tx1"/>
-                      </a:solidFill>
-                      <a:prstDash val="solid"/>
-                      <a:round/>
-                      <a:headEnd type="none" w="med" len="med"/>
-                      <a:tailEnd type="none" w="med" len="med"/>
-                    </a:lnR>
-                    <a:lnT w="12700" cap="flat" cmpd="sng" algn="ctr">
-                      <a:solidFill>
-                        <a:schemeClr val="tx1"/>
-                      </a:solidFill>
-                      <a:prstDash val="solid"/>
-                      <a:round/>
-                      <a:headEnd type="none" w="med" len="med"/>
-                      <a:tailEnd type="none" w="med" len="med"/>
-                    </a:lnT>
-                    <a:lnB w="12700" cap="flat" cmpd="sng" algn="ctr">
-                      <a:solidFill>
-                        <a:schemeClr val="tx1"/>
-                      </a:solidFill>
-                      <a:prstDash val="solid"/>
-                      <a:round/>
-                      <a:headEnd type="none" w="med" len="med"/>
-                      <a:tailEnd type="none" w="med" len="med"/>
-                    </a:lnB>
-                    <a:solidFill>
-                      <a:schemeClr val="accent6">
-                        <a:lumMod val="40000"/>
-                        <a:lumOff val="60000"/>
-                      </a:schemeClr>
-                    </a:solidFill>
-                  </a:tcPr>
-                </a:tc>
-                <a:tc>
-                  <a:txBody>
-                    <a:bodyPr/>
-                    <a:lstStyle/>
-                    <a:p>
-                      <a:pPr algn="ctr"/>
-                      <a:r>
-                        <a:rPr lang="pt-BR" sz="1200" dirty="0">
-                          <a:latin typeface="Arial" panose="020B0604020202020204" pitchFamily="34" charset="0"/>
-                          <a:cs typeface="Arial" panose="020B0604020202020204" pitchFamily="34" charset="0"/>
-                        </a:rPr>
-                        <a:t>7</a:t>
-                      </a:r>
-                    </a:p>
-                  </a:txBody>
-                  <a:tcPr>
-                    <a:lnL w="12700" cap="flat" cmpd="sng" algn="ctr">
-                      <a:solidFill>
-                        <a:schemeClr val="tx1"/>
-                      </a:solidFill>
-                      <a:prstDash val="solid"/>
-                      <a:round/>
-                      <a:headEnd type="none" w="med" len="med"/>
-                      <a:tailEnd type="none" w="med" len="med"/>
-                    </a:lnL>
-                    <a:lnR w="12700" cap="flat" cmpd="sng" algn="ctr">
-                      <a:solidFill>
-                        <a:schemeClr val="tx1"/>
-                      </a:solidFill>
-                      <a:prstDash val="solid"/>
-                      <a:round/>
-                      <a:headEnd type="none" w="med" len="med"/>
-                      <a:tailEnd type="none" w="med" len="med"/>
-                    </a:lnR>
-                    <a:lnT w="12700" cap="flat" cmpd="sng" algn="ctr">
-                      <a:solidFill>
-                        <a:schemeClr val="tx1"/>
-                      </a:solidFill>
-                      <a:prstDash val="solid"/>
-                      <a:round/>
-                      <a:headEnd type="none" w="med" len="med"/>
-                      <a:tailEnd type="none" w="med" len="med"/>
-                    </a:lnT>
-                    <a:lnB w="12700" cap="flat" cmpd="sng" algn="ctr">
-                      <a:solidFill>
-                        <a:schemeClr val="tx1"/>
-                      </a:solidFill>
-                      <a:prstDash val="solid"/>
-                      <a:round/>
-                      <a:headEnd type="none" w="med" len="med"/>
-                      <a:tailEnd type="none" w="med" len="med"/>
-                    </a:lnB>
-                    <a:solidFill>
-                      <a:schemeClr val="bg1"/>
-                    </a:solidFill>
-                  </a:tcPr>
-                </a:tc>
-                <a:tc>
-                  <a:txBody>
-                    <a:bodyPr/>
-                    <a:lstStyle/>
-                    <a:p>
-                      <a:pPr marL="0" marR="0" lvl="0" indent="0" algn="l" defTabSz="914400" rtl="0" eaLnBrk="1" fontAlgn="auto" latinLnBrk="0" hangingPunct="1">
-                        <a:lnSpc>
-                          <a:spcPct val="100000"/>
-                        </a:lnSpc>
-                        <a:spcBef>
-                          <a:spcPts val="0"/>
-                        </a:spcBef>
-                        <a:spcAft>
-                          <a:spcPts val="0"/>
-                        </a:spcAft>
-                        <a:buClrTx/>
-                        <a:buSzTx/>
-                        <a:buFontTx/>
-                        <a:buNone/>
-                        <a:tabLst/>
-                        <a:defRPr/>
-                      </a:pPr>
-                      <a:r>
-                        <a:rPr lang="pt-BR" sz="1200" b="0" dirty="0">
-                          <a:latin typeface="Arial" panose="020B0604020202020204" pitchFamily="34" charset="0"/>
-                          <a:cs typeface="Arial" panose="020B0604020202020204" pitchFamily="34" charset="0"/>
-                        </a:rPr>
-                        <a:t>Finalização do pedido</a:t>
-                      </a:r>
-                    </a:p>
-                  </a:txBody>
-                  <a:tcPr>
-                    <a:lnL w="12700" cap="flat" cmpd="sng" algn="ctr">
-                      <a:solidFill>
-                        <a:schemeClr val="tx1"/>
-                      </a:solidFill>
-                      <a:prstDash val="solid"/>
-                      <a:round/>
-                      <a:headEnd type="none" w="med" len="med"/>
-                      <a:tailEnd type="none" w="med" len="med"/>
-                    </a:lnL>
-                    <a:lnR w="12700" cap="flat" cmpd="sng" algn="ctr">
-                      <a:solidFill>
-                        <a:schemeClr val="tx1"/>
-                      </a:solidFill>
-                      <a:prstDash val="solid"/>
-                      <a:round/>
-                      <a:headEnd type="none" w="med" len="med"/>
-                      <a:tailEnd type="none" w="med" len="med"/>
-                    </a:lnR>
-                    <a:lnT w="12700" cap="flat" cmpd="sng" algn="ctr">
-                      <a:solidFill>
-                        <a:schemeClr val="tx1"/>
-                      </a:solidFill>
-                      <a:prstDash val="solid"/>
-                      <a:round/>
-                      <a:headEnd type="none" w="med" len="med"/>
-                      <a:tailEnd type="none" w="med" len="med"/>
-                    </a:lnT>
-                    <a:lnB w="12700" cap="flat" cmpd="sng" algn="ctr">
-                      <a:solidFill>
-                        <a:schemeClr val="tx1"/>
-                      </a:solidFill>
-                      <a:prstDash val="solid"/>
-                      <a:round/>
-                      <a:headEnd type="none" w="med" len="med"/>
-                      <a:tailEnd type="none" w="med" len="med"/>
-                    </a:lnB>
-                    <a:solidFill>
-                      <a:schemeClr val="bg1"/>
-                    </a:solidFill>
-                  </a:tcPr>
-                </a:tc>
-                <a:tc>
-                  <a:txBody>
-                    <a:bodyPr/>
-                    <a:lstStyle/>
-                    <a:p>
-                      <a:pPr algn="ctr"/>
-                      <a:endParaRPr lang="pt-BR" sz="1200" dirty="0">
-                        <a:latin typeface="Arial" panose="020B0604020202020204" pitchFamily="34" charset="0"/>
-                        <a:cs typeface="Arial" panose="020B0604020202020204" pitchFamily="34" charset="0"/>
-                      </a:endParaRPr>
-                    </a:p>
-                  </a:txBody>
-                  <a:tcPr>
-                    <a:lnL w="12700" cap="flat" cmpd="sng" algn="ctr">
-                      <a:solidFill>
-                        <a:schemeClr val="tx1"/>
-                      </a:solidFill>
-                      <a:prstDash val="solid"/>
-                      <a:round/>
-                      <a:headEnd type="none" w="med" len="med"/>
-                      <a:tailEnd type="none" w="med" len="med"/>
-                    </a:lnL>
-                    <a:lnR w="12700" cap="flat" cmpd="sng" algn="ctr">
-                      <a:solidFill>
-                        <a:schemeClr val="tx1"/>
-                      </a:solidFill>
-                      <a:prstDash val="solid"/>
-                      <a:round/>
-                      <a:headEnd type="none" w="med" len="med"/>
-                      <a:tailEnd type="none" w="med" len="med"/>
-                    </a:lnR>
-                    <a:lnT w="12700" cap="flat" cmpd="sng" algn="ctr">
-                      <a:solidFill>
-                        <a:schemeClr val="tx1"/>
-                      </a:solidFill>
-                      <a:prstDash val="solid"/>
-                      <a:round/>
-                      <a:headEnd type="none" w="med" len="med"/>
-                      <a:tailEnd type="none" w="med" len="med"/>
-                    </a:lnT>
-                    <a:lnB w="12700" cap="flat" cmpd="sng" algn="ctr">
-                      <a:solidFill>
-                        <a:schemeClr val="tx1"/>
-                      </a:solidFill>
-                      <a:prstDash val="solid"/>
-                      <a:round/>
-                      <a:headEnd type="none" w="med" len="med"/>
-                      <a:tailEnd type="none" w="med" len="med"/>
-                    </a:lnB>
-                    <a:solidFill>
-                      <a:schemeClr val="accent1">
-                        <a:lumMod val="20000"/>
-                        <a:lumOff val="80000"/>
-                      </a:schemeClr>
-                    </a:solidFill>
-                  </a:tcPr>
-                </a:tc>
-                <a:tc>
-                  <a:txBody>
-                    <a:bodyPr/>
-                    <a:lstStyle/>
-                    <a:p>
-                      <a:pPr algn="ctr"/>
-                      <a:endParaRPr lang="pt-BR" sz="1200" dirty="0">
-                        <a:latin typeface="Arial" panose="020B0604020202020204" pitchFamily="34" charset="0"/>
-                        <a:cs typeface="Arial" panose="020B0604020202020204" pitchFamily="34" charset="0"/>
-                      </a:endParaRPr>
-                    </a:p>
-                  </a:txBody>
-                  <a:tcPr>
-                    <a:lnL w="12700" cap="flat" cmpd="sng" algn="ctr">
-                      <a:solidFill>
-                        <a:schemeClr val="tx1"/>
-                      </a:solidFill>
-                      <a:prstDash val="solid"/>
-                      <a:round/>
-                      <a:headEnd type="none" w="med" len="med"/>
-                      <a:tailEnd type="none" w="med" len="med"/>
-                    </a:lnL>
-                    <a:lnR w="12700" cap="flat" cmpd="sng" algn="ctr">
-                      <a:solidFill>
-                        <a:schemeClr val="tx1"/>
-                      </a:solidFill>
-                      <a:prstDash val="solid"/>
-                      <a:round/>
-                      <a:headEnd type="none" w="med" len="med"/>
-                      <a:tailEnd type="none" w="med" len="med"/>
-                    </a:lnR>
-                    <a:lnT w="12700" cap="flat" cmpd="sng" algn="ctr">
-                      <a:solidFill>
-                        <a:schemeClr val="tx1"/>
-                      </a:solidFill>
-                      <a:prstDash val="solid"/>
-                      <a:round/>
-                      <a:headEnd type="none" w="med" len="med"/>
-                      <a:tailEnd type="none" w="med" len="med"/>
-                    </a:lnT>
-                    <a:lnB w="12700" cap="flat" cmpd="sng" algn="ctr">
-                      <a:solidFill>
-                        <a:schemeClr val="tx1"/>
-                      </a:solidFill>
-                      <a:prstDash val="solid"/>
-                      <a:round/>
-                      <a:headEnd type="none" w="med" len="med"/>
-                      <a:tailEnd type="none" w="med" len="med"/>
-                    </a:lnB>
-                    <a:solidFill>
-                      <a:schemeClr val="accent1">
-                        <a:lumMod val="20000"/>
-                        <a:lumOff val="80000"/>
-                      </a:schemeClr>
-                    </a:solidFill>
-                  </a:tcPr>
-                </a:tc>
-                <a:tc>
-                  <a:txBody>
-                    <a:bodyPr/>
-                    <a:lstStyle/>
-                    <a:p>
-                      <a:pPr algn="ctr"/>
-                      <a:r>
-                        <a:rPr lang="pt-BR" sz="1200" dirty="0">
-                          <a:latin typeface="Arial" panose="020B0604020202020204" pitchFamily="34" charset="0"/>
-                          <a:cs typeface="Arial" panose="020B0604020202020204" pitchFamily="34" charset="0"/>
-                        </a:rPr>
-                        <a:t>X(6)</a:t>
-                      </a:r>
-                    </a:p>
-                  </a:txBody>
-                  <a:tcPr>
-                    <a:lnL w="12700" cap="flat" cmpd="sng" algn="ctr">
-                      <a:solidFill>
-                        <a:schemeClr val="tx1"/>
-                      </a:solidFill>
-                      <a:prstDash val="solid"/>
-                      <a:round/>
-                      <a:headEnd type="none" w="med" len="med"/>
-                      <a:tailEnd type="none" w="med" len="med"/>
-                    </a:lnL>
-                    <a:lnR w="12700" cap="flat" cmpd="sng" algn="ctr">
-                      <a:solidFill>
-                        <a:schemeClr val="tx1"/>
-                      </a:solidFill>
-                      <a:prstDash val="solid"/>
-                      <a:round/>
-                      <a:headEnd type="none" w="med" len="med"/>
-                      <a:tailEnd type="none" w="med" len="med"/>
-                    </a:lnR>
-                    <a:lnT w="12700" cap="flat" cmpd="sng" algn="ctr">
-                      <a:solidFill>
-                        <a:schemeClr val="tx1"/>
-                      </a:solidFill>
-                      <a:prstDash val="solid"/>
-                      <a:round/>
-                      <a:headEnd type="none" w="med" len="med"/>
-                      <a:tailEnd type="none" w="med" len="med"/>
-                    </a:lnT>
-                    <a:lnB w="12700" cap="flat" cmpd="sng" algn="ctr">
-                      <a:solidFill>
-                        <a:schemeClr val="tx1"/>
-                      </a:solidFill>
-                      <a:prstDash val="solid"/>
-                      <a:round/>
-                      <a:headEnd type="none" w="med" len="med"/>
-                      <a:tailEnd type="none" w="med" len="med"/>
-                    </a:lnB>
-                    <a:solidFill>
-                      <a:schemeClr val="accent4">
-                        <a:lumMod val="20000"/>
-                        <a:lumOff val="80000"/>
-                      </a:schemeClr>
-                    </a:solidFill>
-                  </a:tcPr>
-                </a:tc>
-                <a:tc>
-                  <a:txBody>
-                    <a:bodyPr/>
-                    <a:lstStyle/>
-                    <a:p>
-                      <a:pPr algn="ctr"/>
-                      <a:endParaRPr lang="pt-BR" sz="1200" dirty="0">
-                        <a:latin typeface="Arial" panose="020B0604020202020204" pitchFamily="34" charset="0"/>
-                        <a:cs typeface="Arial" panose="020B0604020202020204" pitchFamily="34" charset="0"/>
-                      </a:endParaRPr>
-                    </a:p>
-                  </a:txBody>
-                  <a:tcPr>
-                    <a:lnL w="12700" cap="flat" cmpd="sng" algn="ctr">
-                      <a:solidFill>
-                        <a:schemeClr val="tx1"/>
-                      </a:solidFill>
-                      <a:prstDash val="solid"/>
-                      <a:round/>
-                      <a:headEnd type="none" w="med" len="med"/>
-                      <a:tailEnd type="none" w="med" len="med"/>
-                    </a:lnL>
-                    <a:lnR w="12700" cap="flat" cmpd="sng" algn="ctr">
-                      <a:solidFill>
-                        <a:schemeClr val="tx1"/>
-                      </a:solidFill>
-                      <a:prstDash val="solid"/>
-                      <a:round/>
-                      <a:headEnd type="none" w="med" len="med"/>
-                      <a:tailEnd type="none" w="med" len="med"/>
-                    </a:lnR>
-                    <a:lnT w="12700" cap="flat" cmpd="sng" algn="ctr">
-                      <a:solidFill>
-                        <a:schemeClr val="tx1"/>
-                      </a:solidFill>
-                      <a:prstDash val="solid"/>
-                      <a:round/>
-                      <a:headEnd type="none" w="med" len="med"/>
-                      <a:tailEnd type="none" w="med" len="med"/>
-                    </a:lnT>
-                    <a:lnB w="12700" cap="flat" cmpd="sng" algn="ctr">
-                      <a:solidFill>
-                        <a:schemeClr val="tx1"/>
-                      </a:solidFill>
-                      <a:prstDash val="solid"/>
-                      <a:round/>
-                      <a:headEnd type="none" w="med" len="med"/>
-                      <a:tailEnd type="none" w="med" len="med"/>
-                    </a:lnB>
-                    <a:solidFill>
-                      <a:schemeClr val="accent4">
-                        <a:lumMod val="20000"/>
-                        <a:lumOff val="80000"/>
-                      </a:schemeClr>
-                    </a:solidFill>
-                  </a:tcPr>
-                </a:tc>
-                <a:tc>
-                  <a:txBody>
-                    <a:bodyPr/>
-                    <a:lstStyle/>
-                    <a:p>
-                      <a:pPr algn="ctr"/>
-                      <a:endParaRPr lang="pt-BR" sz="1200" dirty="0">
-                        <a:latin typeface="Arial" panose="020B0604020202020204" pitchFamily="34" charset="0"/>
-                        <a:cs typeface="Arial" panose="020B0604020202020204" pitchFamily="34" charset="0"/>
-                      </a:endParaRPr>
-                    </a:p>
-                  </a:txBody>
-                  <a:tcPr>
-                    <a:lnL w="12700" cap="flat" cmpd="sng" algn="ctr">
-                      <a:solidFill>
-                        <a:schemeClr val="tx1"/>
-                      </a:solidFill>
-                      <a:prstDash val="solid"/>
-                      <a:round/>
-                      <a:headEnd type="none" w="med" len="med"/>
-                      <a:tailEnd type="none" w="med" len="med"/>
-                    </a:lnL>
-                    <a:lnR w="12700" cap="flat" cmpd="sng" algn="ctr">
-                      <a:solidFill>
-                        <a:schemeClr val="tx1"/>
-                      </a:solidFill>
-                      <a:prstDash val="solid"/>
-                      <a:round/>
-                      <a:headEnd type="none" w="med" len="med"/>
-                      <a:tailEnd type="none" w="med" len="med"/>
-                    </a:lnR>
-                    <a:lnT w="12700" cap="flat" cmpd="sng" algn="ctr">
-                      <a:solidFill>
-                        <a:schemeClr val="tx1"/>
-                      </a:solidFill>
-                      <a:prstDash val="solid"/>
-                      <a:round/>
-                      <a:headEnd type="none" w="med" len="med"/>
-                      <a:tailEnd type="none" w="med" len="med"/>
-                    </a:lnT>
-                    <a:lnB w="12700" cap="flat" cmpd="sng" algn="ctr">
-                      <a:solidFill>
-                        <a:schemeClr val="tx1"/>
-                      </a:solidFill>
-                      <a:prstDash val="solid"/>
-                      <a:round/>
-                      <a:headEnd type="none" w="med" len="med"/>
-                      <a:tailEnd type="none" w="med" len="med"/>
-                    </a:lnB>
-                    <a:solidFill>
-                      <a:schemeClr val="accent4">
-                        <a:lumMod val="20000"/>
-                        <a:lumOff val="80000"/>
-                      </a:schemeClr>
-                    </a:solidFill>
-                  </a:tcPr>
-                </a:tc>
-                <a:tc>
-                  <a:txBody>
-                    <a:bodyPr/>
-                    <a:lstStyle/>
-                    <a:p>
-                      <a:endParaRPr lang="pt-BR" sz="1200" dirty="0">
-                        <a:latin typeface="Arial" panose="020B0604020202020204" pitchFamily="34" charset="0"/>
-                        <a:cs typeface="Arial" panose="020B0604020202020204" pitchFamily="34" charset="0"/>
-                      </a:endParaRPr>
-                    </a:p>
-                  </a:txBody>
-                  <a:tcPr>
-                    <a:lnL w="12700" cap="flat" cmpd="sng" algn="ctr">
-                      <a:solidFill>
-                        <a:schemeClr val="tx1"/>
-                      </a:solidFill>
-                      <a:prstDash val="solid"/>
-                      <a:round/>
-                      <a:headEnd type="none" w="med" len="med"/>
-                      <a:tailEnd type="none" w="med" len="med"/>
-                    </a:lnL>
-                    <a:lnR w="12700" cap="flat" cmpd="sng" algn="ctr">
-                      <a:solidFill>
-                        <a:schemeClr val="tx1"/>
-                      </a:solidFill>
-                      <a:prstDash val="solid"/>
-                      <a:round/>
-                      <a:headEnd type="none" w="med" len="med"/>
-                      <a:tailEnd type="none" w="med" len="med"/>
-                    </a:lnR>
-                    <a:lnT w="12700" cap="flat" cmpd="sng" algn="ctr">
-                      <a:solidFill>
-                        <a:schemeClr val="tx1"/>
-                      </a:solidFill>
-                      <a:prstDash val="solid"/>
-                      <a:round/>
-                      <a:headEnd type="none" w="med" len="med"/>
-                      <a:tailEnd type="none" w="med" len="med"/>
-                    </a:lnT>
-                    <a:lnB w="12700" cap="flat" cmpd="sng" algn="ctr">
-                      <a:solidFill>
-                        <a:schemeClr val="tx1"/>
-                      </a:solidFill>
-                      <a:prstDash val="solid"/>
-                      <a:round/>
-                      <a:headEnd type="none" w="med" len="med"/>
-                      <a:tailEnd type="none" w="med" len="med"/>
-                    </a:lnB>
-                    <a:solidFill>
-                      <a:schemeClr val="accent2">
-                        <a:lumMod val="20000"/>
-                        <a:lumOff val="80000"/>
-                      </a:schemeClr>
-                    </a:solidFill>
-                  </a:tcPr>
-                </a:tc>
-                <a:extLst>
-                  <a:ext uri="{0D108BD9-81ED-4DB2-BD59-A6C34878D82A}">
-                    <a16:rowId xmlns="" xmlns:a16="http://schemas.microsoft.com/office/drawing/2014/main" val="1186641523"/>
-                  </a:ext>
-                </a:extLst>
-              </a:tr>
-              <a:tr h="139700">
-                <a:tc vMerge="1">
-                  <a:txBody>
-                    <a:bodyPr/>
-                    <a:lstStyle/>
-                    <a:p>
-                      <a:endParaRPr lang="pt-BR"/>
-                    </a:p>
-                  </a:txBody>
-                  <a:tcPr>
-                    <a:lnT w="12700" cap="flat" cmpd="sng" algn="ctr">
-                      <a:solidFill>
-                        <a:schemeClr val="tx1"/>
-                      </a:solidFill>
-                      <a:prstDash val="solid"/>
-                      <a:round/>
-                      <a:headEnd type="none" w="med" len="med"/>
-                      <a:tailEnd type="none" w="med" len="med"/>
-                    </a:lnT>
-                  </a:tcPr>
-                </a:tc>
-                <a:tc rowSpan="3">
-                  <a:txBody>
-                    <a:bodyPr/>
-                    <a:lstStyle/>
-                    <a:p>
-                      <a:r>
-                        <a:rPr lang="pt-BR" sz="1200" dirty="0">
-                          <a:latin typeface="Arial" panose="020B0604020202020204" pitchFamily="34" charset="0"/>
-                          <a:cs typeface="Arial" panose="020B0604020202020204" pitchFamily="34" charset="0"/>
-                        </a:rPr>
-                        <a:t>FA</a:t>
-                      </a:r>
-                    </a:p>
-                  </a:txBody>
-                  <a:tcPr>
-                    <a:lnL w="12700" cap="flat" cmpd="sng" algn="ctr">
-                      <a:solidFill>
-                        <a:schemeClr val="tx1"/>
-                      </a:solidFill>
-                      <a:prstDash val="solid"/>
-                      <a:round/>
-                      <a:headEnd type="none" w="med" len="med"/>
-                      <a:tailEnd type="none" w="med" len="med"/>
-                    </a:lnL>
-                    <a:lnR w="12700" cap="flat" cmpd="sng" algn="ctr">
-                      <a:solidFill>
-                        <a:schemeClr val="tx1"/>
-                      </a:solidFill>
-                      <a:prstDash val="solid"/>
-                      <a:round/>
-                      <a:headEnd type="none" w="med" len="med"/>
-                      <a:tailEnd type="none" w="med" len="med"/>
-                    </a:lnR>
-                    <a:lnT w="12700" cap="flat" cmpd="sng" algn="ctr">
-                      <a:solidFill>
-                        <a:schemeClr val="tx1"/>
-                      </a:solidFill>
-                      <a:prstDash val="solid"/>
-                      <a:round/>
-                      <a:headEnd type="none" w="med" len="med"/>
-                      <a:tailEnd type="none" w="med" len="med"/>
-                    </a:lnT>
-                    <a:lnB w="12700" cap="flat" cmpd="sng" algn="ctr">
-                      <a:solidFill>
-                        <a:schemeClr val="tx1"/>
-                      </a:solidFill>
-                      <a:prstDash val="solid"/>
-                      <a:round/>
-                      <a:headEnd type="none" w="med" len="med"/>
-                      <a:tailEnd type="none" w="med" len="med"/>
-                    </a:lnB>
-                    <a:solidFill>
-                      <a:schemeClr val="accent6">
-                        <a:lumMod val="40000"/>
-                        <a:lumOff val="60000"/>
-                      </a:schemeClr>
-                    </a:solidFill>
-                  </a:tcPr>
-                </a:tc>
-                <a:tc>
-                  <a:txBody>
-                    <a:bodyPr/>
-                    <a:lstStyle/>
-                    <a:p>
-                      <a:pPr algn="ctr"/>
-                      <a:r>
-                        <a:rPr lang="pt-BR" sz="1200" dirty="0">
-                          <a:latin typeface="Arial" panose="020B0604020202020204" pitchFamily="34" charset="0"/>
-                          <a:cs typeface="Arial" panose="020B0604020202020204" pitchFamily="34" charset="0"/>
-                        </a:rPr>
-                        <a:t>8</a:t>
-                      </a:r>
-                    </a:p>
-                  </a:txBody>
-                  <a:tcPr>
-                    <a:lnL w="12700" cap="flat" cmpd="sng" algn="ctr">
-                      <a:solidFill>
-                        <a:schemeClr val="tx1"/>
-                      </a:solidFill>
-                      <a:prstDash val="solid"/>
-                      <a:round/>
-                      <a:headEnd type="none" w="med" len="med"/>
-                      <a:tailEnd type="none" w="med" len="med"/>
-                    </a:lnL>
-                    <a:lnR w="12700" cap="flat" cmpd="sng" algn="ctr">
-                      <a:solidFill>
-                        <a:schemeClr val="tx1"/>
-                      </a:solidFill>
-                      <a:prstDash val="solid"/>
-                      <a:round/>
-                      <a:headEnd type="none" w="med" len="med"/>
-                      <a:tailEnd type="none" w="med" len="med"/>
-                    </a:lnR>
-                    <a:lnT w="12700" cap="flat" cmpd="sng" algn="ctr">
-                      <a:solidFill>
-                        <a:schemeClr val="tx1"/>
-                      </a:solidFill>
-                      <a:prstDash val="solid"/>
-                      <a:round/>
-                      <a:headEnd type="none" w="med" len="med"/>
-                      <a:tailEnd type="none" w="med" len="med"/>
-                    </a:lnT>
-                    <a:lnB w="12700" cap="flat" cmpd="sng" algn="ctr">
-                      <a:solidFill>
-                        <a:schemeClr val="tx1"/>
-                      </a:solidFill>
-                      <a:prstDash val="solid"/>
-                      <a:round/>
-                      <a:headEnd type="none" w="med" len="med"/>
-                      <a:tailEnd type="none" w="med" len="med"/>
-                    </a:lnB>
-                    <a:solidFill>
-                      <a:schemeClr val="bg1"/>
-                    </a:solidFill>
-                  </a:tcPr>
-                </a:tc>
-                <a:tc>
-                  <a:txBody>
-                    <a:bodyPr/>
-                    <a:lstStyle/>
-                    <a:p>
-                      <a:pPr marL="0" marR="0" lvl="0" indent="0" algn="l" defTabSz="914400" rtl="0" eaLnBrk="1" fontAlgn="auto" latinLnBrk="0" hangingPunct="1">
-                        <a:lnSpc>
-                          <a:spcPct val="100000"/>
-                        </a:lnSpc>
-                        <a:spcBef>
-                          <a:spcPts val="0"/>
-                        </a:spcBef>
-                        <a:spcAft>
-                          <a:spcPts val="0"/>
-                        </a:spcAft>
-                        <a:buClrTx/>
-                        <a:buSzTx/>
-                        <a:buFontTx/>
-                        <a:buNone/>
-                        <a:tabLst/>
-                        <a:defRPr/>
-                      </a:pPr>
-                      <a:r>
-                        <a:rPr lang="pt-BR" sz="1200" b="0" dirty="0">
-                          <a:latin typeface="Arial" panose="020B0604020202020204" pitchFamily="34" charset="0"/>
-                          <a:cs typeface="Arial" panose="020B0604020202020204" pitchFamily="34" charset="0"/>
-                        </a:rPr>
-                        <a:t>Cliente cancela pedido</a:t>
-                      </a:r>
-                    </a:p>
-                  </a:txBody>
-                  <a:tcPr>
-                    <a:lnL w="12700" cap="flat" cmpd="sng" algn="ctr">
-                      <a:solidFill>
-                        <a:schemeClr val="tx1"/>
-                      </a:solidFill>
-                      <a:prstDash val="solid"/>
-                      <a:round/>
-                      <a:headEnd type="none" w="med" len="med"/>
-                      <a:tailEnd type="none" w="med" len="med"/>
-                    </a:lnL>
-                    <a:lnR w="12700" cap="flat" cmpd="sng" algn="ctr">
-                      <a:solidFill>
-                        <a:schemeClr val="tx1"/>
-                      </a:solidFill>
-                      <a:prstDash val="solid"/>
-                      <a:round/>
-                      <a:headEnd type="none" w="med" len="med"/>
-                      <a:tailEnd type="none" w="med" len="med"/>
-                    </a:lnR>
-                    <a:lnT w="12700" cap="flat" cmpd="sng" algn="ctr">
-                      <a:solidFill>
-                        <a:schemeClr val="tx1"/>
-                      </a:solidFill>
-                      <a:prstDash val="solid"/>
-                      <a:round/>
-                      <a:headEnd type="none" w="med" len="med"/>
-                      <a:tailEnd type="none" w="med" len="med"/>
-                    </a:lnT>
-                    <a:lnB w="12700" cap="flat" cmpd="sng" algn="ctr">
-                      <a:solidFill>
-                        <a:schemeClr val="tx1"/>
-                      </a:solidFill>
-                      <a:prstDash val="solid"/>
-                      <a:round/>
-                      <a:headEnd type="none" w="med" len="med"/>
-                      <a:tailEnd type="none" w="med" len="med"/>
-                    </a:lnB>
-                    <a:solidFill>
-                      <a:schemeClr val="bg1"/>
-                    </a:solidFill>
-                  </a:tcPr>
-                </a:tc>
-                <a:tc>
-                  <a:txBody>
-                    <a:bodyPr/>
-                    <a:lstStyle/>
-                    <a:p>
-                      <a:pPr algn="ctr"/>
-                      <a:r>
-                        <a:rPr lang="pt-BR" sz="1200" dirty="0">
-                          <a:latin typeface="Arial" panose="020B0604020202020204" pitchFamily="34" charset="0"/>
-                          <a:cs typeface="Arial" panose="020B0604020202020204" pitchFamily="34" charset="0"/>
-                        </a:rPr>
-                        <a:t>X(3)</a:t>
-                      </a:r>
-                    </a:p>
-                  </a:txBody>
-                  <a:tcPr>
-                    <a:lnL w="12700" cap="flat" cmpd="sng" algn="ctr">
-                      <a:solidFill>
-                        <a:schemeClr val="tx1"/>
-                      </a:solidFill>
-                      <a:prstDash val="solid"/>
-                      <a:round/>
-                      <a:headEnd type="none" w="med" len="med"/>
-                      <a:tailEnd type="none" w="med" len="med"/>
-                    </a:lnL>
-                    <a:lnR w="12700" cap="flat" cmpd="sng" algn="ctr">
-                      <a:solidFill>
-                        <a:schemeClr val="tx1"/>
-                      </a:solidFill>
-                      <a:prstDash val="solid"/>
-                      <a:round/>
-                      <a:headEnd type="none" w="med" len="med"/>
-                      <a:tailEnd type="none" w="med" len="med"/>
-                    </a:lnR>
-                    <a:lnT w="12700" cap="flat" cmpd="sng" algn="ctr">
-                      <a:solidFill>
-                        <a:schemeClr val="tx1"/>
-                      </a:solidFill>
-                      <a:prstDash val="solid"/>
-                      <a:round/>
-                      <a:headEnd type="none" w="med" len="med"/>
-                      <a:tailEnd type="none" w="med" len="med"/>
-                    </a:lnT>
-                    <a:lnB w="12700" cap="flat" cmpd="sng" algn="ctr">
-                      <a:solidFill>
-                        <a:schemeClr val="tx1"/>
-                      </a:solidFill>
-                      <a:prstDash val="solid"/>
-                      <a:round/>
-                      <a:headEnd type="none" w="med" len="med"/>
-                      <a:tailEnd type="none" w="med" len="med"/>
-                    </a:lnB>
-                    <a:solidFill>
-                      <a:schemeClr val="accent1">
-                        <a:lumMod val="20000"/>
-                        <a:lumOff val="80000"/>
-                      </a:schemeClr>
-                    </a:solidFill>
-                  </a:tcPr>
-                </a:tc>
-                <a:tc>
-                  <a:txBody>
-                    <a:bodyPr/>
-                    <a:lstStyle/>
-                    <a:p>
-                      <a:pPr algn="ctr"/>
-                      <a:endParaRPr lang="pt-BR" sz="1200" dirty="0">
-                        <a:latin typeface="Arial" panose="020B0604020202020204" pitchFamily="34" charset="0"/>
-                        <a:cs typeface="Arial" panose="020B0604020202020204" pitchFamily="34" charset="0"/>
-                      </a:endParaRPr>
-                    </a:p>
-                  </a:txBody>
-                  <a:tcPr>
-                    <a:lnL w="12700" cap="flat" cmpd="sng" algn="ctr">
-                      <a:solidFill>
-                        <a:schemeClr val="tx1"/>
-                      </a:solidFill>
-                      <a:prstDash val="solid"/>
-                      <a:round/>
-                      <a:headEnd type="none" w="med" len="med"/>
-                      <a:tailEnd type="none" w="med" len="med"/>
-                    </a:lnL>
-                    <a:lnR w="12700" cap="flat" cmpd="sng" algn="ctr">
-                      <a:solidFill>
-                        <a:schemeClr val="tx1"/>
-                      </a:solidFill>
-                      <a:prstDash val="solid"/>
-                      <a:round/>
-                      <a:headEnd type="none" w="med" len="med"/>
-                      <a:tailEnd type="none" w="med" len="med"/>
-                    </a:lnR>
-                    <a:lnT w="12700" cap="flat" cmpd="sng" algn="ctr">
-                      <a:solidFill>
-                        <a:schemeClr val="tx1"/>
-                      </a:solidFill>
-                      <a:prstDash val="solid"/>
-                      <a:round/>
-                      <a:headEnd type="none" w="med" len="med"/>
-                      <a:tailEnd type="none" w="med" len="med"/>
-                    </a:lnT>
-                    <a:lnB w="12700" cap="flat" cmpd="sng" algn="ctr">
-                      <a:solidFill>
-                        <a:schemeClr val="tx1"/>
-                      </a:solidFill>
-                      <a:prstDash val="solid"/>
-                      <a:round/>
-                      <a:headEnd type="none" w="med" len="med"/>
-                      <a:tailEnd type="none" w="med" len="med"/>
-                    </a:lnB>
-                    <a:solidFill>
-                      <a:schemeClr val="accent1">
-                        <a:lumMod val="20000"/>
-                        <a:lumOff val="80000"/>
-                      </a:schemeClr>
-                    </a:solidFill>
-                  </a:tcPr>
-                </a:tc>
-                <a:tc>
-                  <a:txBody>
-                    <a:bodyPr/>
-                    <a:lstStyle/>
-                    <a:p>
-                      <a:pPr algn="ctr"/>
-                      <a:endParaRPr lang="pt-BR" sz="1200" dirty="0">
-                        <a:latin typeface="Arial" panose="020B0604020202020204" pitchFamily="34" charset="0"/>
-                        <a:cs typeface="Arial" panose="020B0604020202020204" pitchFamily="34" charset="0"/>
-                      </a:endParaRPr>
-                    </a:p>
-                  </a:txBody>
-                  <a:tcPr>
-                    <a:lnL w="12700" cap="flat" cmpd="sng" algn="ctr">
-                      <a:solidFill>
-                        <a:schemeClr val="tx1"/>
-                      </a:solidFill>
-                      <a:prstDash val="solid"/>
-                      <a:round/>
-                      <a:headEnd type="none" w="med" len="med"/>
-                      <a:tailEnd type="none" w="med" len="med"/>
-                    </a:lnL>
-                    <a:lnR w="12700" cap="flat" cmpd="sng" algn="ctr">
-                      <a:solidFill>
-                        <a:schemeClr val="tx1"/>
-                      </a:solidFill>
-                      <a:prstDash val="solid"/>
-                      <a:round/>
-                      <a:headEnd type="none" w="med" len="med"/>
-                      <a:tailEnd type="none" w="med" len="med"/>
-                    </a:lnR>
-                    <a:lnT w="12700" cap="flat" cmpd="sng" algn="ctr">
-                      <a:solidFill>
-                        <a:schemeClr val="tx1"/>
-                      </a:solidFill>
-                      <a:prstDash val="solid"/>
-                      <a:round/>
-                      <a:headEnd type="none" w="med" len="med"/>
-                      <a:tailEnd type="none" w="med" len="med"/>
-                    </a:lnT>
-                    <a:lnB w="12700" cap="flat" cmpd="sng" algn="ctr">
-                      <a:solidFill>
-                        <a:schemeClr val="tx1"/>
-                      </a:solidFill>
-                      <a:prstDash val="solid"/>
-                      <a:round/>
-                      <a:headEnd type="none" w="med" len="med"/>
-                      <a:tailEnd type="none" w="med" len="med"/>
-                    </a:lnB>
-                    <a:solidFill>
-                      <a:schemeClr val="accent4">
-                        <a:lumMod val="20000"/>
-                        <a:lumOff val="80000"/>
-                      </a:schemeClr>
-                    </a:solidFill>
-                  </a:tcPr>
-                </a:tc>
-                <a:tc>
-                  <a:txBody>
-                    <a:bodyPr/>
-                    <a:lstStyle/>
-                    <a:p>
-                      <a:pPr algn="ctr"/>
-                      <a:endParaRPr lang="pt-BR" sz="1200" dirty="0">
-                        <a:latin typeface="Arial" panose="020B0604020202020204" pitchFamily="34" charset="0"/>
-                        <a:cs typeface="Arial" panose="020B0604020202020204" pitchFamily="34" charset="0"/>
-                      </a:endParaRPr>
-                    </a:p>
-                  </a:txBody>
-                  <a:tcPr>
-                    <a:lnL w="12700" cap="flat" cmpd="sng" algn="ctr">
-                      <a:solidFill>
-                        <a:schemeClr val="tx1"/>
-                      </a:solidFill>
-                      <a:prstDash val="solid"/>
-                      <a:round/>
-                      <a:headEnd type="none" w="med" len="med"/>
-                      <a:tailEnd type="none" w="med" len="med"/>
-                    </a:lnL>
-                    <a:lnR w="12700" cap="flat" cmpd="sng" algn="ctr">
-                      <a:solidFill>
-                        <a:schemeClr val="tx1"/>
-                      </a:solidFill>
-                      <a:prstDash val="solid"/>
-                      <a:round/>
-                      <a:headEnd type="none" w="med" len="med"/>
-                      <a:tailEnd type="none" w="med" len="med"/>
-                    </a:lnR>
-                    <a:lnT w="12700" cap="flat" cmpd="sng" algn="ctr">
-                      <a:solidFill>
-                        <a:schemeClr val="tx1"/>
-                      </a:solidFill>
-                      <a:prstDash val="solid"/>
-                      <a:round/>
-                      <a:headEnd type="none" w="med" len="med"/>
-                      <a:tailEnd type="none" w="med" len="med"/>
-                    </a:lnT>
-                    <a:lnB w="12700" cap="flat" cmpd="sng" algn="ctr">
-                      <a:solidFill>
-                        <a:schemeClr val="tx1"/>
-                      </a:solidFill>
-                      <a:prstDash val="solid"/>
-                      <a:round/>
-                      <a:headEnd type="none" w="med" len="med"/>
-                      <a:tailEnd type="none" w="med" len="med"/>
-                    </a:lnB>
-                    <a:solidFill>
-                      <a:schemeClr val="accent4">
-                        <a:lumMod val="20000"/>
-                        <a:lumOff val="80000"/>
-                      </a:schemeClr>
-                    </a:solidFill>
-                  </a:tcPr>
-                </a:tc>
-                <a:tc>
-                  <a:txBody>
-                    <a:bodyPr/>
-                    <a:lstStyle/>
-                    <a:p>
-                      <a:pPr algn="ctr"/>
-                      <a:endParaRPr lang="pt-BR" sz="1200" dirty="0">
-                        <a:latin typeface="Arial" panose="020B0604020202020204" pitchFamily="34" charset="0"/>
-                        <a:cs typeface="Arial" panose="020B0604020202020204" pitchFamily="34" charset="0"/>
-                      </a:endParaRPr>
-                    </a:p>
-                  </a:txBody>
-                  <a:tcPr>
-                    <a:lnL w="12700" cap="flat" cmpd="sng" algn="ctr">
-                      <a:solidFill>
-                        <a:schemeClr val="tx1"/>
-                      </a:solidFill>
-                      <a:prstDash val="solid"/>
-                      <a:round/>
-                      <a:headEnd type="none" w="med" len="med"/>
-                      <a:tailEnd type="none" w="med" len="med"/>
-                    </a:lnL>
-                    <a:lnR w="12700" cap="flat" cmpd="sng" algn="ctr">
-                      <a:solidFill>
-                        <a:schemeClr val="tx1"/>
-                      </a:solidFill>
-                      <a:prstDash val="solid"/>
-                      <a:round/>
-                      <a:headEnd type="none" w="med" len="med"/>
-                      <a:tailEnd type="none" w="med" len="med"/>
-                    </a:lnR>
-                    <a:lnT w="12700" cap="flat" cmpd="sng" algn="ctr">
-                      <a:solidFill>
-                        <a:schemeClr val="tx1"/>
-                      </a:solidFill>
-                      <a:prstDash val="solid"/>
-                      <a:round/>
-                      <a:headEnd type="none" w="med" len="med"/>
-                      <a:tailEnd type="none" w="med" len="med"/>
-                    </a:lnT>
-                    <a:lnB w="12700" cap="flat" cmpd="sng" algn="ctr">
-                      <a:solidFill>
-                        <a:schemeClr val="tx1"/>
-                      </a:solidFill>
-                      <a:prstDash val="solid"/>
-                      <a:round/>
-                      <a:headEnd type="none" w="med" len="med"/>
-                      <a:tailEnd type="none" w="med" len="med"/>
-                    </a:lnB>
-                    <a:solidFill>
-                      <a:schemeClr val="accent4">
-                        <a:lumMod val="20000"/>
-                        <a:lumOff val="80000"/>
-                      </a:schemeClr>
-                    </a:solidFill>
-                  </a:tcPr>
-                </a:tc>
-                <a:tc>
-                  <a:txBody>
-                    <a:bodyPr/>
-                    <a:lstStyle/>
-                    <a:p>
-                      <a:endParaRPr lang="pt-BR" sz="1200" dirty="0">
-                        <a:latin typeface="Arial" panose="020B0604020202020204" pitchFamily="34" charset="0"/>
-                        <a:cs typeface="Arial" panose="020B0604020202020204" pitchFamily="34" charset="0"/>
-                      </a:endParaRPr>
-                    </a:p>
-                  </a:txBody>
-                  <a:tcPr>
-                    <a:lnL w="12700" cap="flat" cmpd="sng" algn="ctr">
-                      <a:solidFill>
-                        <a:schemeClr val="tx1"/>
-                      </a:solidFill>
-                      <a:prstDash val="solid"/>
-                      <a:round/>
-                      <a:headEnd type="none" w="med" len="med"/>
-                      <a:tailEnd type="none" w="med" len="med"/>
-                    </a:lnL>
-                    <a:lnR w="12700" cap="flat" cmpd="sng" algn="ctr">
-                      <a:solidFill>
-                        <a:schemeClr val="tx1"/>
-                      </a:solidFill>
-                      <a:prstDash val="solid"/>
-                      <a:round/>
-                      <a:headEnd type="none" w="med" len="med"/>
-                      <a:tailEnd type="none" w="med" len="med"/>
-                    </a:lnR>
-                    <a:lnT w="12700" cap="flat" cmpd="sng" algn="ctr">
-                      <a:solidFill>
-                        <a:schemeClr val="tx1"/>
-                      </a:solidFill>
-                      <a:prstDash val="solid"/>
-                      <a:round/>
-                      <a:headEnd type="none" w="med" len="med"/>
-                      <a:tailEnd type="none" w="med" len="med"/>
-                    </a:lnT>
-                    <a:lnB w="12700" cap="flat" cmpd="sng" algn="ctr">
-                      <a:solidFill>
-                        <a:schemeClr val="tx1"/>
-                      </a:solidFill>
-                      <a:prstDash val="solid"/>
-                      <a:round/>
-                      <a:headEnd type="none" w="med" len="med"/>
-                      <a:tailEnd type="none" w="med" len="med"/>
-                    </a:lnB>
-                    <a:solidFill>
-                      <a:schemeClr val="accent2">
-                        <a:lumMod val="20000"/>
-                        <a:lumOff val="80000"/>
-                      </a:schemeClr>
-                    </a:solidFill>
-                  </a:tcPr>
-                </a:tc>
-                <a:extLst>
-                  <a:ext uri="{0D108BD9-81ED-4DB2-BD59-A6C34878D82A}">
-                    <a16:rowId xmlns="" xmlns:a16="http://schemas.microsoft.com/office/drawing/2014/main" val="1349003733"/>
-                  </a:ext>
-                </a:extLst>
-              </a:tr>
-              <a:tr h="137160">
-                <a:tc vMerge="1">
-                  <a:txBody>
-                    <a:bodyPr/>
-                    <a:lstStyle/>
-                    <a:p>
-                      <a:endParaRPr lang="pt-BR"/>
-                    </a:p>
-                  </a:txBody>
-                  <a:tcPr/>
-                </a:tc>
-                <a:tc vMerge="1">
-                  <a:txBody>
-                    <a:bodyPr/>
-                    <a:lstStyle/>
-                    <a:p>
-                      <a:endParaRPr lang="pt-BR"/>
-                    </a:p>
-                  </a:txBody>
-                  <a:tcPr/>
-                </a:tc>
-                <a:tc>
-                  <a:txBody>
-                    <a:bodyPr/>
-                    <a:lstStyle/>
-                    <a:p>
-                      <a:pPr algn="ctr"/>
-                      <a:r>
-                        <a:rPr lang="pt-BR" sz="1200" dirty="0">
-                          <a:latin typeface="Arial" panose="020B0604020202020204" pitchFamily="34" charset="0"/>
-                          <a:cs typeface="Arial" panose="020B0604020202020204" pitchFamily="34" charset="0"/>
-                        </a:rPr>
-                        <a:t>9</a:t>
-                      </a:r>
-                    </a:p>
-                  </a:txBody>
-                  <a:tcPr>
-                    <a:lnL w="12700" cap="flat" cmpd="sng" algn="ctr">
-                      <a:solidFill>
-                        <a:schemeClr val="tx1"/>
-                      </a:solidFill>
-                      <a:prstDash val="solid"/>
-                      <a:round/>
-                      <a:headEnd type="none" w="med" len="med"/>
-                      <a:tailEnd type="none" w="med" len="med"/>
-                    </a:lnL>
-                    <a:lnR w="12700" cap="flat" cmpd="sng" algn="ctr">
-                      <a:solidFill>
-                        <a:schemeClr val="tx1"/>
-                      </a:solidFill>
-                      <a:prstDash val="solid"/>
-                      <a:round/>
-                      <a:headEnd type="none" w="med" len="med"/>
-                      <a:tailEnd type="none" w="med" len="med"/>
-                    </a:lnR>
-                    <a:lnT w="12700" cap="flat" cmpd="sng" algn="ctr">
-                      <a:solidFill>
-                        <a:schemeClr val="tx1"/>
-                      </a:solidFill>
-                      <a:prstDash val="solid"/>
-                      <a:round/>
-                      <a:headEnd type="none" w="med" len="med"/>
-                      <a:tailEnd type="none" w="med" len="med"/>
-                    </a:lnT>
-                    <a:lnB w="12700" cap="flat" cmpd="sng" algn="ctr">
-                      <a:solidFill>
-                        <a:schemeClr val="tx1"/>
-                      </a:solidFill>
-                      <a:prstDash val="solid"/>
-                      <a:round/>
-                      <a:headEnd type="none" w="med" len="med"/>
-                      <a:tailEnd type="none" w="med" len="med"/>
-                    </a:lnB>
-                    <a:solidFill>
-                      <a:schemeClr val="bg1"/>
-                    </a:solidFill>
-                  </a:tcPr>
-                </a:tc>
-                <a:tc>
-                  <a:txBody>
-                    <a:bodyPr/>
-                    <a:lstStyle/>
-                    <a:p>
-                      <a:pPr marL="0" marR="0" lvl="0" indent="0" algn="l" defTabSz="914400" rtl="0" eaLnBrk="1" fontAlgn="auto" latinLnBrk="0" hangingPunct="1">
-                        <a:lnSpc>
-                          <a:spcPct val="100000"/>
-                        </a:lnSpc>
-                        <a:spcBef>
-                          <a:spcPts val="0"/>
-                        </a:spcBef>
-                        <a:spcAft>
-                          <a:spcPts val="0"/>
-                        </a:spcAft>
-                        <a:buClrTx/>
-                        <a:buSzTx/>
-                        <a:buFontTx/>
-                        <a:buNone/>
-                        <a:tabLst/>
-                        <a:defRPr/>
-                      </a:pPr>
-                      <a:r>
-                        <a:rPr lang="pt-BR" sz="1200" b="0" dirty="0">
-                          <a:latin typeface="Arial" panose="020B0604020202020204" pitchFamily="34" charset="0"/>
-                          <a:cs typeface="Arial" panose="020B0604020202020204" pitchFamily="34" charset="0"/>
-                        </a:rPr>
-                        <a:t>Vendedor guarda produtos</a:t>
-                      </a:r>
-                    </a:p>
-                  </a:txBody>
-                  <a:tcPr>
-                    <a:lnL w="12700" cap="flat" cmpd="sng" algn="ctr">
-                      <a:solidFill>
-                        <a:schemeClr val="tx1"/>
-                      </a:solidFill>
-                      <a:prstDash val="solid"/>
-                      <a:round/>
-                      <a:headEnd type="none" w="med" len="med"/>
-                      <a:tailEnd type="none" w="med" len="med"/>
-                    </a:lnL>
-                    <a:lnR w="12700" cap="flat" cmpd="sng" algn="ctr">
-                      <a:solidFill>
-                        <a:schemeClr val="tx1"/>
-                      </a:solidFill>
-                      <a:prstDash val="solid"/>
-                      <a:round/>
-                      <a:headEnd type="none" w="med" len="med"/>
-                      <a:tailEnd type="none" w="med" len="med"/>
-                    </a:lnR>
-                    <a:lnT w="12700" cap="flat" cmpd="sng" algn="ctr">
-                      <a:solidFill>
-                        <a:schemeClr val="tx1"/>
-                      </a:solidFill>
-                      <a:prstDash val="solid"/>
-                      <a:round/>
-                      <a:headEnd type="none" w="med" len="med"/>
-                      <a:tailEnd type="none" w="med" len="med"/>
-                    </a:lnT>
-                    <a:lnB w="12700" cap="flat" cmpd="sng" algn="ctr">
-                      <a:solidFill>
-                        <a:schemeClr val="tx1"/>
-                      </a:solidFill>
-                      <a:prstDash val="solid"/>
-                      <a:round/>
-                      <a:headEnd type="none" w="med" len="med"/>
-                      <a:tailEnd type="none" w="med" len="med"/>
-                    </a:lnB>
-                    <a:solidFill>
-                      <a:schemeClr val="bg1"/>
-                    </a:solidFill>
-                  </a:tcPr>
-                </a:tc>
-                <a:tc>
-                  <a:txBody>
-                    <a:bodyPr/>
-                    <a:lstStyle/>
-                    <a:p>
-                      <a:pPr algn="ctr"/>
-                      <a:endParaRPr lang="pt-BR" sz="1200" dirty="0">
-                        <a:latin typeface="Arial" panose="020B0604020202020204" pitchFamily="34" charset="0"/>
-                        <a:cs typeface="Arial" panose="020B0604020202020204" pitchFamily="34" charset="0"/>
-                      </a:endParaRPr>
-                    </a:p>
-                  </a:txBody>
-                  <a:tcPr>
-                    <a:lnL w="12700" cap="flat" cmpd="sng" algn="ctr">
-                      <a:solidFill>
-                        <a:schemeClr val="tx1"/>
-                      </a:solidFill>
-                      <a:prstDash val="solid"/>
-                      <a:round/>
-                      <a:headEnd type="none" w="med" len="med"/>
-                      <a:tailEnd type="none" w="med" len="med"/>
-                    </a:lnL>
-                    <a:lnR w="12700" cap="flat" cmpd="sng" algn="ctr">
-                      <a:solidFill>
-                        <a:schemeClr val="tx1"/>
-                      </a:solidFill>
-                      <a:prstDash val="solid"/>
-                      <a:round/>
-                      <a:headEnd type="none" w="med" len="med"/>
-                      <a:tailEnd type="none" w="med" len="med"/>
-                    </a:lnR>
-                    <a:lnT w="12700" cap="flat" cmpd="sng" algn="ctr">
-                      <a:solidFill>
-                        <a:schemeClr val="tx1"/>
-                      </a:solidFill>
-                      <a:prstDash val="solid"/>
-                      <a:round/>
-                      <a:headEnd type="none" w="med" len="med"/>
-                      <a:tailEnd type="none" w="med" len="med"/>
-                    </a:lnT>
-                    <a:lnB w="12700" cap="flat" cmpd="sng" algn="ctr">
-                      <a:solidFill>
-                        <a:schemeClr val="tx1"/>
-                      </a:solidFill>
-                      <a:prstDash val="solid"/>
-                      <a:round/>
-                      <a:headEnd type="none" w="med" len="med"/>
-                      <a:tailEnd type="none" w="med" len="med"/>
-                    </a:lnB>
-                    <a:solidFill>
-                      <a:schemeClr val="accent1">
-                        <a:lumMod val="20000"/>
-                        <a:lumOff val="80000"/>
-                      </a:schemeClr>
-                    </a:solidFill>
-                  </a:tcPr>
-                </a:tc>
-                <a:tc>
-                  <a:txBody>
-                    <a:bodyPr/>
-                    <a:lstStyle/>
-                    <a:p>
-                      <a:pPr algn="ctr"/>
-                      <a:endParaRPr lang="pt-BR" sz="1200" dirty="0">
-                        <a:latin typeface="Arial" panose="020B0604020202020204" pitchFamily="34" charset="0"/>
-                        <a:cs typeface="Arial" panose="020B0604020202020204" pitchFamily="34" charset="0"/>
-                      </a:endParaRPr>
-                    </a:p>
-                  </a:txBody>
-                  <a:tcPr>
-                    <a:lnL w="12700" cap="flat" cmpd="sng" algn="ctr">
-                      <a:solidFill>
-                        <a:schemeClr val="tx1"/>
-                      </a:solidFill>
-                      <a:prstDash val="solid"/>
-                      <a:round/>
-                      <a:headEnd type="none" w="med" len="med"/>
-                      <a:tailEnd type="none" w="med" len="med"/>
-                    </a:lnL>
-                    <a:lnR w="12700" cap="flat" cmpd="sng" algn="ctr">
-                      <a:solidFill>
-                        <a:schemeClr val="tx1"/>
-                      </a:solidFill>
-                      <a:prstDash val="solid"/>
-                      <a:round/>
-                      <a:headEnd type="none" w="med" len="med"/>
-                      <a:tailEnd type="none" w="med" len="med"/>
-                    </a:lnR>
-                    <a:lnT w="12700" cap="flat" cmpd="sng" algn="ctr">
-                      <a:solidFill>
-                        <a:schemeClr val="tx1"/>
-                      </a:solidFill>
-                      <a:prstDash val="solid"/>
-                      <a:round/>
-                      <a:headEnd type="none" w="med" len="med"/>
-                      <a:tailEnd type="none" w="med" len="med"/>
-                    </a:lnT>
-                    <a:lnB w="12700" cap="flat" cmpd="sng" algn="ctr">
-                      <a:solidFill>
-                        <a:schemeClr val="tx1"/>
-                      </a:solidFill>
-                      <a:prstDash val="solid"/>
-                      <a:round/>
-                      <a:headEnd type="none" w="med" len="med"/>
-                      <a:tailEnd type="none" w="med" len="med"/>
-                    </a:lnB>
-                    <a:solidFill>
-                      <a:schemeClr val="accent1">
-                        <a:lumMod val="20000"/>
-                        <a:lumOff val="80000"/>
-                      </a:schemeClr>
-                    </a:solidFill>
-                  </a:tcPr>
-                </a:tc>
-                <a:tc>
-                  <a:txBody>
-                    <a:bodyPr/>
-                    <a:lstStyle/>
-                    <a:p>
-                      <a:pPr algn="ctr"/>
-                      <a:r>
-                        <a:rPr lang="pt-BR" sz="1200" dirty="0">
-                          <a:latin typeface="Arial" panose="020B0604020202020204" pitchFamily="34" charset="0"/>
-                          <a:cs typeface="Arial" panose="020B0604020202020204" pitchFamily="34" charset="0"/>
-                        </a:rPr>
-                        <a:t>X(8)</a:t>
-                      </a:r>
-                    </a:p>
-                  </a:txBody>
-                  <a:tcPr>
-                    <a:lnL w="12700" cap="flat" cmpd="sng" algn="ctr">
-                      <a:solidFill>
-                        <a:schemeClr val="tx1"/>
-                      </a:solidFill>
-                      <a:prstDash val="solid"/>
-                      <a:round/>
-                      <a:headEnd type="none" w="med" len="med"/>
-                      <a:tailEnd type="none" w="med" len="med"/>
-                    </a:lnL>
-                    <a:lnR w="12700" cap="flat" cmpd="sng" algn="ctr">
-                      <a:solidFill>
-                        <a:schemeClr val="tx1"/>
-                      </a:solidFill>
-                      <a:prstDash val="solid"/>
-                      <a:round/>
-                      <a:headEnd type="none" w="med" len="med"/>
-                      <a:tailEnd type="none" w="med" len="med"/>
-                    </a:lnR>
-                    <a:lnT w="12700" cap="flat" cmpd="sng" algn="ctr">
-                      <a:solidFill>
-                        <a:schemeClr val="tx1"/>
-                      </a:solidFill>
-                      <a:prstDash val="solid"/>
-                      <a:round/>
-                      <a:headEnd type="none" w="med" len="med"/>
-                      <a:tailEnd type="none" w="med" len="med"/>
-                    </a:lnT>
-                    <a:lnB w="12700" cap="flat" cmpd="sng" algn="ctr">
-                      <a:solidFill>
-                        <a:schemeClr val="tx1"/>
-                      </a:solidFill>
-                      <a:prstDash val="solid"/>
-                      <a:round/>
-                      <a:headEnd type="none" w="med" len="med"/>
-                      <a:tailEnd type="none" w="med" len="med"/>
-                    </a:lnB>
-                    <a:solidFill>
-                      <a:schemeClr val="accent4">
-                        <a:lumMod val="20000"/>
-                        <a:lumOff val="80000"/>
-                      </a:schemeClr>
-                    </a:solidFill>
-                  </a:tcPr>
-                </a:tc>
-                <a:tc>
-                  <a:txBody>
-                    <a:bodyPr/>
-                    <a:lstStyle/>
-                    <a:p>
-                      <a:pPr algn="ctr"/>
-                      <a:endParaRPr lang="pt-BR" sz="1200" dirty="0">
-                        <a:latin typeface="Arial" panose="020B0604020202020204" pitchFamily="34" charset="0"/>
-                        <a:cs typeface="Arial" panose="020B0604020202020204" pitchFamily="34" charset="0"/>
-                      </a:endParaRPr>
-                    </a:p>
-                  </a:txBody>
-                  <a:tcPr>
-                    <a:lnL w="12700" cap="flat" cmpd="sng" algn="ctr">
-                      <a:solidFill>
-                        <a:schemeClr val="tx1"/>
-                      </a:solidFill>
-                      <a:prstDash val="solid"/>
-                      <a:round/>
-                      <a:headEnd type="none" w="med" len="med"/>
-                      <a:tailEnd type="none" w="med" len="med"/>
-                    </a:lnL>
-                    <a:lnR w="12700" cap="flat" cmpd="sng" algn="ctr">
-                      <a:solidFill>
-                        <a:schemeClr val="tx1"/>
-                      </a:solidFill>
-                      <a:prstDash val="solid"/>
-                      <a:round/>
-                      <a:headEnd type="none" w="med" len="med"/>
-                      <a:tailEnd type="none" w="med" len="med"/>
-                    </a:lnR>
-                    <a:lnT w="12700" cap="flat" cmpd="sng" algn="ctr">
-                      <a:solidFill>
-                        <a:schemeClr val="tx1"/>
-                      </a:solidFill>
-                      <a:prstDash val="solid"/>
-                      <a:round/>
-                      <a:headEnd type="none" w="med" len="med"/>
-                      <a:tailEnd type="none" w="med" len="med"/>
-                    </a:lnT>
-                    <a:lnB w="12700" cap="flat" cmpd="sng" algn="ctr">
-                      <a:solidFill>
-                        <a:schemeClr val="tx1"/>
-                      </a:solidFill>
-                      <a:prstDash val="solid"/>
-                      <a:round/>
-                      <a:headEnd type="none" w="med" len="med"/>
-                      <a:tailEnd type="none" w="med" len="med"/>
-                    </a:lnB>
-                    <a:solidFill>
-                      <a:schemeClr val="accent4">
-                        <a:lumMod val="20000"/>
-                        <a:lumOff val="80000"/>
-                      </a:schemeClr>
-                    </a:solidFill>
-                  </a:tcPr>
-                </a:tc>
-                <a:tc>
-                  <a:txBody>
-                    <a:bodyPr/>
-                    <a:lstStyle/>
-                    <a:p>
-                      <a:pPr algn="ctr"/>
-                      <a:endParaRPr lang="pt-BR" sz="1200" dirty="0">
-                        <a:latin typeface="Arial" panose="020B0604020202020204" pitchFamily="34" charset="0"/>
-                        <a:cs typeface="Arial" panose="020B0604020202020204" pitchFamily="34" charset="0"/>
-                      </a:endParaRPr>
-                    </a:p>
-                  </a:txBody>
-                  <a:tcPr>
-                    <a:lnL w="12700" cap="flat" cmpd="sng" algn="ctr">
-                      <a:solidFill>
-                        <a:schemeClr val="tx1"/>
-                      </a:solidFill>
-                      <a:prstDash val="solid"/>
-                      <a:round/>
-                      <a:headEnd type="none" w="med" len="med"/>
-                      <a:tailEnd type="none" w="med" len="med"/>
-                    </a:lnL>
-                    <a:lnR w="12700" cap="flat" cmpd="sng" algn="ctr">
-                      <a:solidFill>
-                        <a:schemeClr val="tx1"/>
-                      </a:solidFill>
-                      <a:prstDash val="solid"/>
-                      <a:round/>
-                      <a:headEnd type="none" w="med" len="med"/>
-                      <a:tailEnd type="none" w="med" len="med"/>
-                    </a:lnR>
-                    <a:lnT w="12700" cap="flat" cmpd="sng" algn="ctr">
-                      <a:solidFill>
-                        <a:schemeClr val="tx1"/>
-                      </a:solidFill>
-                      <a:prstDash val="solid"/>
-                      <a:round/>
-                      <a:headEnd type="none" w="med" len="med"/>
-                      <a:tailEnd type="none" w="med" len="med"/>
-                    </a:lnT>
-                    <a:lnB w="12700" cap="flat" cmpd="sng" algn="ctr">
-                      <a:solidFill>
-                        <a:schemeClr val="tx1"/>
-                      </a:solidFill>
-                      <a:prstDash val="solid"/>
-                      <a:round/>
-                      <a:headEnd type="none" w="med" len="med"/>
-                      <a:tailEnd type="none" w="med" len="med"/>
-                    </a:lnB>
-                    <a:solidFill>
-                      <a:schemeClr val="accent4">
-                        <a:lumMod val="20000"/>
-                        <a:lumOff val="80000"/>
-                      </a:schemeClr>
-                    </a:solidFill>
-                  </a:tcPr>
-                </a:tc>
-                <a:tc>
-                  <a:txBody>
-                    <a:bodyPr/>
-                    <a:lstStyle/>
-                    <a:p>
-                      <a:endParaRPr lang="pt-BR" sz="1200" dirty="0">
-                        <a:latin typeface="Arial" panose="020B0604020202020204" pitchFamily="34" charset="0"/>
-                        <a:cs typeface="Arial" panose="020B0604020202020204" pitchFamily="34" charset="0"/>
-                      </a:endParaRPr>
-                    </a:p>
-                  </a:txBody>
-                  <a:tcPr>
-                    <a:lnL w="12700" cap="flat" cmpd="sng" algn="ctr">
-                      <a:solidFill>
-                        <a:schemeClr val="tx1"/>
-                      </a:solidFill>
-                      <a:prstDash val="solid"/>
-                      <a:round/>
-                      <a:headEnd type="none" w="med" len="med"/>
-                      <a:tailEnd type="none" w="med" len="med"/>
-                    </a:lnL>
-                    <a:lnR w="12700" cap="flat" cmpd="sng" algn="ctr">
-                      <a:solidFill>
-                        <a:schemeClr val="tx1"/>
-                      </a:solidFill>
-                      <a:prstDash val="solid"/>
-                      <a:round/>
-                      <a:headEnd type="none" w="med" len="med"/>
-                      <a:tailEnd type="none" w="med" len="med"/>
-                    </a:lnR>
-                    <a:lnT w="12700" cap="flat" cmpd="sng" algn="ctr">
-                      <a:solidFill>
-                        <a:schemeClr val="tx1"/>
-                      </a:solidFill>
-                      <a:prstDash val="solid"/>
-                      <a:round/>
-                      <a:headEnd type="none" w="med" len="med"/>
-                      <a:tailEnd type="none" w="med" len="med"/>
-                    </a:lnT>
-                    <a:lnB w="12700" cap="flat" cmpd="sng" algn="ctr">
-                      <a:solidFill>
-                        <a:schemeClr val="tx1"/>
-                      </a:solidFill>
-                      <a:prstDash val="solid"/>
-                      <a:round/>
-                      <a:headEnd type="none" w="med" len="med"/>
-                      <a:tailEnd type="none" w="med" len="med"/>
-                    </a:lnB>
-                    <a:solidFill>
-                      <a:schemeClr val="accent2">
-                        <a:lumMod val="20000"/>
-                        <a:lumOff val="80000"/>
-                      </a:schemeClr>
-                    </a:solidFill>
-                  </a:tcPr>
-                </a:tc>
-                <a:extLst>
-                  <a:ext uri="{0D108BD9-81ED-4DB2-BD59-A6C34878D82A}">
-                    <a16:rowId xmlns="" xmlns:a16="http://schemas.microsoft.com/office/drawing/2014/main" val="1254139915"/>
-                  </a:ext>
-                </a:extLst>
-              </a:tr>
-              <a:tr h="137160">
-                <a:tc vMerge="1">
-                  <a:txBody>
-                    <a:bodyPr/>
-                    <a:lstStyle/>
-                    <a:p>
-                      <a:endParaRPr lang="pt-BR"/>
-                    </a:p>
-                  </a:txBody>
-                  <a:tcPr/>
-                </a:tc>
-                <a:tc vMerge="1">
-                  <a:txBody>
-                    <a:bodyPr/>
-                    <a:lstStyle/>
-                    <a:p>
-                      <a:endParaRPr lang="pt-BR"/>
-                    </a:p>
-                  </a:txBody>
-                  <a:tcPr/>
-                </a:tc>
-                <a:tc>
-                  <a:txBody>
-                    <a:bodyPr/>
-                    <a:lstStyle/>
-                    <a:p>
-                      <a:pPr algn="ctr"/>
-                      <a:r>
-                        <a:rPr lang="pt-BR" sz="1200" dirty="0">
-                          <a:latin typeface="Arial" panose="020B0604020202020204" pitchFamily="34" charset="0"/>
-                          <a:cs typeface="Arial" panose="020B0604020202020204" pitchFamily="34" charset="0"/>
-                        </a:rPr>
-                        <a:t>10</a:t>
-                      </a:r>
-                    </a:p>
-                  </a:txBody>
-                  <a:tcPr>
-                    <a:lnL w="12700" cap="flat" cmpd="sng" algn="ctr">
-                      <a:solidFill>
-                        <a:schemeClr val="tx1"/>
-                      </a:solidFill>
-                      <a:prstDash val="solid"/>
-                      <a:round/>
-                      <a:headEnd type="none" w="med" len="med"/>
-                      <a:tailEnd type="none" w="med" len="med"/>
-                    </a:lnL>
-                    <a:lnR w="12700" cap="flat" cmpd="sng" algn="ctr">
-                      <a:solidFill>
-                        <a:schemeClr val="tx1"/>
-                      </a:solidFill>
-                      <a:prstDash val="solid"/>
-                      <a:round/>
-                      <a:headEnd type="none" w="med" len="med"/>
-                      <a:tailEnd type="none" w="med" len="med"/>
-                    </a:lnR>
-                    <a:lnT w="12700" cap="flat" cmpd="sng" algn="ctr">
-                      <a:solidFill>
-                        <a:schemeClr val="tx1"/>
-                      </a:solidFill>
-                      <a:prstDash val="solid"/>
-                      <a:round/>
-                      <a:headEnd type="none" w="med" len="med"/>
-                      <a:tailEnd type="none" w="med" len="med"/>
-                    </a:lnT>
-                    <a:lnB w="12700" cap="flat" cmpd="sng" algn="ctr">
-                      <a:solidFill>
-                        <a:schemeClr val="tx1"/>
-                      </a:solidFill>
-                      <a:prstDash val="solid"/>
-                      <a:round/>
-                      <a:headEnd type="none" w="med" len="med"/>
-                      <a:tailEnd type="none" w="med" len="med"/>
-                    </a:lnB>
-                    <a:solidFill>
-                      <a:schemeClr val="bg1"/>
-                    </a:solidFill>
-                  </a:tcPr>
-                </a:tc>
-                <a:tc>
-                  <a:txBody>
-                    <a:bodyPr/>
-                    <a:lstStyle/>
-                    <a:p>
-                      <a:pPr marL="0" marR="0" lvl="0" indent="0" algn="l" defTabSz="914400" rtl="0" eaLnBrk="1" fontAlgn="auto" latinLnBrk="0" hangingPunct="1">
-                        <a:lnSpc>
-                          <a:spcPct val="100000"/>
-                        </a:lnSpc>
-                        <a:spcBef>
-                          <a:spcPts val="0"/>
-                        </a:spcBef>
-                        <a:spcAft>
-                          <a:spcPts val="0"/>
-                        </a:spcAft>
-                        <a:buClrTx/>
-                        <a:buSzTx/>
-                        <a:buFontTx/>
-                        <a:buNone/>
-                        <a:tabLst/>
-                        <a:defRPr/>
-                      </a:pPr>
-                      <a:r>
-                        <a:rPr lang="pt-BR" sz="1200" b="0" dirty="0">
-                          <a:latin typeface="Arial" panose="020B0604020202020204" pitchFamily="34" charset="0"/>
-                          <a:cs typeface="Arial" panose="020B0604020202020204" pitchFamily="34" charset="0"/>
-                        </a:rPr>
-                        <a:t>Loja não recebe pagamento</a:t>
-                      </a:r>
-                    </a:p>
-                  </a:txBody>
-                  <a:tcPr>
-                    <a:lnL w="12700" cap="flat" cmpd="sng" algn="ctr">
-                      <a:solidFill>
-                        <a:schemeClr val="tx1"/>
-                      </a:solidFill>
-                      <a:prstDash val="solid"/>
-                      <a:round/>
-                      <a:headEnd type="none" w="med" len="med"/>
-                      <a:tailEnd type="none" w="med" len="med"/>
-                    </a:lnL>
-                    <a:lnR w="12700" cap="flat" cmpd="sng" algn="ctr">
-                      <a:solidFill>
-                        <a:schemeClr val="tx1"/>
-                      </a:solidFill>
-                      <a:prstDash val="solid"/>
-                      <a:round/>
-                      <a:headEnd type="none" w="med" len="med"/>
-                      <a:tailEnd type="none" w="med" len="med"/>
-                    </a:lnR>
-                    <a:lnT w="12700" cap="flat" cmpd="sng" algn="ctr">
-                      <a:solidFill>
-                        <a:schemeClr val="tx1"/>
-                      </a:solidFill>
-                      <a:prstDash val="solid"/>
-                      <a:round/>
-                      <a:headEnd type="none" w="med" len="med"/>
-                      <a:tailEnd type="none" w="med" len="med"/>
-                    </a:lnT>
-                    <a:lnB w="12700" cap="flat" cmpd="sng" algn="ctr">
-                      <a:solidFill>
-                        <a:schemeClr val="tx1"/>
-                      </a:solidFill>
-                      <a:prstDash val="solid"/>
-                      <a:round/>
-                      <a:headEnd type="none" w="med" len="med"/>
-                      <a:tailEnd type="none" w="med" len="med"/>
-                    </a:lnB>
-                    <a:solidFill>
-                      <a:schemeClr val="bg1"/>
-                    </a:solidFill>
-                  </a:tcPr>
-                </a:tc>
-                <a:tc>
-                  <a:txBody>
-                    <a:bodyPr/>
-                    <a:lstStyle/>
-                    <a:p>
-                      <a:pPr algn="ctr"/>
-                      <a:endParaRPr lang="pt-BR" sz="1200" dirty="0">
-                        <a:latin typeface="Arial" panose="020B0604020202020204" pitchFamily="34" charset="0"/>
-                        <a:cs typeface="Arial" panose="020B0604020202020204" pitchFamily="34" charset="0"/>
-                      </a:endParaRPr>
-                    </a:p>
-                  </a:txBody>
-                  <a:tcPr>
-                    <a:lnL w="12700" cap="flat" cmpd="sng" algn="ctr">
-                      <a:solidFill>
-                        <a:schemeClr val="tx1"/>
-                      </a:solidFill>
-                      <a:prstDash val="solid"/>
-                      <a:round/>
-                      <a:headEnd type="none" w="med" len="med"/>
-                      <a:tailEnd type="none" w="med" len="med"/>
-                    </a:lnL>
-                    <a:lnR w="12700" cap="flat" cmpd="sng" algn="ctr">
-                      <a:solidFill>
-                        <a:schemeClr val="tx1"/>
-                      </a:solidFill>
-                      <a:prstDash val="solid"/>
-                      <a:round/>
-                      <a:headEnd type="none" w="med" len="med"/>
-                      <a:tailEnd type="none" w="med" len="med"/>
-                    </a:lnR>
-                    <a:lnT w="12700" cap="flat" cmpd="sng" algn="ctr">
-                      <a:solidFill>
-                        <a:schemeClr val="tx1"/>
-                      </a:solidFill>
-                      <a:prstDash val="solid"/>
-                      <a:round/>
-                      <a:headEnd type="none" w="med" len="med"/>
-                      <a:tailEnd type="none" w="med" len="med"/>
-                    </a:lnT>
-                    <a:lnB w="12700" cap="flat" cmpd="sng" algn="ctr">
-                      <a:solidFill>
-                        <a:schemeClr val="tx1"/>
-                      </a:solidFill>
-                      <a:prstDash val="solid"/>
-                      <a:round/>
-                      <a:headEnd type="none" w="med" len="med"/>
-                      <a:tailEnd type="none" w="med" len="med"/>
-                    </a:lnB>
-                    <a:solidFill>
-                      <a:schemeClr val="accent1">
-                        <a:lumMod val="20000"/>
-                        <a:lumOff val="80000"/>
-                      </a:schemeClr>
-                    </a:solidFill>
-                  </a:tcPr>
-                </a:tc>
-                <a:tc>
-                  <a:txBody>
-                    <a:bodyPr/>
-                    <a:lstStyle/>
-                    <a:p>
-                      <a:pPr algn="ctr"/>
-                      <a:endParaRPr lang="pt-BR" sz="1200" dirty="0">
-                        <a:latin typeface="Arial" panose="020B0604020202020204" pitchFamily="34" charset="0"/>
-                        <a:cs typeface="Arial" panose="020B0604020202020204" pitchFamily="34" charset="0"/>
-                      </a:endParaRPr>
-                    </a:p>
-                  </a:txBody>
-                  <a:tcPr>
-                    <a:lnL w="12700" cap="flat" cmpd="sng" algn="ctr">
-                      <a:solidFill>
-                        <a:schemeClr val="tx1"/>
-                      </a:solidFill>
-                      <a:prstDash val="solid"/>
-                      <a:round/>
-                      <a:headEnd type="none" w="med" len="med"/>
-                      <a:tailEnd type="none" w="med" len="med"/>
-                    </a:lnL>
-                    <a:lnR w="12700" cap="flat" cmpd="sng" algn="ctr">
-                      <a:solidFill>
-                        <a:schemeClr val="tx1"/>
-                      </a:solidFill>
-                      <a:prstDash val="solid"/>
-                      <a:round/>
-                      <a:headEnd type="none" w="med" len="med"/>
-                      <a:tailEnd type="none" w="med" len="med"/>
-                    </a:lnR>
-                    <a:lnT w="12700" cap="flat" cmpd="sng" algn="ctr">
-                      <a:solidFill>
-                        <a:schemeClr val="tx1"/>
-                      </a:solidFill>
-                      <a:prstDash val="solid"/>
-                      <a:round/>
-                      <a:headEnd type="none" w="med" len="med"/>
-                      <a:tailEnd type="none" w="med" len="med"/>
-                    </a:lnT>
-                    <a:lnB w="12700" cap="flat" cmpd="sng" algn="ctr">
-                      <a:solidFill>
-                        <a:schemeClr val="tx1"/>
-                      </a:solidFill>
-                      <a:prstDash val="solid"/>
-                      <a:round/>
-                      <a:headEnd type="none" w="med" len="med"/>
-                      <a:tailEnd type="none" w="med" len="med"/>
-                    </a:lnB>
-                    <a:solidFill>
-                      <a:schemeClr val="accent1">
-                        <a:lumMod val="20000"/>
-                        <a:lumOff val="80000"/>
-                      </a:schemeClr>
-                    </a:solidFill>
-                  </a:tcPr>
-                </a:tc>
-                <a:tc>
-                  <a:txBody>
-                    <a:bodyPr/>
-                    <a:lstStyle/>
-                    <a:p>
-                      <a:pPr algn="ctr"/>
-                      <a:endParaRPr lang="pt-BR" sz="1200" dirty="0">
-                        <a:latin typeface="Arial" panose="020B0604020202020204" pitchFamily="34" charset="0"/>
-                        <a:cs typeface="Arial" panose="020B0604020202020204" pitchFamily="34" charset="0"/>
-                      </a:endParaRPr>
-                    </a:p>
-                  </a:txBody>
-                  <a:tcPr>
-                    <a:lnL w="12700" cap="flat" cmpd="sng" algn="ctr">
-                      <a:solidFill>
-                        <a:schemeClr val="tx1"/>
-                      </a:solidFill>
-                      <a:prstDash val="solid"/>
-                      <a:round/>
-                      <a:headEnd type="none" w="med" len="med"/>
-                      <a:tailEnd type="none" w="med" len="med"/>
-                    </a:lnL>
-                    <a:lnR w="12700" cap="flat" cmpd="sng" algn="ctr">
-                      <a:solidFill>
-                        <a:schemeClr val="tx1"/>
-                      </a:solidFill>
-                      <a:prstDash val="solid"/>
-                      <a:round/>
-                      <a:headEnd type="none" w="med" len="med"/>
-                      <a:tailEnd type="none" w="med" len="med"/>
-                    </a:lnR>
-                    <a:lnT w="12700" cap="flat" cmpd="sng" algn="ctr">
-                      <a:solidFill>
-                        <a:schemeClr val="tx1"/>
-                      </a:solidFill>
-                      <a:prstDash val="solid"/>
-                      <a:round/>
-                      <a:headEnd type="none" w="med" len="med"/>
-                      <a:tailEnd type="none" w="med" len="med"/>
-                    </a:lnT>
-                    <a:lnB w="12700" cap="flat" cmpd="sng" algn="ctr">
-                      <a:solidFill>
-                        <a:schemeClr val="tx1"/>
-                      </a:solidFill>
-                      <a:prstDash val="solid"/>
-                      <a:round/>
-                      <a:headEnd type="none" w="med" len="med"/>
-                      <a:tailEnd type="none" w="med" len="med"/>
-                    </a:lnB>
-                    <a:solidFill>
-                      <a:schemeClr val="accent4">
-                        <a:lumMod val="20000"/>
-                        <a:lumOff val="80000"/>
-                      </a:schemeClr>
-                    </a:solidFill>
-                  </a:tcPr>
-                </a:tc>
-                <a:tc>
-                  <a:txBody>
-                    <a:bodyPr/>
-                    <a:lstStyle/>
-                    <a:p>
-                      <a:pPr algn="ctr"/>
-                      <a:endParaRPr lang="pt-BR" sz="1200" dirty="0">
-                        <a:latin typeface="Arial" panose="020B0604020202020204" pitchFamily="34" charset="0"/>
-                        <a:cs typeface="Arial" panose="020B0604020202020204" pitchFamily="34" charset="0"/>
-                      </a:endParaRPr>
-                    </a:p>
-                  </a:txBody>
-                  <a:tcPr>
-                    <a:lnL w="12700" cap="flat" cmpd="sng" algn="ctr">
-                      <a:solidFill>
-                        <a:schemeClr val="tx1"/>
-                      </a:solidFill>
-                      <a:prstDash val="solid"/>
-                      <a:round/>
-                      <a:headEnd type="none" w="med" len="med"/>
-                      <a:tailEnd type="none" w="med" len="med"/>
-                    </a:lnL>
-                    <a:lnR w="12700" cap="flat" cmpd="sng" algn="ctr">
-                      <a:solidFill>
-                        <a:schemeClr val="tx1"/>
-                      </a:solidFill>
-                      <a:prstDash val="solid"/>
-                      <a:round/>
-                      <a:headEnd type="none" w="med" len="med"/>
-                      <a:tailEnd type="none" w="med" len="med"/>
-                    </a:lnR>
-                    <a:lnT w="12700" cap="flat" cmpd="sng" algn="ctr">
-                      <a:solidFill>
-                        <a:schemeClr val="tx1"/>
-                      </a:solidFill>
-                      <a:prstDash val="solid"/>
-                      <a:round/>
-                      <a:headEnd type="none" w="med" len="med"/>
-                      <a:tailEnd type="none" w="med" len="med"/>
-                    </a:lnT>
-                    <a:lnB w="12700" cap="flat" cmpd="sng" algn="ctr">
-                      <a:solidFill>
-                        <a:schemeClr val="tx1"/>
-                      </a:solidFill>
-                      <a:prstDash val="solid"/>
-                      <a:round/>
-                      <a:headEnd type="none" w="med" len="med"/>
-                      <a:tailEnd type="none" w="med" len="med"/>
-                    </a:lnB>
-                    <a:solidFill>
-                      <a:schemeClr val="accent4">
-                        <a:lumMod val="20000"/>
-                        <a:lumOff val="80000"/>
-                      </a:schemeClr>
-                    </a:solidFill>
-                  </a:tcPr>
-                </a:tc>
-                <a:tc>
-                  <a:txBody>
-                    <a:bodyPr/>
-                    <a:lstStyle/>
-                    <a:p>
-                      <a:pPr algn="ctr"/>
-                      <a:r>
-                        <a:rPr lang="pt-BR" sz="1200" dirty="0">
-                          <a:latin typeface="Arial" panose="020B0604020202020204" pitchFamily="34" charset="0"/>
-                          <a:cs typeface="Arial" panose="020B0604020202020204" pitchFamily="34" charset="0"/>
-                        </a:rPr>
-                        <a:t>X(8)</a:t>
-                      </a:r>
-                    </a:p>
-                  </a:txBody>
-                  <a:tcPr>
-                    <a:lnL w="12700" cap="flat" cmpd="sng" algn="ctr">
-                      <a:solidFill>
-                        <a:schemeClr val="tx1"/>
-                      </a:solidFill>
-                      <a:prstDash val="solid"/>
-                      <a:round/>
-                      <a:headEnd type="none" w="med" len="med"/>
-                      <a:tailEnd type="none" w="med" len="med"/>
-                    </a:lnL>
-                    <a:lnR w="12700" cap="flat" cmpd="sng" algn="ctr">
-                      <a:solidFill>
-                        <a:schemeClr val="tx1"/>
-                      </a:solidFill>
-                      <a:prstDash val="solid"/>
-                      <a:round/>
-                      <a:headEnd type="none" w="med" len="med"/>
-                      <a:tailEnd type="none" w="med" len="med"/>
-                    </a:lnR>
-                    <a:lnT w="12700" cap="flat" cmpd="sng" algn="ctr">
-                      <a:solidFill>
-                        <a:schemeClr val="tx1"/>
-                      </a:solidFill>
-                      <a:prstDash val="solid"/>
-                      <a:round/>
-                      <a:headEnd type="none" w="med" len="med"/>
-                      <a:tailEnd type="none" w="med" len="med"/>
-                    </a:lnT>
-                    <a:lnB w="12700" cap="flat" cmpd="sng" algn="ctr">
-                      <a:solidFill>
-                        <a:schemeClr val="tx1"/>
-                      </a:solidFill>
-                      <a:prstDash val="solid"/>
-                      <a:round/>
-                      <a:headEnd type="none" w="med" len="med"/>
-                      <a:tailEnd type="none" w="med" len="med"/>
-                    </a:lnB>
-                    <a:solidFill>
-                      <a:schemeClr val="accent4">
-                        <a:lumMod val="20000"/>
-                        <a:lumOff val="80000"/>
-                      </a:schemeClr>
-                    </a:solidFill>
-                  </a:tcPr>
-                </a:tc>
-                <a:tc>
-                  <a:txBody>
-                    <a:bodyPr/>
-                    <a:lstStyle/>
-                    <a:p>
-                      <a:endParaRPr lang="pt-BR" sz="1200" dirty="0">
-                        <a:latin typeface="Arial" panose="020B0604020202020204" pitchFamily="34" charset="0"/>
-                        <a:cs typeface="Arial" panose="020B0604020202020204" pitchFamily="34" charset="0"/>
-                      </a:endParaRPr>
-                    </a:p>
-                  </a:txBody>
-                  <a:tcPr>
-                    <a:lnL w="12700" cap="flat" cmpd="sng" algn="ctr">
-                      <a:solidFill>
-                        <a:schemeClr val="tx1"/>
-                      </a:solidFill>
-                      <a:prstDash val="solid"/>
-                      <a:round/>
-                      <a:headEnd type="none" w="med" len="med"/>
-                      <a:tailEnd type="none" w="med" len="med"/>
-                    </a:lnL>
-                    <a:lnR w="12700" cap="flat" cmpd="sng" algn="ctr">
-                      <a:solidFill>
-                        <a:schemeClr val="tx1"/>
-                      </a:solidFill>
-                      <a:prstDash val="solid"/>
-                      <a:round/>
-                      <a:headEnd type="none" w="med" len="med"/>
-                      <a:tailEnd type="none" w="med" len="med"/>
-                    </a:lnR>
-                    <a:lnT w="12700" cap="flat" cmpd="sng" algn="ctr">
-                      <a:solidFill>
-                        <a:schemeClr val="tx1"/>
-                      </a:solidFill>
-                      <a:prstDash val="solid"/>
-                      <a:round/>
-                      <a:headEnd type="none" w="med" len="med"/>
-                      <a:tailEnd type="none" w="med" len="med"/>
-                    </a:lnT>
-                    <a:lnB w="12700" cap="flat" cmpd="sng" algn="ctr">
-                      <a:solidFill>
-                        <a:schemeClr val="tx1"/>
-                      </a:solidFill>
-                      <a:prstDash val="solid"/>
-                      <a:round/>
-                      <a:headEnd type="none" w="med" len="med"/>
-                      <a:tailEnd type="none" w="med" len="med"/>
-                    </a:lnB>
-                    <a:solidFill>
-                      <a:schemeClr val="accent2">
-                        <a:lumMod val="20000"/>
-                        <a:lumOff val="80000"/>
-                      </a:schemeClr>
-                    </a:solidFill>
-                  </a:tcPr>
-                </a:tc>
-                <a:extLst>
-                  <a:ext uri="{0D108BD9-81ED-4DB2-BD59-A6C34878D82A}">
-                    <a16:rowId xmlns="" xmlns:a16="http://schemas.microsoft.com/office/drawing/2014/main" val="3858367351"/>
-                  </a:ext>
-                </a:extLst>
-              </a:tr>
-            </a:tbl>
-          </a:graphicData>
-        </a:graphic>
-      </p:graphicFrame>
-      <p:graphicFrame>
-        <p:nvGraphicFramePr>
-          <p:cNvPr id="5" name="Tabela 4">
-            <a:extLst>
-              <a:ext uri="{FF2B5EF4-FFF2-40B4-BE49-F238E27FC236}">
-                <a16:creationId xmlns="" xmlns:a16="http://schemas.microsoft.com/office/drawing/2014/main" id="{5E43C0F8-C7D2-44DE-AF53-994D57193E06}"/>
-              </a:ext>
-            </a:extLst>
-          </p:cNvPr>
-          <p:cNvGraphicFramePr>
-            <a:graphicFrameLocks noGrp="1"/>
-          </p:cNvGraphicFramePr>
-          <p:nvPr>
-            <p:extLst>
-              <p:ext uri="{D42A27DB-BD31-4B8C-83A1-F6EECF244321}">
-                <p14:modId xmlns:p14="http://schemas.microsoft.com/office/powerpoint/2010/main" val="1882295824"/>
-              </p:ext>
-            </p:extLst>
-          </p:nvPr>
-        </p:nvGraphicFramePr>
-        <p:xfrm>
-          <a:off x="4617585" y="756603"/>
-          <a:ext cx="6232358" cy="365760"/>
-        </p:xfrm>
-        <a:graphic>
-          <a:graphicData uri="http://schemas.openxmlformats.org/drawingml/2006/table">
-            <a:tbl>
-              <a:tblPr firstRow="1" bandRow="1">
-                <a:tableStyleId>{2D5ABB26-0587-4C30-8999-92F81FD0307C}</a:tableStyleId>
-              </a:tblPr>
-              <a:tblGrid>
-                <a:gridCol w="3116179">
-                  <a:extLst>
-                    <a:ext uri="{9D8B030D-6E8A-4147-A177-3AD203B41FA5}">
-                      <a16:colId xmlns="" xmlns:a16="http://schemas.microsoft.com/office/drawing/2014/main" val="3260057866"/>
-                    </a:ext>
-                  </a:extLst>
-                </a:gridCol>
-                <a:gridCol w="3116179">
-                  <a:extLst>
-                    <a:ext uri="{9D8B030D-6E8A-4147-A177-3AD203B41FA5}">
-                      <a16:colId xmlns="" xmlns:a16="http://schemas.microsoft.com/office/drawing/2014/main" val="3496643655"/>
-                    </a:ext>
-                  </a:extLst>
-                </a:gridCol>
-              </a:tblGrid>
-              <a:tr h="346123">
-                <a:tc>
-                  <a:txBody>
-                    <a:bodyPr/>
-                    <a:lstStyle/>
-                    <a:p>
-                      <a:r>
-                        <a:rPr lang="pt-BR" dirty="0"/>
-                        <a:t>Externo</a:t>
-                      </a:r>
-                    </a:p>
-                  </a:txBody>
-                  <a:tcPr>
-                    <a:lnL w="12700" cap="flat" cmpd="sng" algn="ctr">
-                      <a:solidFill>
-                        <a:schemeClr val="tx1"/>
-                      </a:solidFill>
-                      <a:prstDash val="solid"/>
-                      <a:round/>
-                      <a:headEnd type="none" w="med" len="med"/>
-                      <a:tailEnd type="none" w="med" len="med"/>
-                    </a:lnL>
-                    <a:lnR w="12700" cap="flat" cmpd="sng" algn="ctr">
-                      <a:solidFill>
-                        <a:schemeClr val="tx1"/>
-                      </a:solidFill>
-                      <a:prstDash val="solid"/>
-                      <a:round/>
-                      <a:headEnd type="none" w="med" len="med"/>
-                      <a:tailEnd type="none" w="med" len="med"/>
-                    </a:lnR>
-                    <a:lnT w="12700" cap="flat" cmpd="sng" algn="ctr">
-                      <a:solidFill>
-                        <a:schemeClr val="tx1"/>
-                      </a:solidFill>
-                      <a:prstDash val="solid"/>
-                      <a:round/>
-                      <a:headEnd type="none" w="med" len="med"/>
-                      <a:tailEnd type="none" w="med" len="med"/>
-                    </a:lnT>
-                    <a:lnB w="12700" cap="flat" cmpd="sng" algn="ctr">
-                      <a:solidFill>
-                        <a:schemeClr val="tx1"/>
-                      </a:solidFill>
-                      <a:prstDash val="solid"/>
-                      <a:round/>
-                      <a:headEnd type="none" w="med" len="med"/>
-                      <a:tailEnd type="none" w="med" len="med"/>
-                    </a:lnB>
-                  </a:tcPr>
-                </a:tc>
-                <a:tc>
-                  <a:txBody>
-                    <a:bodyPr/>
-                    <a:lstStyle/>
-                    <a:p>
-                      <a:r>
-                        <a:rPr lang="pt-BR" dirty="0"/>
-                        <a:t>Temporal</a:t>
-                      </a:r>
-                    </a:p>
-                  </a:txBody>
-                  <a:tcPr>
-                    <a:lnL w="12700" cap="flat" cmpd="sng" algn="ctr">
-                      <a:solidFill>
-                        <a:schemeClr val="tx1"/>
-                      </a:solidFill>
-                      <a:prstDash val="solid"/>
-                      <a:round/>
-                      <a:headEnd type="none" w="med" len="med"/>
-                      <a:tailEnd type="none" w="med" len="med"/>
-                    </a:lnL>
-                    <a:lnR w="12700" cap="flat" cmpd="sng" algn="ctr">
-                      <a:solidFill>
-                        <a:schemeClr val="tx1"/>
-                      </a:solidFill>
-                      <a:prstDash val="solid"/>
-                      <a:round/>
-                      <a:headEnd type="none" w="med" len="med"/>
-                      <a:tailEnd type="none" w="med" len="med"/>
-                    </a:lnR>
-                    <a:lnT w="12700" cap="flat" cmpd="sng" algn="ctr">
-                      <a:solidFill>
-                        <a:schemeClr val="tx1"/>
-                      </a:solidFill>
-                      <a:prstDash val="solid"/>
-                      <a:round/>
-                      <a:headEnd type="none" w="med" len="med"/>
-                      <a:tailEnd type="none" w="med" len="med"/>
-                    </a:lnT>
-                    <a:lnB w="12700" cap="flat" cmpd="sng" algn="ctr">
-                      <a:solidFill>
-                        <a:schemeClr val="tx1"/>
-                      </a:solidFill>
-                      <a:prstDash val="solid"/>
-                      <a:round/>
-                      <a:headEnd type="none" w="med" len="med"/>
-                      <a:tailEnd type="none" w="med" len="med"/>
-                    </a:lnB>
-                  </a:tcPr>
-                </a:tc>
-                <a:extLst>
-                  <a:ext uri="{0D108BD9-81ED-4DB2-BD59-A6C34878D82A}">
-                    <a16:rowId xmlns="" xmlns:a16="http://schemas.microsoft.com/office/drawing/2014/main" val="265164128"/>
-                  </a:ext>
-                </a:extLst>
-              </a:tr>
-            </a:tbl>
-          </a:graphicData>
-        </a:graphic>
-      </p:graphicFrame>
+      <p:pic>
+        <p:nvPicPr>
+          <p:cNvPr id="3" name="Imagem 2"/>
+          <p:cNvPicPr>
+            <a:picLocks noChangeAspect="1"/>
+          </p:cNvPicPr>
+          <p:nvPr/>
+        </p:nvPicPr>
+        <p:blipFill>
+          <a:blip r:embed="rId2"/>
+          <a:stretch>
+            <a:fillRect/>
+          </a:stretch>
+        </p:blipFill>
+        <p:spPr>
+          <a:xfrm>
+            <a:off x="894032" y="2750768"/>
+            <a:ext cx="10403936" cy="1345243"/>
+          </a:xfrm>
+          <a:prstGeom prst="rect">
+            <a:avLst/>
+          </a:prstGeom>
+        </p:spPr>
+      </p:pic>
     </p:spTree>
     <p:extLst>
       <p:ext uri="{BB962C8B-B14F-4D97-AF65-F5344CB8AC3E}">
@@ -9926,7 +4099,7 @@
           <p:cNvPr id="2" name="CaixaDeTexto 1">
             <a:extLst>
               <a:ext uri="{FF2B5EF4-FFF2-40B4-BE49-F238E27FC236}">
-                <a16:creationId xmlns="" xmlns:a16="http://schemas.microsoft.com/office/drawing/2014/main" id="{A6FC0499-E96B-4A57-A7DB-FD3AD7FFD1ED}"/>
+                <a16:creationId xmlns:a16="http://schemas.microsoft.com/office/drawing/2014/main" xmlns="" id="{A6FC0499-E96B-4A57-A7DB-FD3AD7FFD1ED}"/>
               </a:ext>
             </a:extLst>
           </p:cNvPr>
@@ -9964,7 +4137,7 @@
           <p:cNvPr id="33" name="CaixaDeTexto 32">
             <a:extLst>
               <a:ext uri="{FF2B5EF4-FFF2-40B4-BE49-F238E27FC236}">
-                <a16:creationId xmlns="" xmlns:a16="http://schemas.microsoft.com/office/drawing/2014/main" id="{9027796C-0961-46D1-8725-3389D2548B9E}"/>
+                <a16:creationId xmlns:a16="http://schemas.microsoft.com/office/drawing/2014/main" xmlns="" id="{9027796C-0961-46D1-8725-3389D2548B9E}"/>
               </a:ext>
             </a:extLst>
           </p:cNvPr>
@@ -10001,8 +4174,13 @@
             </a:r>
             <a:r>
               <a:rPr lang="pt-BR" dirty="0"/>
-              <a:t>Cliente faz pedido de roupas.</a:t>
-            </a:r>
+              <a:t>Cliente </a:t>
+            </a:r>
+            <a:r>
+              <a:rPr lang="pt-BR" dirty="0" smtClean="0"/>
+              <a:t>solicita pedido.</a:t>
+            </a:r>
+            <a:endParaRPr lang="pt-BR" dirty="0"/>
           </a:p>
           <a:p>
             <a:r>
@@ -10032,7 +4210,7 @@
           <p:cNvPr id="34" name="CaixaDeTexto 33">
             <a:extLst>
               <a:ext uri="{FF2B5EF4-FFF2-40B4-BE49-F238E27FC236}">
-                <a16:creationId xmlns="" xmlns:a16="http://schemas.microsoft.com/office/drawing/2014/main" id="{282A129C-45E2-42BD-ABC7-4E156E9B89CA}"/>
+                <a16:creationId xmlns:a16="http://schemas.microsoft.com/office/drawing/2014/main" xmlns="" id="{282A129C-45E2-42BD-ABC7-4E156E9B89CA}"/>
               </a:ext>
             </a:extLst>
           </p:cNvPr>
@@ -10118,7 +4296,7 @@
           <p:cNvPr id="35" name="Título 1">
             <a:extLst>
               <a:ext uri="{FF2B5EF4-FFF2-40B4-BE49-F238E27FC236}">
-                <a16:creationId xmlns="" xmlns:a16="http://schemas.microsoft.com/office/drawing/2014/main" id="{77CE2ED0-3A26-43BD-8017-2D08C9C12598}"/>
+                <a16:creationId xmlns:a16="http://schemas.microsoft.com/office/drawing/2014/main" xmlns="" id="{77CE2ED0-3A26-43BD-8017-2D08C9C12598}"/>
               </a:ext>
             </a:extLst>
           </p:cNvPr>
@@ -10159,8 +4337,19 @@
                 <a:latin typeface="Arial" panose="020B0604020202020204" pitchFamily="34" charset="0"/>
                 <a:cs typeface="Arial" panose="020B0604020202020204" pitchFamily="34" charset="0"/>
               </a:rPr>
-              <a:t>Processos de Negócio</a:t>
-            </a:r>
+              <a:t>Processos de </a:t>
+            </a:r>
+            <a:r>
+              <a:rPr lang="pt-BR" sz="2400" b="1" dirty="0" err="1" smtClean="0">
+                <a:latin typeface="Arial" panose="020B0604020202020204" pitchFamily="34" charset="0"/>
+                <a:cs typeface="Arial" panose="020B0604020202020204" pitchFamily="34" charset="0"/>
+              </a:rPr>
+              <a:t>Negócioc</a:t>
+            </a:r>
+            <a:endParaRPr lang="pt-BR" sz="2400" b="1" dirty="0">
+              <a:latin typeface="Arial" panose="020B0604020202020204" pitchFamily="34" charset="0"/>
+              <a:cs typeface="Arial" panose="020B0604020202020204" pitchFamily="34" charset="0"/>
+            </a:endParaRPr>
           </a:p>
         </p:txBody>
       </p:sp>
@@ -11360,7 +5549,7 @@
           <p:cNvPr id="85" name="CaixaDeTexto 84">
             <a:extLst>
               <a:ext uri="{FF2B5EF4-FFF2-40B4-BE49-F238E27FC236}">
-                <a16:creationId xmlns="" xmlns:a16="http://schemas.microsoft.com/office/drawing/2014/main" id="{9027796C-0961-46D1-8725-3389D2548B9E}"/>
+                <a16:creationId xmlns:a16="http://schemas.microsoft.com/office/drawing/2014/main" xmlns="" id="{9027796C-0961-46D1-8725-3389D2548B9E}"/>
               </a:ext>
             </a:extLst>
           </p:cNvPr>
@@ -11370,7 +5559,7 @@
         <p:spPr>
           <a:xfrm>
             <a:off x="7166650" y="965979"/>
-            <a:ext cx="4736618" cy="1200329"/>
+            <a:ext cx="4073423" cy="1200329"/>
           </a:xfrm>
           <a:prstGeom prst="rect">
             <a:avLst/>
@@ -11387,18 +5576,21 @@
           <a:p>
             <a:r>
               <a:rPr lang="pt-BR" b="1" dirty="0" smtClean="0"/>
-              <a:t>Solicitar Pedido</a:t>
-            </a:r>
-            <a:endParaRPr lang="pt-BR" b="1" dirty="0"/>
-          </a:p>
-          <a:p>
+              <a:t>Registrar pedido</a:t>
+            </a:r>
+          </a:p>
+          <a:p>
+            <a:r>
+              <a:rPr lang="pt-BR" b="1" dirty="0" smtClean="0"/>
+              <a:t>Evento</a:t>
+            </a:r>
             <a:r>
               <a:rPr lang="pt-BR" b="1" dirty="0"/>
-              <a:t>Evento: </a:t>
+              <a:t>: </a:t>
             </a:r>
             <a:r>
               <a:rPr lang="pt-BR" dirty="0" smtClean="0"/>
-              <a:t>Administrador solicita novos produtos</a:t>
+              <a:t>Vendedor registra pedido</a:t>
             </a:r>
             <a:endParaRPr lang="pt-BR" dirty="0"/>
           </a:p>
@@ -11409,7 +5601,7 @@
             </a:r>
             <a:r>
               <a:rPr lang="pt-BR" dirty="0" smtClean="0"/>
-              <a:t>solicitar produtos em falta no estoque</a:t>
+              <a:t>registrar pedido de Cliente</a:t>
             </a:r>
             <a:endParaRPr lang="pt-BR" b="1" dirty="0"/>
           </a:p>
@@ -11431,7 +5623,7 @@
           <p:cNvPr id="86" name="CaixaDeTexto 85">
             <a:extLst>
               <a:ext uri="{FF2B5EF4-FFF2-40B4-BE49-F238E27FC236}">
-                <a16:creationId xmlns="" xmlns:a16="http://schemas.microsoft.com/office/drawing/2014/main" id="{282A129C-45E2-42BD-ABC7-4E156E9B89CA}"/>
+                <a16:creationId xmlns:a16="http://schemas.microsoft.com/office/drawing/2014/main" xmlns="" id="{282A129C-45E2-42BD-ABC7-4E156E9B89CA}"/>
               </a:ext>
             </a:extLst>
           </p:cNvPr>
@@ -11559,7 +5751,7 @@
           <p:cNvPr id="87" name="Título 1">
             <a:extLst>
               <a:ext uri="{FF2B5EF4-FFF2-40B4-BE49-F238E27FC236}">
-                <a16:creationId xmlns="" xmlns:a16="http://schemas.microsoft.com/office/drawing/2014/main" id="{77CE2ED0-3A26-43BD-8017-2D08C9C12598}"/>
+                <a16:creationId xmlns:a16="http://schemas.microsoft.com/office/drawing/2014/main" xmlns="" id="{77CE2ED0-3A26-43BD-8017-2D08C9C12598}"/>
               </a:ext>
             </a:extLst>
           </p:cNvPr>
@@ -11672,7 +5864,7 @@
           <p:cNvPr id="3" name="Tabela 2">
             <a:extLst>
               <a:ext uri="{FF2B5EF4-FFF2-40B4-BE49-F238E27FC236}">
-                <a16:creationId xmlns="" xmlns:a16="http://schemas.microsoft.com/office/drawing/2014/main" id="{CD6764B5-8357-4D69-AB36-F2C51CF5B135}"/>
+                <a16:creationId xmlns:a16="http://schemas.microsoft.com/office/drawing/2014/main" xmlns="" id="{CD6764B5-8357-4D69-AB36-F2C51CF5B135}"/>
               </a:ext>
             </a:extLst>
           </p:cNvPr>
@@ -11701,70 +5893,70 @@
                 <a:gridCol w="1044950">
                   <a:extLst>
                     <a:ext uri="{9D8B030D-6E8A-4147-A177-3AD203B41FA5}">
-                      <a16:colId xmlns="" xmlns:a16="http://schemas.microsoft.com/office/drawing/2014/main" val="929364466"/>
+                      <a16:colId xmlns:a16="http://schemas.microsoft.com/office/drawing/2014/main" xmlns="" val="929364466"/>
                     </a:ext>
                   </a:extLst>
                 </a:gridCol>
                 <a:gridCol w="445861">
                   <a:extLst>
                     <a:ext uri="{9D8B030D-6E8A-4147-A177-3AD203B41FA5}">
-                      <a16:colId xmlns="" xmlns:a16="http://schemas.microsoft.com/office/drawing/2014/main" val="214781007"/>
+                      <a16:colId xmlns:a16="http://schemas.microsoft.com/office/drawing/2014/main" xmlns="" val="214781007"/>
                     </a:ext>
                   </a:extLst>
                 </a:gridCol>
                 <a:gridCol w="372331">
                   <a:extLst>
                     <a:ext uri="{9D8B030D-6E8A-4147-A177-3AD203B41FA5}">
-                      <a16:colId xmlns="" xmlns:a16="http://schemas.microsoft.com/office/drawing/2014/main" val="2553223230"/>
+                      <a16:colId xmlns:a16="http://schemas.microsoft.com/office/drawing/2014/main" xmlns="" val="2553223230"/>
                     </a:ext>
                   </a:extLst>
                 </a:gridCol>
                 <a:gridCol w="2595465">
                   <a:extLst>
                     <a:ext uri="{9D8B030D-6E8A-4147-A177-3AD203B41FA5}">
-                      <a16:colId xmlns="" xmlns:a16="http://schemas.microsoft.com/office/drawing/2014/main" val="210884694"/>
+                      <a16:colId xmlns:a16="http://schemas.microsoft.com/office/drawing/2014/main" xmlns="" val="210884694"/>
                     </a:ext>
                   </a:extLst>
                 </a:gridCol>
                 <a:gridCol w="1132728">
                   <a:extLst>
                     <a:ext uri="{9D8B030D-6E8A-4147-A177-3AD203B41FA5}">
-                      <a16:colId xmlns="" xmlns:a16="http://schemas.microsoft.com/office/drawing/2014/main" val="849940219"/>
+                      <a16:colId xmlns:a16="http://schemas.microsoft.com/office/drawing/2014/main" xmlns="" val="849940219"/>
                     </a:ext>
                   </a:extLst>
                 </a:gridCol>
                 <a:gridCol w="1494235">
                   <a:extLst>
                     <a:ext uri="{9D8B030D-6E8A-4147-A177-3AD203B41FA5}">
-                      <a16:colId xmlns="" xmlns:a16="http://schemas.microsoft.com/office/drawing/2014/main" val="1970886327"/>
+                      <a16:colId xmlns:a16="http://schemas.microsoft.com/office/drawing/2014/main" xmlns="" val="1970886327"/>
                     </a:ext>
                   </a:extLst>
                 </a:gridCol>
                 <a:gridCol w="1168879">
                   <a:extLst>
                     <a:ext uri="{9D8B030D-6E8A-4147-A177-3AD203B41FA5}">
-                      <a16:colId xmlns="" xmlns:a16="http://schemas.microsoft.com/office/drawing/2014/main" val="1492092904"/>
+                      <a16:colId xmlns:a16="http://schemas.microsoft.com/office/drawing/2014/main" xmlns="" val="1492092904"/>
                     </a:ext>
                   </a:extLst>
                 </a:gridCol>
                 <a:gridCol w="1205028">
                   <a:extLst>
                     <a:ext uri="{9D8B030D-6E8A-4147-A177-3AD203B41FA5}">
-                      <a16:colId xmlns="" xmlns:a16="http://schemas.microsoft.com/office/drawing/2014/main" val="1229242411"/>
+                      <a16:colId xmlns:a16="http://schemas.microsoft.com/office/drawing/2014/main" xmlns="" val="1229242411"/>
                     </a:ext>
                   </a:extLst>
                 </a:gridCol>
                 <a:gridCol w="1217080">
                   <a:extLst>
                     <a:ext uri="{9D8B030D-6E8A-4147-A177-3AD203B41FA5}">
-                      <a16:colId xmlns="" xmlns:a16="http://schemas.microsoft.com/office/drawing/2014/main" val="1531762052"/>
+                      <a16:colId xmlns:a16="http://schemas.microsoft.com/office/drawing/2014/main" xmlns="" val="1531762052"/>
                     </a:ext>
                   </a:extLst>
                 </a:gridCol>
                 <a:gridCol w="1108628">
                   <a:extLst>
                     <a:ext uri="{9D8B030D-6E8A-4147-A177-3AD203B41FA5}">
-                      <a16:colId xmlns="" xmlns:a16="http://schemas.microsoft.com/office/drawing/2014/main" val="261952847"/>
+                      <a16:colId xmlns:a16="http://schemas.microsoft.com/office/drawing/2014/main" xmlns="" val="261952847"/>
                     </a:ext>
                   </a:extLst>
                 </a:gridCol>
@@ -12029,7 +6221,7 @@
                 </a:tc>
                 <a:extLst>
                   <a:ext uri="{0D108BD9-81ED-4DB2-BD59-A6C34878D82A}">
-                    <a16:rowId xmlns="" xmlns:a16="http://schemas.microsoft.com/office/drawing/2014/main" val="2011437187"/>
+                    <a16:rowId xmlns:a16="http://schemas.microsoft.com/office/drawing/2014/main" xmlns="" val="2011437187"/>
                   </a:ext>
                 </a:extLst>
               </a:tr>
@@ -12720,7 +6912,7 @@
                 </a:tc>
                 <a:extLst>
                   <a:ext uri="{0D108BD9-81ED-4DB2-BD59-A6C34878D82A}">
-                    <a16:rowId xmlns="" xmlns:a16="http://schemas.microsoft.com/office/drawing/2014/main" val="486921620"/>
+                    <a16:rowId xmlns:a16="http://schemas.microsoft.com/office/drawing/2014/main" xmlns="" val="486921620"/>
                   </a:ext>
                 </a:extLst>
               </a:tr>
@@ -13243,7 +7435,7 @@
                 </a:tc>
                 <a:extLst>
                   <a:ext uri="{0D108BD9-81ED-4DB2-BD59-A6C34878D82A}">
-                    <a16:rowId xmlns="" xmlns:a16="http://schemas.microsoft.com/office/drawing/2014/main" val="1417090414"/>
+                    <a16:rowId xmlns:a16="http://schemas.microsoft.com/office/drawing/2014/main" xmlns="" val="1417090414"/>
                   </a:ext>
                 </a:extLst>
               </a:tr>
@@ -13742,7 +7934,7 @@
                 </a:tc>
                 <a:extLst>
                   <a:ext uri="{0D108BD9-81ED-4DB2-BD59-A6C34878D82A}">
-                    <a16:rowId xmlns="" xmlns:a16="http://schemas.microsoft.com/office/drawing/2014/main" val="3645776909"/>
+                    <a16:rowId xmlns:a16="http://schemas.microsoft.com/office/drawing/2014/main" xmlns="" val="3645776909"/>
                   </a:ext>
                 </a:extLst>
               </a:tr>
@@ -14257,7 +8449,7 @@
                 </a:tc>
                 <a:extLst>
                   <a:ext uri="{0D108BD9-81ED-4DB2-BD59-A6C34878D82A}">
-                    <a16:rowId xmlns="" xmlns:a16="http://schemas.microsoft.com/office/drawing/2014/main" val="877175422"/>
+                    <a16:rowId xmlns:a16="http://schemas.microsoft.com/office/drawing/2014/main" xmlns="" val="877175422"/>
                   </a:ext>
                 </a:extLst>
               </a:tr>
@@ -14752,7 +8944,7 @@
                 </a:tc>
                 <a:extLst>
                   <a:ext uri="{0D108BD9-81ED-4DB2-BD59-A6C34878D82A}">
-                    <a16:rowId xmlns="" xmlns:a16="http://schemas.microsoft.com/office/drawing/2014/main" val="4013855189"/>
+                    <a16:rowId xmlns:a16="http://schemas.microsoft.com/office/drawing/2014/main" xmlns="" val="4013855189"/>
                   </a:ext>
                 </a:extLst>
               </a:tr>
@@ -15326,7 +9518,7 @@
                 </a:tc>
                 <a:extLst>
                   <a:ext uri="{0D108BD9-81ED-4DB2-BD59-A6C34878D82A}">
-                    <a16:rowId xmlns="" xmlns:a16="http://schemas.microsoft.com/office/drawing/2014/main" val="2085632731"/>
+                    <a16:rowId xmlns:a16="http://schemas.microsoft.com/office/drawing/2014/main" xmlns="" val="2085632731"/>
                   </a:ext>
                 </a:extLst>
               </a:tr>
@@ -15901,7 +10093,7 @@
                 </a:tc>
                 <a:extLst>
                   <a:ext uri="{0D108BD9-81ED-4DB2-BD59-A6C34878D82A}">
-                    <a16:rowId xmlns="" xmlns:a16="http://schemas.microsoft.com/office/drawing/2014/main" val="1349003733"/>
+                    <a16:rowId xmlns:a16="http://schemas.microsoft.com/office/drawing/2014/main" xmlns="" val="1349003733"/>
                   </a:ext>
                 </a:extLst>
               </a:tr>
@@ -16410,7 +10602,7 @@
                 </a:tc>
                 <a:extLst>
                   <a:ext uri="{0D108BD9-81ED-4DB2-BD59-A6C34878D82A}">
-                    <a16:rowId xmlns="" xmlns:a16="http://schemas.microsoft.com/office/drawing/2014/main" val="1254139915"/>
+                    <a16:rowId xmlns:a16="http://schemas.microsoft.com/office/drawing/2014/main" xmlns="" val="1254139915"/>
                   </a:ext>
                 </a:extLst>
               </a:tr>
@@ -16423,7 +10615,7 @@
           <p:cNvPr id="5" name="Tabela 4">
             <a:extLst>
               <a:ext uri="{FF2B5EF4-FFF2-40B4-BE49-F238E27FC236}">
-                <a16:creationId xmlns="" xmlns:a16="http://schemas.microsoft.com/office/drawing/2014/main" id="{5E43C0F8-C7D2-44DE-AF53-994D57193E06}"/>
+                <a16:creationId xmlns:a16="http://schemas.microsoft.com/office/drawing/2014/main" xmlns="" id="{5E43C0F8-C7D2-44DE-AF53-994D57193E06}"/>
               </a:ext>
             </a:extLst>
           </p:cNvPr>
@@ -16452,14 +10644,14 @@
                 <a:gridCol w="2633579">
                   <a:extLst>
                     <a:ext uri="{9D8B030D-6E8A-4147-A177-3AD203B41FA5}">
-                      <a16:colId xmlns="" xmlns:a16="http://schemas.microsoft.com/office/drawing/2014/main" val="3260057866"/>
+                      <a16:colId xmlns:a16="http://schemas.microsoft.com/office/drawing/2014/main" xmlns="" val="3260057866"/>
                     </a:ext>
                   </a:extLst>
                 </a:gridCol>
                 <a:gridCol w="3598779">
                   <a:extLst>
                     <a:ext uri="{9D8B030D-6E8A-4147-A177-3AD203B41FA5}">
-                      <a16:colId xmlns="" xmlns:a16="http://schemas.microsoft.com/office/drawing/2014/main" val="3496643655"/>
+                      <a16:colId xmlns:a16="http://schemas.microsoft.com/office/drawing/2014/main" xmlns="" val="3496643655"/>
                     </a:ext>
                   </a:extLst>
                 </a:gridCol>
@@ -16567,7 +10759,7 @@
                 </a:tc>
                 <a:extLst>
                   <a:ext uri="{0D108BD9-81ED-4DB2-BD59-A6C34878D82A}">
-                    <a16:rowId xmlns="" xmlns:a16="http://schemas.microsoft.com/office/drawing/2014/main" val="265164128"/>
+                    <a16:rowId xmlns:a16="http://schemas.microsoft.com/office/drawing/2014/main" xmlns="" val="265164128"/>
                   </a:ext>
                 </a:extLst>
               </a:tr>
@@ -16580,7 +10772,7 @@
           <p:cNvPr id="7" name="Título 1">
             <a:extLst>
               <a:ext uri="{FF2B5EF4-FFF2-40B4-BE49-F238E27FC236}">
-                <a16:creationId xmlns="" xmlns:a16="http://schemas.microsoft.com/office/drawing/2014/main" id="{41E35EBE-C448-4D39-83D1-DCD9B4281E8B}"/>
+                <a16:creationId xmlns:a16="http://schemas.microsoft.com/office/drawing/2014/main" xmlns="" id="{41E35EBE-C448-4D39-83D1-DCD9B4281E8B}"/>
               </a:ext>
             </a:extLst>
           </p:cNvPr>
